--- a/presi/Hackatal2016_pres.pptx
+++ b/presi/Hackatal2016_pres.pptx
@@ -1,30 +1,46 @@
 
 <file path=ppt/presentation.xml><?xml version="1.0" encoding="utf-8"?>
-<p:presentation xmlns:a="http://schemas.openxmlformats.org/drawingml/2006/main" xmlns:r="http://schemas.openxmlformats.org/officeDocument/2006/relationships" xmlns:p="http://schemas.openxmlformats.org/presentationml/2006/main" strictFirstAndLastChars="0" embedTrueTypeFonts="1" saveSubsetFonts="1" autoCompressPictures="0">
+<p:presentation xmlns:a="http://schemas.openxmlformats.org/drawingml/2006/main" xmlns:r="http://schemas.openxmlformats.org/officeDocument/2006/relationships" xmlns:mc="http://schemas.openxmlformats.org/markup-compatibility/2006" xmlns:mv="urn:schemas-microsoft-com:mac:vml" xmlns:p="http://schemas.openxmlformats.org/presentationml/2006/main" xmlns:c="http://schemas.openxmlformats.org/drawingml/2006/chart" xmlns:dgm="http://schemas.openxmlformats.org/drawingml/2006/diagram" xmlns:o="urn:schemas-microsoft-com:office:office" xmlns:v="urn:schemas-microsoft-com:vml" xmlns:pvml="urn:schemas-microsoft-com:office:powerpoint" xmlns:com="http://schemas.openxmlformats.org/drawingml/2006/compatibility" xmlns:p14="http://schemas.microsoft.com/office/powerpoint/2010/main" autoCompressPictures="0" embedTrueTypeFonts="1" strictFirstAndLastChars="0" saveSubsetFonts="1" showSpecialPlsOnTitleSld="0">
   <p:sldMasterIdLst>
-    <p:sldMasterId id="2147483659" r:id="rId1"/>
+    <p:sldMasterId id="2147483659" r:id="rId3"/>
   </p:sldMasterIdLst>
   <p:notesMasterIdLst>
-    <p:notesMasterId r:id="rId14"/>
+    <p:notesMasterId r:id="rId4"/>
   </p:notesMasterIdLst>
   <p:sldIdLst>
-    <p:sldId id="256" r:id="rId2"/>
-    <p:sldId id="257" r:id="rId3"/>
-    <p:sldId id="258" r:id="rId4"/>
-    <p:sldId id="259" r:id="rId5"/>
-    <p:sldId id="260" r:id="rId6"/>
-    <p:sldId id="261" r:id="rId7"/>
-    <p:sldId id="262" r:id="rId8"/>
-    <p:sldId id="264" r:id="rId9"/>
-    <p:sldId id="266" r:id="rId10"/>
-    <p:sldId id="265" r:id="rId11"/>
-    <p:sldId id="270" r:id="rId12"/>
-    <p:sldId id="269" r:id="rId13"/>
+    <p:sldId id="256" r:id="rId5"/>
+    <p:sldId id="257" r:id="rId6"/>
+    <p:sldId id="258" r:id="rId7"/>
+    <p:sldId id="259" r:id="rId8"/>
+    <p:sldId id="260" r:id="rId9"/>
+    <p:sldId id="261" r:id="rId10"/>
+    <p:sldId id="262" r:id="rId11"/>
+    <p:sldId id="263" r:id="rId12"/>
+    <p:sldId id="264" r:id="rId13"/>
+    <p:sldId id="265" r:id="rId14"/>
+    <p:sldId id="266" r:id="rId15"/>
+    <p:sldId id="267" r:id="rId16"/>
+    <p:sldId id="268" r:id="rId17"/>
+    <p:sldId id="269" r:id="rId18"/>
   </p:sldIdLst>
-  <p:sldSz cx="9144000" cy="5143500" type="screen16x9"/>
+  <p:sldSz cy="5143500" cx="9144000"/>
   <p:notesSz cx="6858000" cy="9144000"/>
+  <p:embeddedFontLst>
+    <p:embeddedFont>
+      <p:font typeface="PT Sans Narrow"/>
+      <p:regular r:id="rId19"/>
+      <p:bold r:id="rId20"/>
+    </p:embeddedFont>
+    <p:embeddedFont>
+      <p:font typeface="Open Sans"/>
+      <p:regular r:id="rId21"/>
+      <p:bold r:id="rId22"/>
+      <p:italic r:id="rId23"/>
+      <p:boldItalic r:id="rId24"/>
+    </p:embeddedFont>
+  </p:embeddedFontLst>
   <p:defaultTextStyle>
-    <a:defPPr marR="0" lvl="0" algn="l" rtl="0">
+    <a:defPPr lvl="0" marR="0" rtl="0" algn="l">
       <a:lnSpc>
         <a:spcPct val="100000"/>
       </a:lnSpc>
@@ -35,7 +51,7 @@
         <a:spcPts val="0"/>
       </a:spcAft>
     </a:defPPr>
-    <a:lvl1pPr marR="0" lvl="0" algn="l" rtl="0">
+    <a:lvl1pPr lvl="0" marR="0" rtl="0" algn="l">
       <a:lnSpc>
         <a:spcPct val="100000"/>
       </a:lnSpc>
@@ -46,7 +62,7 @@
         <a:spcPts val="0"/>
       </a:spcAft>
       <a:buNone/>
-      <a:defRPr sz="1400" b="0" i="0" u="none" strike="noStrike" cap="none">
+      <a:defRPr b="0" i="0" sz="1400" u="none" cap="none" strike="noStrike">
         <a:solidFill>
           <a:srgbClr val="000000"/>
         </a:solidFill>
@@ -56,7 +72,7 @@
         <a:sym typeface="Arial"/>
       </a:defRPr>
     </a:lvl1pPr>
-    <a:lvl2pPr marR="0" lvl="1" algn="l" rtl="0">
+    <a:lvl2pPr lvl="1" marR="0" rtl="0" algn="l">
       <a:lnSpc>
         <a:spcPct val="100000"/>
       </a:lnSpc>
@@ -67,7 +83,7 @@
         <a:spcPts val="0"/>
       </a:spcAft>
       <a:buNone/>
-      <a:defRPr sz="1400" b="0" i="0" u="none" strike="noStrike" cap="none">
+      <a:defRPr b="0" i="0" sz="1400" u="none" cap="none" strike="noStrike">
         <a:solidFill>
           <a:srgbClr val="000000"/>
         </a:solidFill>
@@ -77,7 +93,7 @@
         <a:sym typeface="Arial"/>
       </a:defRPr>
     </a:lvl2pPr>
-    <a:lvl3pPr marR="0" lvl="2" algn="l" rtl="0">
+    <a:lvl3pPr lvl="2" marR="0" rtl="0" algn="l">
       <a:lnSpc>
         <a:spcPct val="100000"/>
       </a:lnSpc>
@@ -88,7 +104,7 @@
         <a:spcPts val="0"/>
       </a:spcAft>
       <a:buNone/>
-      <a:defRPr sz="1400" b="0" i="0" u="none" strike="noStrike" cap="none">
+      <a:defRPr b="0" i="0" sz="1400" u="none" cap="none" strike="noStrike">
         <a:solidFill>
           <a:srgbClr val="000000"/>
         </a:solidFill>
@@ -98,7 +114,7 @@
         <a:sym typeface="Arial"/>
       </a:defRPr>
     </a:lvl3pPr>
-    <a:lvl4pPr marR="0" lvl="3" algn="l" rtl="0">
+    <a:lvl4pPr lvl="3" marR="0" rtl="0" algn="l">
       <a:lnSpc>
         <a:spcPct val="100000"/>
       </a:lnSpc>
@@ -109,7 +125,7 @@
         <a:spcPts val="0"/>
       </a:spcAft>
       <a:buNone/>
-      <a:defRPr sz="1400" b="0" i="0" u="none" strike="noStrike" cap="none">
+      <a:defRPr b="0" i="0" sz="1400" u="none" cap="none" strike="noStrike">
         <a:solidFill>
           <a:srgbClr val="000000"/>
         </a:solidFill>
@@ -119,7 +135,7 @@
         <a:sym typeface="Arial"/>
       </a:defRPr>
     </a:lvl4pPr>
-    <a:lvl5pPr marR="0" lvl="4" algn="l" rtl="0">
+    <a:lvl5pPr lvl="4" marR="0" rtl="0" algn="l">
       <a:lnSpc>
         <a:spcPct val="100000"/>
       </a:lnSpc>
@@ -130,7 +146,7 @@
         <a:spcPts val="0"/>
       </a:spcAft>
       <a:buNone/>
-      <a:defRPr sz="1400" b="0" i="0" u="none" strike="noStrike" cap="none">
+      <a:defRPr b="0" i="0" sz="1400" u="none" cap="none" strike="noStrike">
         <a:solidFill>
           <a:srgbClr val="000000"/>
         </a:solidFill>
@@ -140,7 +156,7 @@
         <a:sym typeface="Arial"/>
       </a:defRPr>
     </a:lvl5pPr>
-    <a:lvl6pPr marR="0" lvl="5" algn="l" rtl="0">
+    <a:lvl6pPr lvl="5" marR="0" rtl="0" algn="l">
       <a:lnSpc>
         <a:spcPct val="100000"/>
       </a:lnSpc>
@@ -151,7 +167,7 @@
         <a:spcPts val="0"/>
       </a:spcAft>
       <a:buNone/>
-      <a:defRPr sz="1400" b="0" i="0" u="none" strike="noStrike" cap="none">
+      <a:defRPr b="0" i="0" sz="1400" u="none" cap="none" strike="noStrike">
         <a:solidFill>
           <a:srgbClr val="000000"/>
         </a:solidFill>
@@ -161,7 +177,7 @@
         <a:sym typeface="Arial"/>
       </a:defRPr>
     </a:lvl6pPr>
-    <a:lvl7pPr marR="0" lvl="6" algn="l" rtl="0">
+    <a:lvl7pPr lvl="6" marR="0" rtl="0" algn="l">
       <a:lnSpc>
         <a:spcPct val="100000"/>
       </a:lnSpc>
@@ -172,7 +188,7 @@
         <a:spcPts val="0"/>
       </a:spcAft>
       <a:buNone/>
-      <a:defRPr sz="1400" b="0" i="0" u="none" strike="noStrike" cap="none">
+      <a:defRPr b="0" i="0" sz="1400" u="none" cap="none" strike="noStrike">
         <a:solidFill>
           <a:srgbClr val="000000"/>
         </a:solidFill>
@@ -182,7 +198,7 @@
         <a:sym typeface="Arial"/>
       </a:defRPr>
     </a:lvl7pPr>
-    <a:lvl8pPr marR="0" lvl="7" algn="l" rtl="0">
+    <a:lvl8pPr lvl="7" marR="0" rtl="0" algn="l">
       <a:lnSpc>
         <a:spcPct val="100000"/>
       </a:lnSpc>
@@ -193,7 +209,7 @@
         <a:spcPts val="0"/>
       </a:spcAft>
       <a:buNone/>
-      <a:defRPr sz="1400" b="0" i="0" u="none" strike="noStrike" cap="none">
+      <a:defRPr b="0" i="0" sz="1400" u="none" cap="none" strike="noStrike">
         <a:solidFill>
           <a:srgbClr val="000000"/>
         </a:solidFill>
@@ -203,7 +219,7 @@
         <a:sym typeface="Arial"/>
       </a:defRPr>
     </a:lvl8pPr>
-    <a:lvl9pPr marR="0" lvl="8" algn="l" rtl="0">
+    <a:lvl9pPr lvl="8" marR="0" rtl="0" algn="l">
       <a:lnSpc>
         <a:spcPct val="100000"/>
       </a:lnSpc>
@@ -214,7 +230,7 @@
         <a:spcPts val="0"/>
       </a:spcAft>
       <a:buNone/>
-      <a:defRPr sz="1400" b="0" i="0" u="none" strike="noStrike" cap="none">
+      <a:defRPr b="0" i="0" sz="1400" u="none" cap="none" strike="noStrike">
         <a:solidFill>
           <a:srgbClr val="000000"/>
         </a:solidFill>
@@ -229,16 +245,11 @@
 </file>
 
 <file path=ppt/notesMasters/notesMaster1.xml><?xml version="1.0" encoding="utf-8"?>
-<p:notesMaster xmlns:a="http://schemas.openxmlformats.org/drawingml/2006/main" xmlns:r="http://schemas.openxmlformats.org/officeDocument/2006/relationships" xmlns:p="http://schemas.openxmlformats.org/presentationml/2006/main">
+<p:notesMaster xmlns:a="http://schemas.openxmlformats.org/drawingml/2006/main" xmlns:r="http://schemas.openxmlformats.org/officeDocument/2006/relationships" xmlns:mc="http://schemas.openxmlformats.org/markup-compatibility/2006" xmlns:mv="urn:schemas-microsoft-com:mac:vml" xmlns:p="http://schemas.openxmlformats.org/presentationml/2006/main" xmlns:c="http://schemas.openxmlformats.org/drawingml/2006/chart" xmlns:dgm="http://schemas.openxmlformats.org/drawingml/2006/diagram" xmlns:o="urn:schemas-microsoft-com:office:office" xmlns:v="urn:schemas-microsoft-com:vml" xmlns:pvml="urn:schemas-microsoft-com:office:powerpoint" xmlns:com="http://schemas.openxmlformats.org/drawingml/2006/compatibility" xmlns:p14="http://schemas.microsoft.com/office/powerpoint/2010/main">
   <p:cSld>
-    <p:bg>
-      <p:bgRef idx="1001">
-        <a:schemeClr val="bg1"/>
-      </p:bgRef>
-    </p:bg>
     <p:spTree>
       <p:nvGrpSpPr>
-        <p:cNvPr id="1" name="Shape 2"/>
+        <p:cNvPr id="2" name="Shape 2"/>
         <p:cNvGrpSpPr/>
         <p:nvPr/>
       </p:nvGrpSpPr>
@@ -253,11 +264,9 @@
       <p:sp>
         <p:nvSpPr>
           <p:cNvPr id="3" name="Shape 3"/>
-          <p:cNvSpPr>
-            <a:spLocks noGrp="1" noRot="1" noChangeAspect="1"/>
-          </p:cNvSpPr>
-          <p:nvPr>
-            <p:ph type="sldImg" idx="2"/>
+          <p:cNvSpPr/>
+          <p:nvPr>
+            <p:ph idx="2" type="sldImg"/>
           </p:nvPr>
         </p:nvSpPr>
         <p:spPr>
@@ -266,13 +275,8 @@
             <a:ext cx="6096075" cy="3429000"/>
           </a:xfrm>
           <a:custGeom>
-            <a:avLst/>
-            <a:gdLst/>
-            <a:ahLst/>
-            <a:cxnLst/>
-            <a:rect l="0" t="0" r="0" b="0"/>
             <a:pathLst>
-              <a:path w="120000" h="120000" extrusionOk="0">
+              <a:path extrusionOk="0" h="120000" w="120000">
                 <a:moveTo>
                   <a:pt x="0" y="0"/>
                 </a:moveTo>
@@ -290,25 +294,23 @@
             </a:pathLst>
           </a:custGeom>
           <a:noFill/>
-          <a:ln w="9525" cap="flat" cmpd="sng">
+          <a:ln cap="flat" cmpd="sng" w="9525">
             <a:solidFill>
               <a:srgbClr val="000000"/>
             </a:solidFill>
             <a:prstDash val="solid"/>
             <a:round/>
-            <a:headEnd type="none" w="med" len="med"/>
-            <a:tailEnd type="none" w="med" len="med"/>
+            <a:headEnd len="med" w="med" type="none"/>
+            <a:tailEnd len="med" w="med" type="none"/>
           </a:ln>
         </p:spPr>
       </p:sp>
       <p:sp>
         <p:nvSpPr>
           <p:cNvPr id="4" name="Shape 4"/>
-          <p:cNvSpPr txBox="1">
-            <a:spLocks noGrp="1"/>
-          </p:cNvSpPr>
-          <p:nvPr>
-            <p:ph type="body" idx="1"/>
+          <p:cNvSpPr txBox="1"/>
+          <p:nvPr>
+            <p:ph idx="1" type="body"/>
           </p:nvPr>
         </p:nvSpPr>
         <p:spPr>
@@ -325,7 +327,7 @@
           </a:ln>
         </p:spPr>
         <p:txBody>
-          <a:bodyPr lIns="91425" tIns="91425" rIns="91425" bIns="91425" anchor="t" anchorCtr="0"/>
+          <a:bodyPr anchorCtr="0" anchor="t" bIns="91425" lIns="91425" rIns="91425" tIns="91425"/>
           <a:lstStyle>
             <a:lvl1pPr lvl="0">
               <a:spcBef>
@@ -382,120 +384,21 @@
               <a:defRPr sz="1100"/>
             </a:lvl9pPr>
           </a:lstStyle>
-          <a:p>
-            <a:endParaRPr/>
-          </a:p>
+          <a:p/>
         </p:txBody>
       </p:sp>
     </p:spTree>
-    <p:extLst>
-      <p:ext uri="{BB962C8B-B14F-4D97-AF65-F5344CB8AC3E}">
-        <p14:creationId xmlns:p14="http://schemas.microsoft.com/office/powerpoint/2010/main" val="1602405391"/>
-      </p:ext>
-    </p:extLst>
   </p:cSld>
-  <p:clrMap bg1="lt1" tx1="dk1" bg2="dk2" tx2="lt2" accent1="accent1" accent2="accent2" accent3="accent3" accent4="accent4" accent5="accent5" accent6="accent6" hlink="hlink" folHlink="folHlink"/>
-  <p:notesStyle>
-    <a:lvl1pPr marL="0" algn="l" defTabSz="457200" rtl="0" eaLnBrk="1" latinLnBrk="0" hangingPunct="1">
-      <a:defRPr sz="1200" kern="1200">
-        <a:solidFill>
-          <a:schemeClr val="tx1"/>
-        </a:solidFill>
-        <a:latin typeface="+mn-lt"/>
-        <a:ea typeface="+mn-ea"/>
-        <a:cs typeface="+mn-cs"/>
-      </a:defRPr>
-    </a:lvl1pPr>
-    <a:lvl2pPr marL="457200" algn="l" defTabSz="457200" rtl="0" eaLnBrk="1" latinLnBrk="0" hangingPunct="1">
-      <a:defRPr sz="1200" kern="1200">
-        <a:solidFill>
-          <a:schemeClr val="tx1"/>
-        </a:solidFill>
-        <a:latin typeface="+mn-lt"/>
-        <a:ea typeface="+mn-ea"/>
-        <a:cs typeface="+mn-cs"/>
-      </a:defRPr>
-    </a:lvl2pPr>
-    <a:lvl3pPr marL="914400" algn="l" defTabSz="457200" rtl="0" eaLnBrk="1" latinLnBrk="0" hangingPunct="1">
-      <a:defRPr sz="1200" kern="1200">
-        <a:solidFill>
-          <a:schemeClr val="tx1"/>
-        </a:solidFill>
-        <a:latin typeface="+mn-lt"/>
-        <a:ea typeface="+mn-ea"/>
-        <a:cs typeface="+mn-cs"/>
-      </a:defRPr>
-    </a:lvl3pPr>
-    <a:lvl4pPr marL="1371600" algn="l" defTabSz="457200" rtl="0" eaLnBrk="1" latinLnBrk="0" hangingPunct="1">
-      <a:defRPr sz="1200" kern="1200">
-        <a:solidFill>
-          <a:schemeClr val="tx1"/>
-        </a:solidFill>
-        <a:latin typeface="+mn-lt"/>
-        <a:ea typeface="+mn-ea"/>
-        <a:cs typeface="+mn-cs"/>
-      </a:defRPr>
-    </a:lvl4pPr>
-    <a:lvl5pPr marL="1828800" algn="l" defTabSz="457200" rtl="0" eaLnBrk="1" latinLnBrk="0" hangingPunct="1">
-      <a:defRPr sz="1200" kern="1200">
-        <a:solidFill>
-          <a:schemeClr val="tx1"/>
-        </a:solidFill>
-        <a:latin typeface="+mn-lt"/>
-        <a:ea typeface="+mn-ea"/>
-        <a:cs typeface="+mn-cs"/>
-      </a:defRPr>
-    </a:lvl5pPr>
-    <a:lvl6pPr marL="2286000" algn="l" defTabSz="457200" rtl="0" eaLnBrk="1" latinLnBrk="0" hangingPunct="1">
-      <a:defRPr sz="1200" kern="1200">
-        <a:solidFill>
-          <a:schemeClr val="tx1"/>
-        </a:solidFill>
-        <a:latin typeface="+mn-lt"/>
-        <a:ea typeface="+mn-ea"/>
-        <a:cs typeface="+mn-cs"/>
-      </a:defRPr>
-    </a:lvl6pPr>
-    <a:lvl7pPr marL="2743200" algn="l" defTabSz="457200" rtl="0" eaLnBrk="1" latinLnBrk="0" hangingPunct="1">
-      <a:defRPr sz="1200" kern="1200">
-        <a:solidFill>
-          <a:schemeClr val="tx1"/>
-        </a:solidFill>
-        <a:latin typeface="+mn-lt"/>
-        <a:ea typeface="+mn-ea"/>
-        <a:cs typeface="+mn-cs"/>
-      </a:defRPr>
-    </a:lvl7pPr>
-    <a:lvl8pPr marL="3200400" algn="l" defTabSz="457200" rtl="0" eaLnBrk="1" latinLnBrk="0" hangingPunct="1">
-      <a:defRPr sz="1200" kern="1200">
-        <a:solidFill>
-          <a:schemeClr val="tx1"/>
-        </a:solidFill>
-        <a:latin typeface="+mn-lt"/>
-        <a:ea typeface="+mn-ea"/>
-        <a:cs typeface="+mn-cs"/>
-      </a:defRPr>
-    </a:lvl8pPr>
-    <a:lvl9pPr marL="3657600" algn="l" defTabSz="457200" rtl="0" eaLnBrk="1" latinLnBrk="0" hangingPunct="1">
-      <a:defRPr sz="1200" kern="1200">
-        <a:solidFill>
-          <a:schemeClr val="tx1"/>
-        </a:solidFill>
-        <a:latin typeface="+mn-lt"/>
-        <a:ea typeface="+mn-ea"/>
-        <a:cs typeface="+mn-cs"/>
-      </a:defRPr>
-    </a:lvl9pPr>
-  </p:notesStyle>
+  <p:clrMap accent1="accent1" accent2="accent2" accent3="accent3" accent4="accent4" accent5="accent5" accent6="accent6" bg1="lt1" bg2="dk2" tx1="dk1" tx2="lt2" folHlink="folHlink" hlink="hlink"/>
 </p:notesMaster>
 </file>
 
 <file path=ppt/notesSlides/notesSlide1.xml><?xml version="1.0" encoding="utf-8"?>
-<p:notes xmlns:a="http://schemas.openxmlformats.org/drawingml/2006/main" xmlns:r="http://schemas.openxmlformats.org/officeDocument/2006/relationships" xmlns:p="http://schemas.openxmlformats.org/presentationml/2006/main" showMasterSp="0" showMasterPhAnim="0">
+<p:notes xmlns:a="http://schemas.openxmlformats.org/drawingml/2006/main" xmlns:r="http://schemas.openxmlformats.org/officeDocument/2006/relationships" xmlns:mc="http://schemas.openxmlformats.org/markup-compatibility/2006" xmlns:mv="urn:schemas-microsoft-com:mac:vml" xmlns:p="http://schemas.openxmlformats.org/presentationml/2006/main" xmlns:c="http://schemas.openxmlformats.org/drawingml/2006/chart" xmlns:dgm="http://schemas.openxmlformats.org/drawingml/2006/diagram" xmlns:o="urn:schemas-microsoft-com:office:office" xmlns:v="urn:schemas-microsoft-com:vml" xmlns:pvml="urn:schemas-microsoft-com:office:powerpoint" xmlns:com="http://schemas.openxmlformats.org/drawingml/2006/compatibility" xmlns:p14="http://schemas.microsoft.com/office/powerpoint/2010/main" showMasterPhAnim="0" showMasterSp="0">
   <p:cSld>
     <p:spTree>
       <p:nvGrpSpPr>
-        <p:cNvPr id="1" name="Shape 62"/>
+        <p:cNvPr id="62" name="Shape 62"/>
         <p:cNvGrpSpPr/>
         <p:nvPr/>
       </p:nvGrpSpPr>
@@ -510,11 +413,9 @@
       <p:sp>
         <p:nvSpPr>
           <p:cNvPr id="63" name="Shape 63"/>
-          <p:cNvSpPr>
-            <a:spLocks noGrp="1" noRot="1" noChangeAspect="1"/>
-          </p:cNvSpPr>
-          <p:nvPr>
-            <p:ph type="sldImg" idx="2"/>
+          <p:cNvSpPr/>
+          <p:nvPr>
+            <p:ph idx="2" type="sldImg"/>
           </p:nvPr>
         </p:nvSpPr>
         <p:spPr>
@@ -523,13 +424,8 @@
             <a:ext cx="6096000" cy="3429000"/>
           </a:xfrm>
           <a:custGeom>
-            <a:avLst/>
-            <a:gdLst/>
-            <a:ahLst/>
-            <a:cxnLst/>
-            <a:rect l="0" t="0" r="0" b="0"/>
             <a:pathLst>
-              <a:path w="120000" h="120000" extrusionOk="0">
+              <a:path extrusionOk="0" h="120000" w="120000">
                 <a:moveTo>
                   <a:pt x="0" y="0"/>
                 </a:moveTo>
@@ -551,11 +447,9 @@
       <p:sp>
         <p:nvSpPr>
           <p:cNvPr id="64" name="Shape 64"/>
-          <p:cNvSpPr txBox="1">
-            <a:spLocks noGrp="1"/>
-          </p:cNvSpPr>
-          <p:nvPr>
-            <p:ph type="body" idx="1"/>
+          <p:cNvSpPr txBox="1"/>
+          <p:nvPr>
+            <p:ph idx="1" type="body"/>
           </p:nvPr>
         </p:nvSpPr>
         <p:spPr>
@@ -568,7 +462,7 @@
           </a:prstGeom>
         </p:spPr>
         <p:txBody>
-          <a:bodyPr lIns="91425" tIns="91425" rIns="91425" bIns="91425" anchor="t" anchorCtr="0">
+          <a:bodyPr anchorCtr="0" anchor="t" bIns="91425" lIns="91425" rIns="91425" tIns="91425">
             <a:noAutofit/>
           </a:bodyPr>
           <a:lstStyle/>
@@ -579,6 +473,9 @@
               </a:spcBef>
               <a:buNone/>
             </a:pPr>
+            <a:r>
+              <a:t/>
+            </a:r>
             <a:endParaRPr/>
           </a:p>
         </p:txBody>
@@ -592,11 +489,11 @@
 </file>
 
 <file path=ppt/notesSlides/notesSlide10.xml><?xml version="1.0" encoding="utf-8"?>
-<p:notes xmlns:a="http://schemas.openxmlformats.org/drawingml/2006/main" xmlns:r="http://schemas.openxmlformats.org/officeDocument/2006/relationships" xmlns:p="http://schemas.openxmlformats.org/presentationml/2006/main" showMasterSp="0" showMasterPhAnim="0">
+<p:notes xmlns:a="http://schemas.openxmlformats.org/drawingml/2006/main" xmlns:r="http://schemas.openxmlformats.org/officeDocument/2006/relationships" xmlns:mc="http://schemas.openxmlformats.org/markup-compatibility/2006" xmlns:mv="urn:schemas-microsoft-com:mac:vml" xmlns:p="http://schemas.openxmlformats.org/presentationml/2006/main" xmlns:c="http://schemas.openxmlformats.org/drawingml/2006/chart" xmlns:dgm="http://schemas.openxmlformats.org/drawingml/2006/diagram" xmlns:o="urn:schemas-microsoft-com:office:office" xmlns:v="urn:schemas-microsoft-com:vml" xmlns:pvml="urn:schemas-microsoft-com:office:powerpoint" xmlns:com="http://schemas.openxmlformats.org/drawingml/2006/compatibility" xmlns:p14="http://schemas.microsoft.com/office/powerpoint/2010/main" showMasterPhAnim="0" showMasterSp="0">
   <p:cSld>
     <p:spTree>
       <p:nvGrpSpPr>
-        <p:cNvPr id="1" name="Shape 119"/>
+        <p:cNvPr id="130" name="Shape 130"/>
         <p:cNvGrpSpPr/>
         <p:nvPr/>
       </p:nvGrpSpPr>
@@ -610,27 +507,20 @@
       </p:grpSpPr>
       <p:sp>
         <p:nvSpPr>
-          <p:cNvPr id="120" name="Shape 120"/>
-          <p:cNvSpPr>
-            <a:spLocks noGrp="1" noRot="1" noChangeAspect="1"/>
-          </p:cNvSpPr>
-          <p:nvPr>
-            <p:ph type="sldImg" idx="2"/>
-          </p:nvPr>
-        </p:nvSpPr>
-        <p:spPr>
-          <a:xfrm>
-            <a:off x="381000" y="685800"/>
+          <p:cNvPr id="131" name="Shape 131"/>
+          <p:cNvSpPr/>
+          <p:nvPr>
+            <p:ph idx="2" type="sldImg"/>
+          </p:nvPr>
+        </p:nvSpPr>
+        <p:spPr>
+          <a:xfrm>
+            <a:off x="381300" y="685800"/>
             <a:ext cx="6096000" cy="3429000"/>
           </a:xfrm>
           <a:custGeom>
-            <a:avLst/>
-            <a:gdLst/>
-            <a:ahLst/>
-            <a:cxnLst/>
-            <a:rect l="0" t="0" r="0" b="0"/>
             <a:pathLst>
-              <a:path w="120000" h="120000" extrusionOk="0">
+              <a:path extrusionOk="0" h="120000" w="120000">
                 <a:moveTo>
                   <a:pt x="0" y="0"/>
                 </a:moveTo>
@@ -651,12 +541,10 @@
       </p:sp>
       <p:sp>
         <p:nvSpPr>
-          <p:cNvPr id="121" name="Shape 121"/>
-          <p:cNvSpPr txBox="1">
-            <a:spLocks noGrp="1"/>
-          </p:cNvSpPr>
-          <p:nvPr>
-            <p:ph type="body" idx="1"/>
+          <p:cNvPr id="132" name="Shape 132"/>
+          <p:cNvSpPr txBox="1"/>
+          <p:nvPr>
+            <p:ph idx="1" type="body"/>
           </p:nvPr>
         </p:nvSpPr>
         <p:spPr>
@@ -669,17 +557,20 @@
           </a:prstGeom>
         </p:spPr>
         <p:txBody>
-          <a:bodyPr lIns="91425" tIns="91425" rIns="91425" bIns="91425" anchor="t" anchorCtr="0">
+          <a:bodyPr anchorCtr="0" anchor="t" bIns="91425" lIns="91425" rIns="91425" tIns="91425">
             <a:noAutofit/>
           </a:bodyPr>
           <a:lstStyle/>
           <a:p>
-            <a:pPr lvl="0" rtl="0">
-              <a:spcBef>
-                <a:spcPts val="0"/>
-              </a:spcBef>
-              <a:buNone/>
-            </a:pPr>
+            <a:pPr lvl="0">
+              <a:spcBef>
+                <a:spcPts val="0"/>
+              </a:spcBef>
+              <a:buNone/>
+            </a:pPr>
+            <a:r>
+              <a:t/>
+            </a:r>
             <a:endParaRPr/>
           </a:p>
         </p:txBody>
@@ -693,11 +584,11 @@
 </file>
 
 <file path=ppt/notesSlides/notesSlide11.xml><?xml version="1.0" encoding="utf-8"?>
-<p:notes xmlns:a="http://schemas.openxmlformats.org/drawingml/2006/main" xmlns:r="http://schemas.openxmlformats.org/officeDocument/2006/relationships" xmlns:p="http://schemas.openxmlformats.org/presentationml/2006/main" showMasterSp="0" showMasterPhAnim="0">
+<p:notes xmlns:a="http://schemas.openxmlformats.org/drawingml/2006/main" xmlns:r="http://schemas.openxmlformats.org/officeDocument/2006/relationships" xmlns:mc="http://schemas.openxmlformats.org/markup-compatibility/2006" xmlns:mv="urn:schemas-microsoft-com:mac:vml" xmlns:p="http://schemas.openxmlformats.org/presentationml/2006/main" xmlns:c="http://schemas.openxmlformats.org/drawingml/2006/chart" xmlns:dgm="http://schemas.openxmlformats.org/drawingml/2006/diagram" xmlns:o="urn:schemas-microsoft-com:office:office" xmlns:v="urn:schemas-microsoft-com:vml" xmlns:pvml="urn:schemas-microsoft-com:office:powerpoint" xmlns:com="http://schemas.openxmlformats.org/drawingml/2006/compatibility" xmlns:p14="http://schemas.microsoft.com/office/powerpoint/2010/main" showMasterPhAnim="0" showMasterSp="0">
   <p:cSld>
     <p:spTree>
       <p:nvGrpSpPr>
-        <p:cNvPr id="1" name="Shape 119"/>
+        <p:cNvPr id="137" name="Shape 137"/>
         <p:cNvGrpSpPr/>
         <p:nvPr/>
       </p:nvGrpSpPr>
@@ -711,12 +602,10 @@
       </p:grpSpPr>
       <p:sp>
         <p:nvSpPr>
-          <p:cNvPr id="120" name="Shape 120"/>
-          <p:cNvSpPr>
-            <a:spLocks noGrp="1" noRot="1" noChangeAspect="1"/>
-          </p:cNvSpPr>
-          <p:nvPr>
-            <p:ph type="sldImg" idx="2"/>
+          <p:cNvPr id="138" name="Shape 138"/>
+          <p:cNvSpPr/>
+          <p:nvPr>
+            <p:ph idx="2" type="sldImg"/>
           </p:nvPr>
         </p:nvSpPr>
         <p:spPr>
@@ -725,13 +614,8 @@
             <a:ext cx="6096000" cy="3429000"/>
           </a:xfrm>
           <a:custGeom>
-            <a:avLst/>
-            <a:gdLst/>
-            <a:ahLst/>
-            <a:cxnLst/>
-            <a:rect l="0" t="0" r="0" b="0"/>
             <a:pathLst>
-              <a:path w="120000" h="120000" extrusionOk="0">
+              <a:path extrusionOk="0" h="120000" w="120000">
                 <a:moveTo>
                   <a:pt x="0" y="0"/>
                 </a:moveTo>
@@ -752,12 +636,10 @@
       </p:sp>
       <p:sp>
         <p:nvSpPr>
-          <p:cNvPr id="121" name="Shape 121"/>
-          <p:cNvSpPr txBox="1">
-            <a:spLocks noGrp="1"/>
-          </p:cNvSpPr>
-          <p:nvPr>
-            <p:ph type="body" idx="1"/>
+          <p:cNvPr id="139" name="Shape 139"/>
+          <p:cNvSpPr txBox="1"/>
+          <p:nvPr>
+            <p:ph idx="1" type="body"/>
           </p:nvPr>
         </p:nvSpPr>
         <p:spPr>
@@ -770,17 +652,20 @@
           </a:prstGeom>
         </p:spPr>
         <p:txBody>
-          <a:bodyPr lIns="91425" tIns="91425" rIns="91425" bIns="91425" anchor="t" anchorCtr="0">
+          <a:bodyPr anchorCtr="0" anchor="t" bIns="91425" lIns="91425" rIns="91425" tIns="91425">
             <a:noAutofit/>
           </a:bodyPr>
           <a:lstStyle/>
           <a:p>
-            <a:pPr lvl="0" rtl="0">
-              <a:spcBef>
-                <a:spcPts val="0"/>
-              </a:spcBef>
-              <a:buNone/>
-            </a:pPr>
+            <a:pPr lvl="0">
+              <a:spcBef>
+                <a:spcPts val="0"/>
+              </a:spcBef>
+              <a:buNone/>
+            </a:pPr>
+            <a:r>
+              <a:t/>
+            </a:r>
             <a:endParaRPr/>
           </a:p>
         </p:txBody>
@@ -794,11 +679,11 @@
 </file>
 
 <file path=ppt/notesSlides/notesSlide12.xml><?xml version="1.0" encoding="utf-8"?>
-<p:notes xmlns:a="http://schemas.openxmlformats.org/drawingml/2006/main" xmlns:r="http://schemas.openxmlformats.org/officeDocument/2006/relationships" xmlns:p="http://schemas.openxmlformats.org/presentationml/2006/main" showMasterSp="0" showMasterPhAnim="0">
+<p:notes xmlns:a="http://schemas.openxmlformats.org/drawingml/2006/main" xmlns:r="http://schemas.openxmlformats.org/officeDocument/2006/relationships" xmlns:mc="http://schemas.openxmlformats.org/markup-compatibility/2006" xmlns:mv="urn:schemas-microsoft-com:mac:vml" xmlns:p="http://schemas.openxmlformats.org/presentationml/2006/main" xmlns:c="http://schemas.openxmlformats.org/drawingml/2006/chart" xmlns:dgm="http://schemas.openxmlformats.org/drawingml/2006/diagram" xmlns:o="urn:schemas-microsoft-com:office:office" xmlns:v="urn:schemas-microsoft-com:vml" xmlns:pvml="urn:schemas-microsoft-com:office:powerpoint" xmlns:com="http://schemas.openxmlformats.org/drawingml/2006/compatibility" xmlns:p14="http://schemas.microsoft.com/office/powerpoint/2010/main" showMasterPhAnim="0" showMasterSp="0">
   <p:cSld>
     <p:spTree>
       <p:nvGrpSpPr>
-        <p:cNvPr id="1" name="Shape 107"/>
+        <p:cNvPr id="143" name="Shape 143"/>
         <p:cNvGrpSpPr/>
         <p:nvPr/>
       </p:nvGrpSpPr>
@@ -812,27 +697,20 @@
       </p:grpSpPr>
       <p:sp>
         <p:nvSpPr>
-          <p:cNvPr id="108" name="Shape 108"/>
-          <p:cNvSpPr>
-            <a:spLocks noGrp="1" noRot="1" noChangeAspect="1"/>
-          </p:cNvSpPr>
-          <p:nvPr>
-            <p:ph type="sldImg" idx="2"/>
-          </p:nvPr>
-        </p:nvSpPr>
-        <p:spPr>
-          <a:xfrm>
-            <a:off x="381000" y="685800"/>
+          <p:cNvPr id="144" name="Shape 144"/>
+          <p:cNvSpPr/>
+          <p:nvPr>
+            <p:ph idx="2" type="sldImg"/>
+          </p:nvPr>
+        </p:nvSpPr>
+        <p:spPr>
+          <a:xfrm>
+            <a:off x="381300" y="685800"/>
             <a:ext cx="6096000" cy="3429000"/>
           </a:xfrm>
           <a:custGeom>
-            <a:avLst/>
-            <a:gdLst/>
-            <a:ahLst/>
-            <a:cxnLst/>
-            <a:rect l="0" t="0" r="0" b="0"/>
             <a:pathLst>
-              <a:path w="120000" h="120000" extrusionOk="0">
+              <a:path extrusionOk="0" h="120000" w="120000">
                 <a:moveTo>
                   <a:pt x="0" y="0"/>
                 </a:moveTo>
@@ -853,12 +731,10 @@
       </p:sp>
       <p:sp>
         <p:nvSpPr>
-          <p:cNvPr id="109" name="Shape 109"/>
-          <p:cNvSpPr txBox="1">
-            <a:spLocks noGrp="1"/>
-          </p:cNvSpPr>
-          <p:nvPr>
-            <p:ph type="body" idx="1"/>
+          <p:cNvPr id="145" name="Shape 145"/>
+          <p:cNvSpPr txBox="1"/>
+          <p:nvPr>
+            <p:ph idx="1" type="body"/>
           </p:nvPr>
         </p:nvSpPr>
         <p:spPr>
@@ -871,17 +747,20 @@
           </a:prstGeom>
         </p:spPr>
         <p:txBody>
-          <a:bodyPr lIns="91425" tIns="91425" rIns="91425" bIns="91425" anchor="t" anchorCtr="0">
+          <a:bodyPr anchorCtr="0" anchor="t" bIns="91425" lIns="91425" rIns="91425" tIns="91425">
             <a:noAutofit/>
           </a:bodyPr>
           <a:lstStyle/>
           <a:p>
-            <a:pPr lvl="0">
-              <a:spcBef>
-                <a:spcPts val="0"/>
-              </a:spcBef>
-              <a:buNone/>
-            </a:pPr>
+            <a:pPr lvl="0" rtl="0">
+              <a:spcBef>
+                <a:spcPts val="0"/>
+              </a:spcBef>
+              <a:buNone/>
+            </a:pPr>
+            <a:r>
+              <a:t/>
+            </a:r>
             <a:endParaRPr/>
           </a:p>
         </p:txBody>
@@ -894,12 +773,12 @@
 </p:notes>
 </file>
 
-<file path=ppt/notesSlides/notesSlide2.xml><?xml version="1.0" encoding="utf-8"?>
-<p:notes xmlns:a="http://schemas.openxmlformats.org/drawingml/2006/main" xmlns:r="http://schemas.openxmlformats.org/officeDocument/2006/relationships" xmlns:p="http://schemas.openxmlformats.org/presentationml/2006/main" showMasterSp="0" showMasterPhAnim="0">
+<file path=ppt/notesSlides/notesSlide13.xml><?xml version="1.0" encoding="utf-8"?>
+<p:notes xmlns:a="http://schemas.openxmlformats.org/drawingml/2006/main" xmlns:r="http://schemas.openxmlformats.org/officeDocument/2006/relationships" xmlns:mc="http://schemas.openxmlformats.org/markup-compatibility/2006" xmlns:mv="urn:schemas-microsoft-com:mac:vml" xmlns:p="http://schemas.openxmlformats.org/presentationml/2006/main" xmlns:c="http://schemas.openxmlformats.org/drawingml/2006/chart" xmlns:dgm="http://schemas.openxmlformats.org/drawingml/2006/diagram" xmlns:o="urn:schemas-microsoft-com:office:office" xmlns:v="urn:schemas-microsoft-com:vml" xmlns:pvml="urn:schemas-microsoft-com:office:powerpoint" xmlns:com="http://schemas.openxmlformats.org/drawingml/2006/compatibility" xmlns:p14="http://schemas.microsoft.com/office/powerpoint/2010/main" showMasterPhAnim="0" showMasterSp="0">
   <p:cSld>
     <p:spTree>
       <p:nvGrpSpPr>
-        <p:cNvPr id="1" name="Shape 68"/>
+        <p:cNvPr id="150" name="Shape 150"/>
         <p:cNvGrpSpPr/>
         <p:nvPr/>
       </p:nvGrpSpPr>
@@ -913,12 +792,10 @@
       </p:grpSpPr>
       <p:sp>
         <p:nvSpPr>
-          <p:cNvPr id="69" name="Shape 69"/>
-          <p:cNvSpPr>
-            <a:spLocks noGrp="1" noRot="1" noChangeAspect="1"/>
-          </p:cNvSpPr>
-          <p:nvPr>
-            <p:ph type="sldImg" idx="2"/>
+          <p:cNvPr id="151" name="Shape 151"/>
+          <p:cNvSpPr/>
+          <p:nvPr>
+            <p:ph idx="2" type="sldImg"/>
           </p:nvPr>
         </p:nvSpPr>
         <p:spPr>
@@ -927,13 +804,8 @@
             <a:ext cx="6096000" cy="3429000"/>
           </a:xfrm>
           <a:custGeom>
-            <a:avLst/>
-            <a:gdLst/>
-            <a:ahLst/>
-            <a:cxnLst/>
-            <a:rect l="0" t="0" r="0" b="0"/>
             <a:pathLst>
-              <a:path w="120000" h="120000" extrusionOk="0">
+              <a:path extrusionOk="0" h="120000" w="120000">
                 <a:moveTo>
                   <a:pt x="0" y="0"/>
                 </a:moveTo>
@@ -954,12 +826,10 @@
       </p:sp>
       <p:sp>
         <p:nvSpPr>
-          <p:cNvPr id="70" name="Shape 70"/>
-          <p:cNvSpPr txBox="1">
-            <a:spLocks noGrp="1"/>
-          </p:cNvSpPr>
-          <p:nvPr>
-            <p:ph type="body" idx="1"/>
+          <p:cNvPr id="152" name="Shape 152"/>
+          <p:cNvSpPr txBox="1"/>
+          <p:nvPr>
+            <p:ph idx="1" type="body"/>
           </p:nvPr>
         </p:nvSpPr>
         <p:spPr>
@@ -972,7 +842,7 @@
           </a:prstGeom>
         </p:spPr>
         <p:txBody>
-          <a:bodyPr lIns="91425" tIns="91425" rIns="91425" bIns="91425" anchor="t" anchorCtr="0">
+          <a:bodyPr anchorCtr="0" anchor="t" bIns="91425" lIns="91425" rIns="91425" tIns="91425">
             <a:noAutofit/>
           </a:bodyPr>
           <a:lstStyle/>
@@ -983,6 +853,9 @@
               </a:spcBef>
               <a:buNone/>
             </a:pPr>
+            <a:r>
+              <a:t/>
+            </a:r>
             <a:endParaRPr/>
           </a:p>
         </p:txBody>
@@ -995,12 +868,12 @@
 </p:notes>
 </file>
 
-<file path=ppt/notesSlides/notesSlide3.xml><?xml version="1.0" encoding="utf-8"?>
-<p:notes xmlns:a="http://schemas.openxmlformats.org/drawingml/2006/main" xmlns:r="http://schemas.openxmlformats.org/officeDocument/2006/relationships" xmlns:p="http://schemas.openxmlformats.org/presentationml/2006/main" showMasterSp="0" showMasterPhAnim="0">
+<file path=ppt/notesSlides/notesSlide14.xml><?xml version="1.0" encoding="utf-8"?>
+<p:notes xmlns:a="http://schemas.openxmlformats.org/drawingml/2006/main" xmlns:r="http://schemas.openxmlformats.org/officeDocument/2006/relationships" xmlns:mc="http://schemas.openxmlformats.org/markup-compatibility/2006" xmlns:mv="urn:schemas-microsoft-com:mac:vml" xmlns:p="http://schemas.openxmlformats.org/presentationml/2006/main" xmlns:c="http://schemas.openxmlformats.org/drawingml/2006/chart" xmlns:dgm="http://schemas.openxmlformats.org/drawingml/2006/diagram" xmlns:o="urn:schemas-microsoft-com:office:office" xmlns:v="urn:schemas-microsoft-com:vml" xmlns:pvml="urn:schemas-microsoft-com:office:powerpoint" xmlns:com="http://schemas.openxmlformats.org/drawingml/2006/compatibility" xmlns:p14="http://schemas.microsoft.com/office/powerpoint/2010/main" showMasterPhAnim="0" showMasterSp="0">
   <p:cSld>
     <p:spTree>
       <p:nvGrpSpPr>
-        <p:cNvPr id="1" name="Shape 74"/>
+        <p:cNvPr id="157" name="Shape 157"/>
         <p:cNvGrpSpPr/>
         <p:nvPr/>
       </p:nvGrpSpPr>
@@ -1014,12 +887,10 @@
       </p:grpSpPr>
       <p:sp>
         <p:nvSpPr>
-          <p:cNvPr id="75" name="Shape 75"/>
-          <p:cNvSpPr>
-            <a:spLocks noGrp="1" noRot="1" noChangeAspect="1"/>
-          </p:cNvSpPr>
-          <p:nvPr>
-            <p:ph type="sldImg" idx="2"/>
+          <p:cNvPr id="158" name="Shape 158"/>
+          <p:cNvSpPr/>
+          <p:nvPr>
+            <p:ph idx="2" type="sldImg"/>
           </p:nvPr>
         </p:nvSpPr>
         <p:spPr>
@@ -1028,13 +899,8 @@
             <a:ext cx="6096000" cy="3429000"/>
           </a:xfrm>
           <a:custGeom>
-            <a:avLst/>
-            <a:gdLst/>
-            <a:ahLst/>
-            <a:cxnLst/>
-            <a:rect l="0" t="0" r="0" b="0"/>
             <a:pathLst>
-              <a:path w="120000" h="120000" extrusionOk="0">
+              <a:path extrusionOk="0" h="120000" w="120000">
                 <a:moveTo>
                   <a:pt x="0" y="0"/>
                 </a:moveTo>
@@ -1055,12 +921,10 @@
       </p:sp>
       <p:sp>
         <p:nvSpPr>
-          <p:cNvPr id="76" name="Shape 76"/>
-          <p:cNvSpPr txBox="1">
-            <a:spLocks noGrp="1"/>
-          </p:cNvSpPr>
-          <p:nvPr>
-            <p:ph type="body" idx="1"/>
+          <p:cNvPr id="159" name="Shape 159"/>
+          <p:cNvSpPr txBox="1"/>
+          <p:nvPr>
+            <p:ph idx="1" type="body"/>
           </p:nvPr>
         </p:nvSpPr>
         <p:spPr>
@@ -1073,7 +937,7 @@
           </a:prstGeom>
         </p:spPr>
         <p:txBody>
-          <a:bodyPr lIns="91425" tIns="91425" rIns="91425" bIns="91425" anchor="t" anchorCtr="0">
+          <a:bodyPr anchorCtr="0" anchor="t" bIns="91425" lIns="91425" rIns="91425" tIns="91425">
             <a:noAutofit/>
           </a:bodyPr>
           <a:lstStyle/>
@@ -1084,6 +948,9 @@
               </a:spcBef>
               <a:buNone/>
             </a:pPr>
+            <a:r>
+              <a:t/>
+            </a:r>
             <a:endParaRPr/>
           </a:p>
         </p:txBody>
@@ -1096,12 +963,12 @@
 </p:notes>
 </file>
 
-<file path=ppt/notesSlides/notesSlide4.xml><?xml version="1.0" encoding="utf-8"?>
-<p:notes xmlns:a="http://schemas.openxmlformats.org/drawingml/2006/main" xmlns:r="http://schemas.openxmlformats.org/officeDocument/2006/relationships" xmlns:p="http://schemas.openxmlformats.org/presentationml/2006/main" showMasterSp="0" showMasterPhAnim="0">
+<file path=ppt/notesSlides/notesSlide2.xml><?xml version="1.0" encoding="utf-8"?>
+<p:notes xmlns:a="http://schemas.openxmlformats.org/drawingml/2006/main" xmlns:r="http://schemas.openxmlformats.org/officeDocument/2006/relationships" xmlns:mc="http://schemas.openxmlformats.org/markup-compatibility/2006" xmlns:mv="urn:schemas-microsoft-com:mac:vml" xmlns:p="http://schemas.openxmlformats.org/presentationml/2006/main" xmlns:c="http://schemas.openxmlformats.org/drawingml/2006/chart" xmlns:dgm="http://schemas.openxmlformats.org/drawingml/2006/diagram" xmlns:o="urn:schemas-microsoft-com:office:office" xmlns:v="urn:schemas-microsoft-com:vml" xmlns:pvml="urn:schemas-microsoft-com:office:powerpoint" xmlns:com="http://schemas.openxmlformats.org/drawingml/2006/compatibility" xmlns:p14="http://schemas.microsoft.com/office/powerpoint/2010/main" showMasterPhAnim="0" showMasterSp="0">
   <p:cSld>
     <p:spTree>
       <p:nvGrpSpPr>
-        <p:cNvPr id="1" name="Shape 80"/>
+        <p:cNvPr id="68" name="Shape 68"/>
         <p:cNvGrpSpPr/>
         <p:nvPr/>
       </p:nvGrpSpPr>
@@ -1115,12 +982,10 @@
       </p:grpSpPr>
       <p:sp>
         <p:nvSpPr>
-          <p:cNvPr id="81" name="Shape 81"/>
-          <p:cNvSpPr>
-            <a:spLocks noGrp="1" noRot="1" noChangeAspect="1"/>
-          </p:cNvSpPr>
-          <p:nvPr>
-            <p:ph type="sldImg" idx="2"/>
+          <p:cNvPr id="69" name="Shape 69"/>
+          <p:cNvSpPr/>
+          <p:nvPr>
+            <p:ph idx="2" type="sldImg"/>
           </p:nvPr>
         </p:nvSpPr>
         <p:spPr>
@@ -1129,13 +994,8 @@
             <a:ext cx="6096000" cy="3429000"/>
           </a:xfrm>
           <a:custGeom>
-            <a:avLst/>
-            <a:gdLst/>
-            <a:ahLst/>
-            <a:cxnLst/>
-            <a:rect l="0" t="0" r="0" b="0"/>
             <a:pathLst>
-              <a:path w="120000" h="120000" extrusionOk="0">
+              <a:path extrusionOk="0" h="120000" w="120000">
                 <a:moveTo>
                   <a:pt x="0" y="0"/>
                 </a:moveTo>
@@ -1156,12 +1016,10 @@
       </p:sp>
       <p:sp>
         <p:nvSpPr>
-          <p:cNvPr id="82" name="Shape 82"/>
-          <p:cNvSpPr txBox="1">
-            <a:spLocks noGrp="1"/>
-          </p:cNvSpPr>
-          <p:nvPr>
-            <p:ph type="body" idx="1"/>
+          <p:cNvPr id="70" name="Shape 70"/>
+          <p:cNvSpPr txBox="1"/>
+          <p:nvPr>
+            <p:ph idx="1" type="body"/>
           </p:nvPr>
         </p:nvSpPr>
         <p:spPr>
@@ -1174,7 +1032,7 @@
           </a:prstGeom>
         </p:spPr>
         <p:txBody>
-          <a:bodyPr lIns="91425" tIns="91425" rIns="91425" bIns="91425" anchor="t" anchorCtr="0">
+          <a:bodyPr anchorCtr="0" anchor="t" bIns="91425" lIns="91425" rIns="91425" tIns="91425">
             <a:noAutofit/>
           </a:bodyPr>
           <a:lstStyle/>
@@ -1185,6 +1043,9 @@
               </a:spcBef>
               <a:buNone/>
             </a:pPr>
+            <a:r>
+              <a:t/>
+            </a:r>
             <a:endParaRPr/>
           </a:p>
         </p:txBody>
@@ -1197,12 +1058,12 @@
 </p:notes>
 </file>
 
-<file path=ppt/notesSlides/notesSlide5.xml><?xml version="1.0" encoding="utf-8"?>
-<p:notes xmlns:a="http://schemas.openxmlformats.org/drawingml/2006/main" xmlns:r="http://schemas.openxmlformats.org/officeDocument/2006/relationships" xmlns:p="http://schemas.openxmlformats.org/presentationml/2006/main" showMasterSp="0" showMasterPhAnim="0">
+<file path=ppt/notesSlides/notesSlide3.xml><?xml version="1.0" encoding="utf-8"?>
+<p:notes xmlns:a="http://schemas.openxmlformats.org/drawingml/2006/main" xmlns:r="http://schemas.openxmlformats.org/officeDocument/2006/relationships" xmlns:mc="http://schemas.openxmlformats.org/markup-compatibility/2006" xmlns:mv="urn:schemas-microsoft-com:mac:vml" xmlns:p="http://schemas.openxmlformats.org/presentationml/2006/main" xmlns:c="http://schemas.openxmlformats.org/drawingml/2006/chart" xmlns:dgm="http://schemas.openxmlformats.org/drawingml/2006/diagram" xmlns:o="urn:schemas-microsoft-com:office:office" xmlns:v="urn:schemas-microsoft-com:vml" xmlns:pvml="urn:schemas-microsoft-com:office:powerpoint" xmlns:com="http://schemas.openxmlformats.org/drawingml/2006/compatibility" xmlns:p14="http://schemas.microsoft.com/office/powerpoint/2010/main" showMasterPhAnim="0" showMasterSp="0">
   <p:cSld>
     <p:spTree>
       <p:nvGrpSpPr>
-        <p:cNvPr id="1" name="Shape 86"/>
+        <p:cNvPr id="75" name="Shape 75"/>
         <p:cNvGrpSpPr/>
         <p:nvPr/>
       </p:nvGrpSpPr>
@@ -1216,27 +1077,20 @@
       </p:grpSpPr>
       <p:sp>
         <p:nvSpPr>
-          <p:cNvPr id="87" name="Shape 87"/>
-          <p:cNvSpPr>
-            <a:spLocks noGrp="1" noRot="1" noChangeAspect="1"/>
-          </p:cNvSpPr>
-          <p:nvPr>
-            <p:ph type="sldImg" idx="2"/>
-          </p:nvPr>
-        </p:nvSpPr>
-        <p:spPr>
-          <a:xfrm>
-            <a:off x="381000" y="685800"/>
+          <p:cNvPr id="76" name="Shape 76"/>
+          <p:cNvSpPr/>
+          <p:nvPr>
+            <p:ph idx="2" type="sldImg"/>
+          </p:nvPr>
+        </p:nvSpPr>
+        <p:spPr>
+          <a:xfrm>
+            <a:off x="381300" y="685800"/>
             <a:ext cx="6096000" cy="3429000"/>
           </a:xfrm>
           <a:custGeom>
-            <a:avLst/>
-            <a:gdLst/>
-            <a:ahLst/>
-            <a:cxnLst/>
-            <a:rect l="0" t="0" r="0" b="0"/>
             <a:pathLst>
-              <a:path w="120000" h="120000" extrusionOk="0">
+              <a:path extrusionOk="0" h="120000" w="120000">
                 <a:moveTo>
                   <a:pt x="0" y="0"/>
                 </a:moveTo>
@@ -1257,12 +1111,10 @@
       </p:sp>
       <p:sp>
         <p:nvSpPr>
-          <p:cNvPr id="88" name="Shape 88"/>
-          <p:cNvSpPr txBox="1">
-            <a:spLocks noGrp="1"/>
-          </p:cNvSpPr>
-          <p:nvPr>
-            <p:ph type="body" idx="1"/>
+          <p:cNvPr id="77" name="Shape 77"/>
+          <p:cNvSpPr txBox="1"/>
+          <p:nvPr>
+            <p:ph idx="1" type="body"/>
           </p:nvPr>
         </p:nvSpPr>
         <p:spPr>
@@ -1275,18 +1127,21 @@
           </a:prstGeom>
         </p:spPr>
         <p:txBody>
-          <a:bodyPr lIns="91425" tIns="91425" rIns="91425" bIns="91425" anchor="t" anchorCtr="0">
+          <a:bodyPr anchorCtr="0" anchor="t" bIns="91425" lIns="91425" rIns="91425" tIns="91425">
             <a:noAutofit/>
           </a:bodyPr>
           <a:lstStyle/>
           <a:p>
-            <a:pPr lvl="0" rtl="0">
-              <a:spcBef>
-                <a:spcPts val="0"/>
-              </a:spcBef>
-              <a:buNone/>
-            </a:pPr>
-            <a:endParaRPr dirty="0"/>
+            <a:pPr lvl="0">
+              <a:spcBef>
+                <a:spcPts val="0"/>
+              </a:spcBef>
+              <a:buNone/>
+            </a:pPr>
+            <a:r>
+              <a:t/>
+            </a:r>
+            <a:endParaRPr/>
           </a:p>
         </p:txBody>
       </p:sp>
@@ -1298,12 +1153,12 @@
 </p:notes>
 </file>
 
-<file path=ppt/notesSlides/notesSlide6.xml><?xml version="1.0" encoding="utf-8"?>
-<p:notes xmlns:a="http://schemas.openxmlformats.org/drawingml/2006/main" xmlns:r="http://schemas.openxmlformats.org/officeDocument/2006/relationships" xmlns:p="http://schemas.openxmlformats.org/presentationml/2006/main" showMasterSp="0" showMasterPhAnim="0">
+<file path=ppt/notesSlides/notesSlide4.xml><?xml version="1.0" encoding="utf-8"?>
+<p:notes xmlns:a="http://schemas.openxmlformats.org/drawingml/2006/main" xmlns:r="http://schemas.openxmlformats.org/officeDocument/2006/relationships" xmlns:mc="http://schemas.openxmlformats.org/markup-compatibility/2006" xmlns:mv="urn:schemas-microsoft-com:mac:vml" xmlns:p="http://schemas.openxmlformats.org/presentationml/2006/main" xmlns:c="http://schemas.openxmlformats.org/drawingml/2006/chart" xmlns:dgm="http://schemas.openxmlformats.org/drawingml/2006/diagram" xmlns:o="urn:schemas-microsoft-com:office:office" xmlns:v="urn:schemas-microsoft-com:vml" xmlns:pvml="urn:schemas-microsoft-com:office:powerpoint" xmlns:com="http://schemas.openxmlformats.org/drawingml/2006/compatibility" xmlns:p14="http://schemas.microsoft.com/office/powerpoint/2010/main" showMasterPhAnim="0" showMasterSp="0">
   <p:cSld>
     <p:spTree>
       <p:nvGrpSpPr>
-        <p:cNvPr id="1" name="Shape 92"/>
+        <p:cNvPr id="82" name="Shape 82"/>
         <p:cNvGrpSpPr/>
         <p:nvPr/>
       </p:nvGrpSpPr>
@@ -1317,12 +1172,10 @@
       </p:grpSpPr>
       <p:sp>
         <p:nvSpPr>
-          <p:cNvPr id="93" name="Shape 93"/>
-          <p:cNvSpPr>
-            <a:spLocks noGrp="1" noRot="1" noChangeAspect="1"/>
-          </p:cNvSpPr>
-          <p:nvPr>
-            <p:ph type="sldImg" idx="2"/>
+          <p:cNvPr id="83" name="Shape 83"/>
+          <p:cNvSpPr/>
+          <p:nvPr>
+            <p:ph idx="2" type="sldImg"/>
           </p:nvPr>
         </p:nvSpPr>
         <p:spPr>
@@ -1331,13 +1184,8 @@
             <a:ext cx="6096000" cy="3429000"/>
           </a:xfrm>
           <a:custGeom>
-            <a:avLst/>
-            <a:gdLst/>
-            <a:ahLst/>
-            <a:cxnLst/>
-            <a:rect l="0" t="0" r="0" b="0"/>
             <a:pathLst>
-              <a:path w="120000" h="120000" extrusionOk="0">
+              <a:path extrusionOk="0" h="120000" w="120000">
                 <a:moveTo>
                   <a:pt x="0" y="0"/>
                 </a:moveTo>
@@ -1358,12 +1206,10 @@
       </p:sp>
       <p:sp>
         <p:nvSpPr>
-          <p:cNvPr id="94" name="Shape 94"/>
-          <p:cNvSpPr txBox="1">
-            <a:spLocks noGrp="1"/>
-          </p:cNvSpPr>
-          <p:nvPr>
-            <p:ph type="body" idx="1"/>
+          <p:cNvPr id="84" name="Shape 84"/>
+          <p:cNvSpPr txBox="1"/>
+          <p:nvPr>
+            <p:ph idx="1" type="body"/>
           </p:nvPr>
         </p:nvSpPr>
         <p:spPr>
@@ -1376,17 +1222,20 @@
           </a:prstGeom>
         </p:spPr>
         <p:txBody>
-          <a:bodyPr lIns="91425" tIns="91425" rIns="91425" bIns="91425" anchor="t" anchorCtr="0">
+          <a:bodyPr anchorCtr="0" anchor="t" bIns="91425" lIns="91425" rIns="91425" tIns="91425">
             <a:noAutofit/>
           </a:bodyPr>
           <a:lstStyle/>
           <a:p>
-            <a:pPr lvl="0">
-              <a:spcBef>
-                <a:spcPts val="0"/>
-              </a:spcBef>
-              <a:buNone/>
-            </a:pPr>
+            <a:pPr lvl="0" rtl="0">
+              <a:spcBef>
+                <a:spcPts val="0"/>
+              </a:spcBef>
+              <a:buNone/>
+            </a:pPr>
+            <a:r>
+              <a:t/>
+            </a:r>
             <a:endParaRPr/>
           </a:p>
         </p:txBody>
@@ -1399,12 +1248,12 @@
 </p:notes>
 </file>
 
-<file path=ppt/notesSlides/notesSlide7.xml><?xml version="1.0" encoding="utf-8"?>
-<p:notes xmlns:a="http://schemas.openxmlformats.org/drawingml/2006/main" xmlns:r="http://schemas.openxmlformats.org/officeDocument/2006/relationships" xmlns:p="http://schemas.openxmlformats.org/presentationml/2006/main" showMasterSp="0" showMasterPhAnim="0">
+<file path=ppt/notesSlides/notesSlide5.xml><?xml version="1.0" encoding="utf-8"?>
+<p:notes xmlns:a="http://schemas.openxmlformats.org/drawingml/2006/main" xmlns:r="http://schemas.openxmlformats.org/officeDocument/2006/relationships" xmlns:mc="http://schemas.openxmlformats.org/markup-compatibility/2006" xmlns:mv="urn:schemas-microsoft-com:mac:vml" xmlns:p="http://schemas.openxmlformats.org/presentationml/2006/main" xmlns:c="http://schemas.openxmlformats.org/drawingml/2006/chart" xmlns:dgm="http://schemas.openxmlformats.org/drawingml/2006/diagram" xmlns:o="urn:schemas-microsoft-com:office:office" xmlns:v="urn:schemas-microsoft-com:vml" xmlns:pvml="urn:schemas-microsoft-com:office:powerpoint" xmlns:com="http://schemas.openxmlformats.org/drawingml/2006/compatibility" xmlns:p14="http://schemas.microsoft.com/office/powerpoint/2010/main" showMasterPhAnim="0" showMasterSp="0">
   <p:cSld>
     <p:spTree>
       <p:nvGrpSpPr>
-        <p:cNvPr id="1" name="Shape 98"/>
+        <p:cNvPr id="89" name="Shape 89"/>
         <p:cNvGrpSpPr/>
         <p:nvPr/>
       </p:nvGrpSpPr>
@@ -1418,12 +1267,10 @@
       </p:grpSpPr>
       <p:sp>
         <p:nvSpPr>
-          <p:cNvPr id="99" name="Shape 99"/>
-          <p:cNvSpPr>
-            <a:spLocks noGrp="1" noRot="1" noChangeAspect="1"/>
-          </p:cNvSpPr>
-          <p:nvPr>
-            <p:ph type="sldImg" idx="2"/>
+          <p:cNvPr id="90" name="Shape 90"/>
+          <p:cNvSpPr/>
+          <p:nvPr>
+            <p:ph idx="2" type="sldImg"/>
           </p:nvPr>
         </p:nvSpPr>
         <p:spPr>
@@ -1432,13 +1279,8 @@
             <a:ext cx="6096000" cy="3429000"/>
           </a:xfrm>
           <a:custGeom>
-            <a:avLst/>
-            <a:gdLst/>
-            <a:ahLst/>
-            <a:cxnLst/>
-            <a:rect l="0" t="0" r="0" b="0"/>
             <a:pathLst>
-              <a:path w="120000" h="120000" extrusionOk="0">
+              <a:path extrusionOk="0" h="120000" w="120000">
                 <a:moveTo>
                   <a:pt x="0" y="0"/>
                 </a:moveTo>
@@ -1459,12 +1301,10 @@
       </p:sp>
       <p:sp>
         <p:nvSpPr>
-          <p:cNvPr id="100" name="Shape 100"/>
-          <p:cNvSpPr txBox="1">
-            <a:spLocks noGrp="1"/>
-          </p:cNvSpPr>
-          <p:nvPr>
-            <p:ph type="body" idx="1"/>
+          <p:cNvPr id="91" name="Shape 91"/>
+          <p:cNvSpPr txBox="1"/>
+          <p:nvPr>
+            <p:ph idx="1" type="body"/>
           </p:nvPr>
         </p:nvSpPr>
         <p:spPr>
@@ -1477,7 +1317,7 @@
           </a:prstGeom>
         </p:spPr>
         <p:txBody>
-          <a:bodyPr lIns="91425" tIns="91425" rIns="91425" bIns="91425" anchor="t" anchorCtr="0">
+          <a:bodyPr anchorCtr="0" anchor="t" bIns="91425" lIns="91425" rIns="91425" tIns="91425">
             <a:noAutofit/>
           </a:bodyPr>
           <a:lstStyle/>
@@ -1488,6 +1328,9 @@
               </a:spcBef>
               <a:buNone/>
             </a:pPr>
+            <a:r>
+              <a:t/>
+            </a:r>
             <a:endParaRPr/>
           </a:p>
         </p:txBody>
@@ -1500,12 +1343,12 @@
 </p:notes>
 </file>
 
-<file path=ppt/notesSlides/notesSlide8.xml><?xml version="1.0" encoding="utf-8"?>
-<p:notes xmlns:a="http://schemas.openxmlformats.org/drawingml/2006/main" xmlns:r="http://schemas.openxmlformats.org/officeDocument/2006/relationships" xmlns:p="http://schemas.openxmlformats.org/presentationml/2006/main" showMasterSp="0" showMasterPhAnim="0">
+<file path=ppt/notesSlides/notesSlide6.xml><?xml version="1.0" encoding="utf-8"?>
+<p:notes xmlns:a="http://schemas.openxmlformats.org/drawingml/2006/main" xmlns:r="http://schemas.openxmlformats.org/officeDocument/2006/relationships" xmlns:mc="http://schemas.openxmlformats.org/markup-compatibility/2006" xmlns:mv="urn:schemas-microsoft-com:mac:vml" xmlns:p="http://schemas.openxmlformats.org/presentationml/2006/main" xmlns:c="http://schemas.openxmlformats.org/drawingml/2006/chart" xmlns:dgm="http://schemas.openxmlformats.org/drawingml/2006/diagram" xmlns:o="urn:schemas-microsoft-com:office:office" xmlns:v="urn:schemas-microsoft-com:vml" xmlns:pvml="urn:schemas-microsoft-com:office:powerpoint" xmlns:com="http://schemas.openxmlformats.org/drawingml/2006/compatibility" xmlns:p14="http://schemas.microsoft.com/office/powerpoint/2010/main" showMasterPhAnim="0" showMasterSp="0">
   <p:cSld>
     <p:spTree>
       <p:nvGrpSpPr>
-        <p:cNvPr id="1" name="Shape 113"/>
+        <p:cNvPr id="96" name="Shape 96"/>
         <p:cNvGrpSpPr/>
         <p:nvPr/>
       </p:nvGrpSpPr>
@@ -1519,12 +1362,10 @@
       </p:grpSpPr>
       <p:sp>
         <p:nvSpPr>
-          <p:cNvPr id="114" name="Shape 114"/>
-          <p:cNvSpPr>
-            <a:spLocks noGrp="1" noRot="1" noChangeAspect="1"/>
-          </p:cNvSpPr>
-          <p:nvPr>
-            <p:ph type="sldImg" idx="2"/>
+          <p:cNvPr id="97" name="Shape 97"/>
+          <p:cNvSpPr/>
+          <p:nvPr>
+            <p:ph idx="2" type="sldImg"/>
           </p:nvPr>
         </p:nvSpPr>
         <p:spPr>
@@ -1533,13 +1374,8 @@
             <a:ext cx="6096000" cy="3429000"/>
           </a:xfrm>
           <a:custGeom>
-            <a:avLst/>
-            <a:gdLst/>
-            <a:ahLst/>
-            <a:cxnLst/>
-            <a:rect l="0" t="0" r="0" b="0"/>
             <a:pathLst>
-              <a:path w="120000" h="120000" extrusionOk="0">
+              <a:path extrusionOk="0" h="120000" w="120000">
                 <a:moveTo>
                   <a:pt x="0" y="0"/>
                 </a:moveTo>
@@ -1560,12 +1396,10 @@
       </p:sp>
       <p:sp>
         <p:nvSpPr>
-          <p:cNvPr id="115" name="Shape 115"/>
-          <p:cNvSpPr txBox="1">
-            <a:spLocks noGrp="1"/>
-          </p:cNvSpPr>
-          <p:nvPr>
-            <p:ph type="body" idx="1"/>
+          <p:cNvPr id="98" name="Shape 98"/>
+          <p:cNvSpPr txBox="1"/>
+          <p:nvPr>
+            <p:ph idx="1" type="body"/>
           </p:nvPr>
         </p:nvSpPr>
         <p:spPr>
@@ -1578,7 +1412,7 @@
           </a:prstGeom>
         </p:spPr>
         <p:txBody>
-          <a:bodyPr lIns="91425" tIns="91425" rIns="91425" bIns="91425" anchor="t" anchorCtr="0">
+          <a:bodyPr anchorCtr="0" anchor="t" bIns="91425" lIns="91425" rIns="91425" tIns="91425">
             <a:noAutofit/>
           </a:bodyPr>
           <a:lstStyle/>
@@ -1589,6 +1423,9 @@
               </a:spcBef>
               <a:buNone/>
             </a:pPr>
+            <a:r>
+              <a:t/>
+            </a:r>
             <a:endParaRPr/>
           </a:p>
         </p:txBody>
@@ -1601,12 +1438,12 @@
 </p:notes>
 </file>
 
-<file path=ppt/notesSlides/notesSlide9.xml><?xml version="1.0" encoding="utf-8"?>
-<p:notes xmlns:a="http://schemas.openxmlformats.org/drawingml/2006/main" xmlns:r="http://schemas.openxmlformats.org/officeDocument/2006/relationships" xmlns:p="http://schemas.openxmlformats.org/presentationml/2006/main" showMasterSp="0" showMasterPhAnim="0">
+<file path=ppt/notesSlides/notesSlide7.xml><?xml version="1.0" encoding="utf-8"?>
+<p:notes xmlns:a="http://schemas.openxmlformats.org/drawingml/2006/main" xmlns:r="http://schemas.openxmlformats.org/officeDocument/2006/relationships" xmlns:mc="http://schemas.openxmlformats.org/markup-compatibility/2006" xmlns:mv="urn:schemas-microsoft-com:mac:vml" xmlns:p="http://schemas.openxmlformats.org/presentationml/2006/main" xmlns:c="http://schemas.openxmlformats.org/drawingml/2006/chart" xmlns:dgm="http://schemas.openxmlformats.org/drawingml/2006/diagram" xmlns:o="urn:schemas-microsoft-com:office:office" xmlns:v="urn:schemas-microsoft-com:vml" xmlns:pvml="urn:schemas-microsoft-com:office:powerpoint" xmlns:com="http://schemas.openxmlformats.org/drawingml/2006/compatibility" xmlns:p14="http://schemas.microsoft.com/office/powerpoint/2010/main" showMasterPhAnim="0" showMasterSp="0">
   <p:cSld>
     <p:spTree>
       <p:nvGrpSpPr>
-        <p:cNvPr id="1" name="Shape 125"/>
+        <p:cNvPr id="103" name="Shape 103"/>
         <p:cNvGrpSpPr/>
         <p:nvPr/>
       </p:nvGrpSpPr>
@@ -1620,12 +1457,10 @@
       </p:grpSpPr>
       <p:sp>
         <p:nvSpPr>
-          <p:cNvPr id="126" name="Shape 126"/>
-          <p:cNvSpPr>
-            <a:spLocks noGrp="1" noRot="1" noChangeAspect="1"/>
-          </p:cNvSpPr>
-          <p:nvPr>
-            <p:ph type="sldImg" idx="2"/>
+          <p:cNvPr id="104" name="Shape 104"/>
+          <p:cNvSpPr/>
+          <p:nvPr>
+            <p:ph idx="2" type="sldImg"/>
           </p:nvPr>
         </p:nvSpPr>
         <p:spPr>
@@ -1634,13 +1469,8 @@
             <a:ext cx="6096000" cy="3429000"/>
           </a:xfrm>
           <a:custGeom>
-            <a:avLst/>
-            <a:gdLst/>
-            <a:ahLst/>
-            <a:cxnLst/>
-            <a:rect l="0" t="0" r="0" b="0"/>
             <a:pathLst>
-              <a:path w="120000" h="120000" extrusionOk="0">
+              <a:path extrusionOk="0" h="120000" w="120000">
                 <a:moveTo>
                   <a:pt x="0" y="0"/>
                 </a:moveTo>
@@ -1661,12 +1491,10 @@
       </p:sp>
       <p:sp>
         <p:nvSpPr>
-          <p:cNvPr id="127" name="Shape 127"/>
-          <p:cNvSpPr txBox="1">
-            <a:spLocks noGrp="1"/>
-          </p:cNvSpPr>
-          <p:nvPr>
-            <p:ph type="body" idx="1"/>
+          <p:cNvPr id="105" name="Shape 105"/>
+          <p:cNvSpPr txBox="1"/>
+          <p:nvPr>
+            <p:ph idx="1" type="body"/>
           </p:nvPr>
         </p:nvSpPr>
         <p:spPr>
@@ -1679,7 +1507,7 @@
           </a:prstGeom>
         </p:spPr>
         <p:txBody>
-          <a:bodyPr lIns="91425" tIns="91425" rIns="91425" bIns="91425" anchor="t" anchorCtr="0">
+          <a:bodyPr anchorCtr="0" anchor="t" bIns="91425" lIns="91425" rIns="91425" tIns="91425">
             <a:noAutofit/>
           </a:bodyPr>
           <a:lstStyle/>
@@ -1690,6 +1518,199 @@
               </a:spcBef>
               <a:buNone/>
             </a:pPr>
+            <a:r>
+              <a:t/>
+            </a:r>
+            <a:endParaRPr/>
+          </a:p>
+        </p:txBody>
+      </p:sp>
+    </p:spTree>
+  </p:cSld>
+  <p:clrMapOvr>
+    <a:masterClrMapping/>
+  </p:clrMapOvr>
+</p:notes>
+</file>
+
+<file path=ppt/notesSlides/notesSlide8.xml><?xml version="1.0" encoding="utf-8"?>
+<p:notes xmlns:a="http://schemas.openxmlformats.org/drawingml/2006/main" xmlns:r="http://schemas.openxmlformats.org/officeDocument/2006/relationships" xmlns:mc="http://schemas.openxmlformats.org/markup-compatibility/2006" xmlns:mv="urn:schemas-microsoft-com:mac:vml" xmlns:p="http://schemas.openxmlformats.org/presentationml/2006/main" xmlns:c="http://schemas.openxmlformats.org/drawingml/2006/chart" xmlns:dgm="http://schemas.openxmlformats.org/drawingml/2006/diagram" xmlns:o="urn:schemas-microsoft-com:office:office" xmlns:v="urn:schemas-microsoft-com:vml" xmlns:pvml="urn:schemas-microsoft-com:office:powerpoint" xmlns:com="http://schemas.openxmlformats.org/drawingml/2006/compatibility" xmlns:p14="http://schemas.microsoft.com/office/powerpoint/2010/main" showMasterPhAnim="0" showMasterSp="0">
+  <p:cSld>
+    <p:spTree>
+      <p:nvGrpSpPr>
+        <p:cNvPr id="113" name="Shape 113"/>
+        <p:cNvGrpSpPr/>
+        <p:nvPr/>
+      </p:nvGrpSpPr>
+      <p:grpSpPr>
+        <a:xfrm>
+          <a:off x="0" y="0"/>
+          <a:ext cx="0" cy="0"/>
+          <a:chOff x="0" y="0"/>
+          <a:chExt cx="0" cy="0"/>
+        </a:xfrm>
+      </p:grpSpPr>
+      <p:sp>
+        <p:nvSpPr>
+          <p:cNvPr id="114" name="Shape 114"/>
+          <p:cNvSpPr/>
+          <p:nvPr>
+            <p:ph idx="2" type="sldImg"/>
+          </p:nvPr>
+        </p:nvSpPr>
+        <p:spPr>
+          <a:xfrm>
+            <a:off x="381300" y="685800"/>
+            <a:ext cx="6096000" cy="3429000"/>
+          </a:xfrm>
+          <a:custGeom>
+            <a:pathLst>
+              <a:path extrusionOk="0" h="120000" w="120000">
+                <a:moveTo>
+                  <a:pt x="0" y="0"/>
+                </a:moveTo>
+                <a:lnTo>
+                  <a:pt x="120000" y="0"/>
+                </a:lnTo>
+                <a:lnTo>
+                  <a:pt x="120000" y="120000"/>
+                </a:lnTo>
+                <a:lnTo>
+                  <a:pt x="0" y="120000"/>
+                </a:lnTo>
+                <a:close/>
+              </a:path>
+            </a:pathLst>
+          </a:custGeom>
+        </p:spPr>
+      </p:sp>
+      <p:sp>
+        <p:nvSpPr>
+          <p:cNvPr id="115" name="Shape 115"/>
+          <p:cNvSpPr txBox="1"/>
+          <p:nvPr>
+            <p:ph idx="1" type="body"/>
+          </p:nvPr>
+        </p:nvSpPr>
+        <p:spPr>
+          <a:xfrm>
+            <a:off x="685800" y="4343400"/>
+            <a:ext cx="5486400" cy="4114800"/>
+          </a:xfrm>
+          <a:prstGeom prst="rect">
+            <a:avLst/>
+          </a:prstGeom>
+        </p:spPr>
+        <p:txBody>
+          <a:bodyPr anchorCtr="0" anchor="t" bIns="91425" lIns="91425" rIns="91425" tIns="91425">
+            <a:noAutofit/>
+          </a:bodyPr>
+          <a:lstStyle/>
+          <a:p>
+            <a:pPr lvl="0">
+              <a:spcBef>
+                <a:spcPts val="0"/>
+              </a:spcBef>
+              <a:buNone/>
+            </a:pPr>
+            <a:r>
+              <a:t/>
+            </a:r>
+            <a:endParaRPr/>
+          </a:p>
+        </p:txBody>
+      </p:sp>
+    </p:spTree>
+  </p:cSld>
+  <p:clrMapOvr>
+    <a:masterClrMapping/>
+  </p:clrMapOvr>
+</p:notes>
+</file>
+
+<file path=ppt/notesSlides/notesSlide9.xml><?xml version="1.0" encoding="utf-8"?>
+<p:notes xmlns:a="http://schemas.openxmlformats.org/drawingml/2006/main" xmlns:r="http://schemas.openxmlformats.org/officeDocument/2006/relationships" xmlns:mc="http://schemas.openxmlformats.org/markup-compatibility/2006" xmlns:mv="urn:schemas-microsoft-com:mac:vml" xmlns:p="http://schemas.openxmlformats.org/presentationml/2006/main" xmlns:c="http://schemas.openxmlformats.org/drawingml/2006/chart" xmlns:dgm="http://schemas.openxmlformats.org/drawingml/2006/diagram" xmlns:o="urn:schemas-microsoft-com:office:office" xmlns:v="urn:schemas-microsoft-com:vml" xmlns:pvml="urn:schemas-microsoft-com:office:powerpoint" xmlns:com="http://schemas.openxmlformats.org/drawingml/2006/compatibility" xmlns:p14="http://schemas.microsoft.com/office/powerpoint/2010/main" showMasterPhAnim="0" showMasterSp="0">
+  <p:cSld>
+    <p:spTree>
+      <p:nvGrpSpPr>
+        <p:cNvPr id="120" name="Shape 120"/>
+        <p:cNvGrpSpPr/>
+        <p:nvPr/>
+      </p:nvGrpSpPr>
+      <p:grpSpPr>
+        <a:xfrm>
+          <a:off x="0" y="0"/>
+          <a:ext cx="0" cy="0"/>
+          <a:chOff x="0" y="0"/>
+          <a:chExt cx="0" cy="0"/>
+        </a:xfrm>
+      </p:grpSpPr>
+      <p:sp>
+        <p:nvSpPr>
+          <p:cNvPr id="121" name="Shape 121"/>
+          <p:cNvSpPr/>
+          <p:nvPr>
+            <p:ph idx="2" type="sldImg"/>
+          </p:nvPr>
+        </p:nvSpPr>
+        <p:spPr>
+          <a:xfrm>
+            <a:off x="381300" y="685800"/>
+            <a:ext cx="6096000" cy="3429000"/>
+          </a:xfrm>
+          <a:custGeom>
+            <a:pathLst>
+              <a:path extrusionOk="0" h="120000" w="120000">
+                <a:moveTo>
+                  <a:pt x="0" y="0"/>
+                </a:moveTo>
+                <a:lnTo>
+                  <a:pt x="120000" y="0"/>
+                </a:lnTo>
+                <a:lnTo>
+                  <a:pt x="120000" y="120000"/>
+                </a:lnTo>
+                <a:lnTo>
+                  <a:pt x="0" y="120000"/>
+                </a:lnTo>
+                <a:close/>
+              </a:path>
+            </a:pathLst>
+          </a:custGeom>
+        </p:spPr>
+      </p:sp>
+      <p:sp>
+        <p:nvSpPr>
+          <p:cNvPr id="122" name="Shape 122"/>
+          <p:cNvSpPr txBox="1"/>
+          <p:nvPr>
+            <p:ph idx="1" type="body"/>
+          </p:nvPr>
+        </p:nvSpPr>
+        <p:spPr>
+          <a:xfrm>
+            <a:off x="685800" y="4343400"/>
+            <a:ext cx="5486400" cy="4114800"/>
+          </a:xfrm>
+          <a:prstGeom prst="rect">
+            <a:avLst/>
+          </a:prstGeom>
+        </p:spPr>
+        <p:txBody>
+          <a:bodyPr anchorCtr="0" anchor="t" bIns="91425" lIns="91425" rIns="91425" tIns="91425">
+            <a:noAutofit/>
+          </a:bodyPr>
+          <a:lstStyle/>
+          <a:p>
+            <a:pPr lvl="0">
+              <a:spcBef>
+                <a:spcPts val="0"/>
+              </a:spcBef>
+              <a:buNone/>
+            </a:pPr>
+            <a:r>
+              <a:t/>
+            </a:r>
             <a:endParaRPr/>
           </a:p>
         </p:txBody>
@@ -1703,11 +1724,11 @@
 </file>
 
 <file path=ppt/slideLayouts/slideLayout1.xml><?xml version="1.0" encoding="utf-8"?>
-<p:sldLayout xmlns:a="http://schemas.openxmlformats.org/drawingml/2006/main" xmlns:r="http://schemas.openxmlformats.org/officeDocument/2006/relationships" xmlns:p="http://schemas.openxmlformats.org/presentationml/2006/main" type="title">
+<p:sldLayout xmlns:a="http://schemas.openxmlformats.org/drawingml/2006/main" xmlns:r="http://schemas.openxmlformats.org/officeDocument/2006/relationships" xmlns:mc="http://schemas.openxmlformats.org/markup-compatibility/2006" xmlns:mv="urn:schemas-microsoft-com:mac:vml" xmlns:p="http://schemas.openxmlformats.org/presentationml/2006/main" xmlns:c="http://schemas.openxmlformats.org/drawingml/2006/chart" xmlns:dgm="http://schemas.openxmlformats.org/drawingml/2006/diagram" xmlns:o="urn:schemas-microsoft-com:office:office" xmlns:v="urn:schemas-microsoft-com:vml" xmlns:pvml="urn:schemas-microsoft-com:office:powerpoint" xmlns:com="http://schemas.openxmlformats.org/drawingml/2006/compatibility" xmlns:p14="http://schemas.microsoft.com/office/powerpoint/2010/main" type="title">
   <p:cSld name="Title slide">
     <p:spTree>
       <p:nvGrpSpPr>
-        <p:cNvPr id="1" name="Shape 9"/>
+        <p:cNvPr id="9" name="Shape 9"/>
         <p:cNvGrpSpPr/>
         <p:nvPr/>
       </p:nvGrpSpPr>
@@ -1734,14 +1755,14 @@
             <a:avLst/>
           </a:prstGeom>
           <a:noFill/>
-          <a:ln w="76200" cap="flat" cmpd="sng">
+          <a:ln cap="flat" cmpd="sng" w="76200">
             <a:solidFill>
               <a:schemeClr val="lt2"/>
             </a:solidFill>
             <a:prstDash val="solid"/>
             <a:round/>
-            <a:headEnd type="none" w="med" len="med"/>
-            <a:tailEnd type="none" w="med" len="med"/>
+            <a:headEnd len="med" w="med" type="none"/>
+            <a:tailEnd len="med" w="med" type="none"/>
           </a:ln>
         </p:spPr>
       </p:cxnSp>
@@ -1760,14 +1781,14 @@
             <a:avLst/>
           </a:prstGeom>
           <a:noFill/>
-          <a:ln w="76200" cap="flat" cmpd="sng">
+          <a:ln cap="flat" cmpd="sng" w="76200">
             <a:solidFill>
               <a:schemeClr val="lt2"/>
             </a:solidFill>
             <a:prstDash val="solid"/>
             <a:round/>
-            <a:headEnd type="none" w="med" len="med"/>
-            <a:tailEnd type="none" w="med" len="med"/>
+            <a:headEnd len="med" w="med" type="none"/>
+            <a:tailEnd len="med" w="med" type="none"/>
           </a:ln>
         </p:spPr>
       </p:cxnSp>
@@ -1800,14 +1821,14 @@
               <a:avLst/>
             </a:prstGeom>
             <a:noFill/>
-            <a:ln w="76200" cap="flat" cmpd="sng">
+            <a:ln cap="flat" cmpd="sng" w="76200">
               <a:solidFill>
                 <a:schemeClr val="accent3"/>
               </a:solidFill>
               <a:prstDash val="solid"/>
               <a:round/>
-              <a:headEnd type="none" w="med" len="med"/>
-              <a:tailEnd type="none" w="med" len="med"/>
+              <a:headEnd len="med" w="med" type="none"/>
+              <a:tailEnd len="med" w="med" type="none"/>
             </a:ln>
           </p:spPr>
         </p:cxnSp>
@@ -1826,14 +1847,14 @@
               <a:avLst/>
             </a:prstGeom>
             <a:noFill/>
-            <a:ln w="9525" cap="flat" cmpd="sng">
+            <a:ln cap="flat" cmpd="sng" w="9525">
               <a:solidFill>
                 <a:schemeClr val="accent3"/>
               </a:solidFill>
               <a:prstDash val="solid"/>
               <a:round/>
-              <a:headEnd type="none" w="med" len="med"/>
-              <a:tailEnd type="none" w="med" len="med"/>
+              <a:headEnd len="med" w="med" type="none"/>
+              <a:tailEnd len="med" w="med" type="none"/>
             </a:ln>
           </p:spPr>
         </p:cxnSp>
@@ -1867,14 +1888,14 @@
               <a:avLst/>
             </a:prstGeom>
             <a:noFill/>
-            <a:ln w="76200" cap="flat" cmpd="sng">
+            <a:ln cap="flat" cmpd="sng" w="76200">
               <a:solidFill>
                 <a:schemeClr val="accent3"/>
               </a:solidFill>
               <a:prstDash val="solid"/>
               <a:round/>
-              <a:headEnd type="none" w="med" len="med"/>
-              <a:tailEnd type="none" w="med" len="med"/>
+              <a:headEnd len="med" w="med" type="none"/>
+              <a:tailEnd len="med" w="med" type="none"/>
             </a:ln>
           </p:spPr>
         </p:cxnSp>
@@ -1893,14 +1914,14 @@
               <a:avLst/>
             </a:prstGeom>
             <a:noFill/>
-            <a:ln w="9525" cap="flat" cmpd="sng">
+            <a:ln cap="flat" cmpd="sng" w="9525">
               <a:solidFill>
                 <a:schemeClr val="accent3"/>
               </a:solidFill>
               <a:prstDash val="solid"/>
               <a:round/>
-              <a:headEnd type="none" w="med" len="med"/>
-              <a:tailEnd type="none" w="med" len="med"/>
+              <a:headEnd len="med" w="med" type="none"/>
+              <a:tailEnd len="med" w="med" type="none"/>
             </a:ln>
           </p:spPr>
         </p:cxnSp>
@@ -1908,9 +1929,7 @@
       <p:sp>
         <p:nvSpPr>
           <p:cNvPr id="18" name="Shape 18"/>
-          <p:cNvSpPr txBox="1">
-            <a:spLocks noGrp="1"/>
-          </p:cNvSpPr>
+          <p:cNvSpPr txBox="1"/>
           <p:nvPr>
             <p:ph type="ctrTitle"/>
           </p:nvPr>
@@ -1925,7 +1944,7 @@
           </a:prstGeom>
         </p:spPr>
         <p:txBody>
-          <a:bodyPr lIns="91425" tIns="91425" rIns="91425" bIns="91425" anchor="b" anchorCtr="0"/>
+          <a:bodyPr anchorCtr="0" anchor="b" bIns="91425" lIns="91425" rIns="91425" tIns="91425"/>
           <a:lstStyle>
             <a:lvl1pPr lvl="0" algn="ctr">
               <a:spcBef>
@@ -1991,19 +2010,15 @@
               <a:defRPr sz="5400"/>
             </a:lvl9pPr>
           </a:lstStyle>
-          <a:p>
-            <a:endParaRPr/>
-          </a:p>
+          <a:p/>
         </p:txBody>
       </p:sp>
       <p:sp>
         <p:nvSpPr>
           <p:cNvPr id="19" name="Shape 19"/>
-          <p:cNvSpPr txBox="1">
-            <a:spLocks noGrp="1"/>
-          </p:cNvSpPr>
-          <p:nvPr>
-            <p:ph type="subTitle" idx="1"/>
+          <p:cNvSpPr txBox="1"/>
+          <p:nvPr>
+            <p:ph idx="1" type="subTitle"/>
           </p:nvPr>
         </p:nvSpPr>
         <p:spPr>
@@ -2016,7 +2031,7 @@
           </a:prstGeom>
         </p:spPr>
         <p:txBody>
-          <a:bodyPr lIns="91425" tIns="91425" rIns="91425" bIns="91425" anchor="t" anchorCtr="0"/>
+          <a:bodyPr anchorCtr="0" anchor="t" bIns="91425" lIns="91425" rIns="91425" tIns="91425"/>
           <a:lstStyle>
             <a:lvl1pPr lvl="0" algn="ctr">
               <a:lnSpc>
@@ -2145,19 +2160,15 @@
               <a:defRPr sz="2400"/>
             </a:lvl9pPr>
           </a:lstStyle>
-          <a:p>
-            <a:endParaRPr/>
-          </a:p>
+          <a:p/>
         </p:txBody>
       </p:sp>
       <p:sp>
         <p:nvSpPr>
           <p:cNvPr id="20" name="Shape 20"/>
-          <p:cNvSpPr txBox="1">
-            <a:spLocks noGrp="1"/>
-          </p:cNvSpPr>
-          <p:nvPr>
-            <p:ph type="sldNum" idx="12"/>
+          <p:cNvSpPr txBox="1"/>
+          <p:nvPr>
+            <p:ph idx="12" type="sldNum"/>
           </p:nvPr>
         </p:nvSpPr>
         <p:spPr>
@@ -2170,7 +2181,7 @@
           </a:prstGeom>
         </p:spPr>
         <p:txBody>
-          <a:bodyPr lIns="91425" tIns="91425" rIns="91425" bIns="91425" anchor="ctr" anchorCtr="0">
+          <a:bodyPr anchorCtr="0" anchor="ctr" bIns="91425" lIns="91425" rIns="91425" tIns="91425">
             <a:noAutofit/>
           </a:bodyPr>
           <a:lstStyle/>
@@ -2183,9 +2194,8 @@
             </a:pPr>
             <a:fld id="{00000000-1234-1234-1234-123412341234}" type="slidenum">
               <a:rPr lang="fr"/>
-              <a:t>‹Nr.›</a:t>
+              <a:t>‹#›</a:t>
             </a:fld>
-            <a:endParaRPr lang="fr"/>
           </a:p>
         </p:txBody>
       </p:sp>
@@ -2198,11 +2208,11 @@
 </file>
 
 <file path=ppt/slideLayouts/slideLayout10.xml><?xml version="1.0" encoding="utf-8"?>
-<p:sldLayout xmlns:a="http://schemas.openxmlformats.org/drawingml/2006/main" xmlns:r="http://schemas.openxmlformats.org/officeDocument/2006/relationships" xmlns:p="http://schemas.openxmlformats.org/presentationml/2006/main">
+<p:sldLayout xmlns:a="http://schemas.openxmlformats.org/drawingml/2006/main" xmlns:r="http://schemas.openxmlformats.org/officeDocument/2006/relationships" xmlns:mc="http://schemas.openxmlformats.org/markup-compatibility/2006" xmlns:mv="urn:schemas-microsoft-com:mac:vml" xmlns:p="http://schemas.openxmlformats.org/presentationml/2006/main" xmlns:c="http://schemas.openxmlformats.org/drawingml/2006/chart" xmlns:dgm="http://schemas.openxmlformats.org/drawingml/2006/diagram" xmlns:o="urn:schemas-microsoft-com:office:office" xmlns:v="urn:schemas-microsoft-com:vml" xmlns:pvml="urn:schemas-microsoft-com:office:powerpoint" xmlns:com="http://schemas.openxmlformats.org/drawingml/2006/compatibility" xmlns:p14="http://schemas.microsoft.com/office/powerpoint/2010/main">
   <p:cSld name="Big number">
     <p:spTree>
       <p:nvGrpSpPr>
-        <p:cNvPr id="1" name="Shape 55"/>
+        <p:cNvPr id="55" name="Shape 55"/>
         <p:cNvGrpSpPr/>
         <p:nvPr/>
       </p:nvGrpSpPr>
@@ -2236,7 +2246,7 @@
           </a:ln>
         </p:spPr>
         <p:txBody>
-          <a:bodyPr lIns="91425" tIns="91425" rIns="91425" bIns="91425" anchor="ctr" anchorCtr="0">
+          <a:bodyPr anchorCtr="0" anchor="ctr" bIns="91425" lIns="91425" rIns="91425" tIns="91425">
             <a:noAutofit/>
           </a:bodyPr>
           <a:lstStyle/>
@@ -2247,6 +2257,9 @@
               </a:spcBef>
               <a:buNone/>
             </a:pPr>
+            <a:r>
+              <a:t/>
+            </a:r>
             <a:endParaRPr/>
           </a:p>
         </p:txBody>
@@ -2254,9 +2267,7 @@
       <p:sp>
         <p:nvSpPr>
           <p:cNvPr id="57" name="Shape 57"/>
-          <p:cNvSpPr txBox="1">
-            <a:spLocks noGrp="1"/>
-          </p:cNvSpPr>
+          <p:cNvSpPr txBox="1"/>
           <p:nvPr>
             <p:ph type="title"/>
           </p:nvPr>
@@ -2271,7 +2282,7 @@
           </a:prstGeom>
         </p:spPr>
         <p:txBody>
-          <a:bodyPr lIns="91425" tIns="91425" rIns="91425" bIns="91425" anchor="ctr" anchorCtr="0"/>
+          <a:bodyPr anchorCtr="0" anchor="ctr" bIns="91425" lIns="91425" rIns="91425" tIns="91425"/>
           <a:lstStyle>
             <a:lvl1pPr lvl="0" algn="ctr">
               <a:spcBef>
@@ -2400,19 +2411,15 @@
               </a:defRPr>
             </a:lvl9pPr>
           </a:lstStyle>
-          <a:p>
-            <a:endParaRPr/>
-          </a:p>
+          <a:p/>
         </p:txBody>
       </p:sp>
       <p:sp>
         <p:nvSpPr>
           <p:cNvPr id="58" name="Shape 58"/>
-          <p:cNvSpPr txBox="1">
-            <a:spLocks noGrp="1"/>
-          </p:cNvSpPr>
-          <p:nvPr>
-            <p:ph type="body" idx="1"/>
+          <p:cNvSpPr txBox="1"/>
+          <p:nvPr>
+            <p:ph idx="1" type="body"/>
           </p:nvPr>
         </p:nvSpPr>
         <p:spPr>
@@ -2425,7 +2432,7 @@
           </a:prstGeom>
         </p:spPr>
         <p:txBody>
-          <a:bodyPr lIns="91425" tIns="91425" rIns="91425" bIns="91425" anchor="t" anchorCtr="0"/>
+          <a:bodyPr anchorCtr="0" anchor="t" bIns="91425" lIns="91425" rIns="91425" tIns="91425"/>
           <a:lstStyle>
             <a:lvl1pPr lvl="0" algn="ctr">
               <a:spcBef>
@@ -2482,19 +2489,15 @@
               <a:defRPr/>
             </a:lvl9pPr>
           </a:lstStyle>
-          <a:p>
-            <a:endParaRPr/>
-          </a:p>
+          <a:p/>
         </p:txBody>
       </p:sp>
       <p:sp>
         <p:nvSpPr>
           <p:cNvPr id="59" name="Shape 59"/>
-          <p:cNvSpPr txBox="1">
-            <a:spLocks noGrp="1"/>
-          </p:cNvSpPr>
-          <p:nvPr>
-            <p:ph type="sldNum" idx="12"/>
+          <p:cNvSpPr txBox="1"/>
+          <p:nvPr>
+            <p:ph idx="12" type="sldNum"/>
           </p:nvPr>
         </p:nvSpPr>
         <p:spPr>
@@ -2507,7 +2510,7 @@
           </a:prstGeom>
         </p:spPr>
         <p:txBody>
-          <a:bodyPr lIns="91425" tIns="91425" rIns="91425" bIns="91425" anchor="ctr" anchorCtr="0">
+          <a:bodyPr anchorCtr="0" anchor="ctr" bIns="91425" lIns="91425" rIns="91425" tIns="91425">
             <a:noAutofit/>
           </a:bodyPr>
           <a:lstStyle/>
@@ -2520,9 +2523,8 @@
             </a:pPr>
             <a:fld id="{00000000-1234-1234-1234-123412341234}" type="slidenum">
               <a:rPr lang="fr"/>
-              <a:t>‹Nr.›</a:t>
+              <a:t>‹#›</a:t>
             </a:fld>
-            <a:endParaRPr lang="fr"/>
           </a:p>
         </p:txBody>
       </p:sp>
@@ -2535,11 +2537,11 @@
 </file>
 
 <file path=ppt/slideLayouts/slideLayout11.xml><?xml version="1.0" encoding="utf-8"?>
-<p:sldLayout xmlns:a="http://schemas.openxmlformats.org/drawingml/2006/main" xmlns:r="http://schemas.openxmlformats.org/officeDocument/2006/relationships" xmlns:p="http://schemas.openxmlformats.org/presentationml/2006/main" type="blank">
+<p:sldLayout xmlns:a="http://schemas.openxmlformats.org/drawingml/2006/main" xmlns:r="http://schemas.openxmlformats.org/officeDocument/2006/relationships" xmlns:mc="http://schemas.openxmlformats.org/markup-compatibility/2006" xmlns:mv="urn:schemas-microsoft-com:mac:vml" xmlns:p="http://schemas.openxmlformats.org/presentationml/2006/main" xmlns:c="http://schemas.openxmlformats.org/drawingml/2006/chart" xmlns:dgm="http://schemas.openxmlformats.org/drawingml/2006/diagram" xmlns:o="urn:schemas-microsoft-com:office:office" xmlns:v="urn:schemas-microsoft-com:vml" xmlns:pvml="urn:schemas-microsoft-com:office:powerpoint" xmlns:com="http://schemas.openxmlformats.org/drawingml/2006/compatibility" xmlns:p14="http://schemas.microsoft.com/office/powerpoint/2010/main" type="blank">
   <p:cSld name="Blank">
     <p:spTree>
       <p:nvGrpSpPr>
-        <p:cNvPr id="1" name="Shape 60"/>
+        <p:cNvPr id="60" name="Shape 60"/>
         <p:cNvGrpSpPr/>
         <p:nvPr/>
       </p:nvGrpSpPr>
@@ -2554,11 +2556,9 @@
       <p:sp>
         <p:nvSpPr>
           <p:cNvPr id="61" name="Shape 61"/>
-          <p:cNvSpPr txBox="1">
-            <a:spLocks noGrp="1"/>
-          </p:cNvSpPr>
-          <p:nvPr>
-            <p:ph type="sldNum" idx="12"/>
+          <p:cNvSpPr txBox="1"/>
+          <p:nvPr>
+            <p:ph idx="12" type="sldNum"/>
           </p:nvPr>
         </p:nvSpPr>
         <p:spPr>
@@ -2571,7 +2571,7 @@
           </a:prstGeom>
         </p:spPr>
         <p:txBody>
-          <a:bodyPr lIns="91425" tIns="91425" rIns="91425" bIns="91425" anchor="ctr" anchorCtr="0">
+          <a:bodyPr anchorCtr="0" anchor="ctr" bIns="91425" lIns="91425" rIns="91425" tIns="91425">
             <a:noAutofit/>
           </a:bodyPr>
           <a:lstStyle/>
@@ -2584,9 +2584,8 @@
             </a:pPr>
             <a:fld id="{00000000-1234-1234-1234-123412341234}" type="slidenum">
               <a:rPr lang="fr"/>
-              <a:t>‹Nr.›</a:t>
+              <a:t>‹#›</a:t>
             </a:fld>
-            <a:endParaRPr lang="fr"/>
           </a:p>
         </p:txBody>
       </p:sp>
@@ -2599,11 +2598,11 @@
 </file>
 
 <file path=ppt/slideLayouts/slideLayout2.xml><?xml version="1.0" encoding="utf-8"?>
-<p:sldLayout xmlns:a="http://schemas.openxmlformats.org/drawingml/2006/main" xmlns:r="http://schemas.openxmlformats.org/officeDocument/2006/relationships" xmlns:p="http://schemas.openxmlformats.org/presentationml/2006/main" type="secHead">
+<p:sldLayout xmlns:a="http://schemas.openxmlformats.org/drawingml/2006/main" xmlns:r="http://schemas.openxmlformats.org/officeDocument/2006/relationships" xmlns:mc="http://schemas.openxmlformats.org/markup-compatibility/2006" xmlns:mv="urn:schemas-microsoft-com:mac:vml" xmlns:p="http://schemas.openxmlformats.org/presentationml/2006/main" xmlns:c="http://schemas.openxmlformats.org/drawingml/2006/chart" xmlns:dgm="http://schemas.openxmlformats.org/drawingml/2006/diagram" xmlns:o="urn:schemas-microsoft-com:office:office" xmlns:v="urn:schemas-microsoft-com:vml" xmlns:pvml="urn:schemas-microsoft-com:office:powerpoint" xmlns:com="http://schemas.openxmlformats.org/drawingml/2006/compatibility" xmlns:p14="http://schemas.microsoft.com/office/powerpoint/2010/main" type="secHead">
   <p:cSld name="Section header">
     <p:spTree>
       <p:nvGrpSpPr>
-        <p:cNvPr id="1" name="Shape 21"/>
+        <p:cNvPr id="21" name="Shape 21"/>
         <p:cNvGrpSpPr/>
         <p:nvPr/>
       </p:nvGrpSpPr>
@@ -2637,7 +2636,7 @@
           </a:ln>
         </p:spPr>
         <p:txBody>
-          <a:bodyPr lIns="91425" tIns="91425" rIns="91425" bIns="91425" anchor="ctr" anchorCtr="0">
+          <a:bodyPr anchorCtr="0" anchor="ctr" bIns="91425" lIns="91425" rIns="91425" tIns="91425">
             <a:noAutofit/>
           </a:bodyPr>
           <a:lstStyle/>
@@ -2648,6 +2647,9 @@
               </a:spcBef>
               <a:buNone/>
             </a:pPr>
+            <a:r>
+              <a:t/>
+            </a:r>
             <a:endParaRPr/>
           </a:p>
         </p:txBody>
@@ -2655,9 +2657,7 @@
       <p:sp>
         <p:nvSpPr>
           <p:cNvPr id="23" name="Shape 23"/>
-          <p:cNvSpPr txBox="1">
-            <a:spLocks noGrp="1"/>
-          </p:cNvSpPr>
+          <p:cNvSpPr txBox="1"/>
           <p:nvPr>
             <p:ph type="title"/>
           </p:nvPr>
@@ -2672,7 +2672,7 @@
           </a:prstGeom>
         </p:spPr>
         <p:txBody>
-          <a:bodyPr lIns="91425" tIns="91425" rIns="91425" bIns="91425" anchor="ctr" anchorCtr="0"/>
+          <a:bodyPr anchorCtr="0" anchor="ctr" bIns="91425" lIns="91425" rIns="91425" tIns="91425"/>
           <a:lstStyle>
             <a:lvl1pPr lvl="0" algn="ctr">
               <a:spcBef>
@@ -2729,19 +2729,15 @@
               <a:defRPr/>
             </a:lvl9pPr>
           </a:lstStyle>
-          <a:p>
-            <a:endParaRPr/>
-          </a:p>
+          <a:p/>
         </p:txBody>
       </p:sp>
       <p:sp>
         <p:nvSpPr>
           <p:cNvPr id="24" name="Shape 24"/>
-          <p:cNvSpPr txBox="1">
-            <a:spLocks noGrp="1"/>
-          </p:cNvSpPr>
-          <p:nvPr>
-            <p:ph type="sldNum" idx="12"/>
+          <p:cNvSpPr txBox="1"/>
+          <p:nvPr>
+            <p:ph idx="12" type="sldNum"/>
           </p:nvPr>
         </p:nvSpPr>
         <p:spPr>
@@ -2754,7 +2750,7 @@
           </a:prstGeom>
         </p:spPr>
         <p:txBody>
-          <a:bodyPr lIns="91425" tIns="91425" rIns="91425" bIns="91425" anchor="ctr" anchorCtr="0">
+          <a:bodyPr anchorCtr="0" anchor="ctr" bIns="91425" lIns="91425" rIns="91425" tIns="91425">
             <a:noAutofit/>
           </a:bodyPr>
           <a:lstStyle/>
@@ -2771,13 +2767,8 @@
                   <a:schemeClr val="lt1"/>
                 </a:solidFill>
               </a:rPr>
-              <a:t>‹Nr.›</a:t>
+              <a:t>‹#›</a:t>
             </a:fld>
-            <a:endParaRPr lang="fr">
-              <a:solidFill>
-                <a:schemeClr val="lt1"/>
-              </a:solidFill>
-            </a:endParaRPr>
           </a:p>
         </p:txBody>
       </p:sp>
@@ -2790,11 +2781,11 @@
 </file>
 
 <file path=ppt/slideLayouts/slideLayout3.xml><?xml version="1.0" encoding="utf-8"?>
-<p:sldLayout xmlns:a="http://schemas.openxmlformats.org/drawingml/2006/main" xmlns:r="http://schemas.openxmlformats.org/officeDocument/2006/relationships" xmlns:p="http://schemas.openxmlformats.org/presentationml/2006/main" type="tx">
+<p:sldLayout xmlns:a="http://schemas.openxmlformats.org/drawingml/2006/main" xmlns:r="http://schemas.openxmlformats.org/officeDocument/2006/relationships" xmlns:mc="http://schemas.openxmlformats.org/markup-compatibility/2006" xmlns:mv="urn:schemas-microsoft-com:mac:vml" xmlns:p="http://schemas.openxmlformats.org/presentationml/2006/main" xmlns:c="http://schemas.openxmlformats.org/drawingml/2006/chart" xmlns:dgm="http://schemas.openxmlformats.org/drawingml/2006/diagram" xmlns:o="urn:schemas-microsoft-com:office:office" xmlns:v="urn:schemas-microsoft-com:vml" xmlns:pvml="urn:schemas-microsoft-com:office:powerpoint" xmlns:com="http://schemas.openxmlformats.org/drawingml/2006/compatibility" xmlns:p14="http://schemas.microsoft.com/office/powerpoint/2010/main" type="tx">
   <p:cSld name="Title and body">
     <p:spTree>
       <p:nvGrpSpPr>
-        <p:cNvPr id="1" name="Shape 25"/>
+        <p:cNvPr id="25" name="Shape 25"/>
         <p:cNvGrpSpPr/>
         <p:nvPr/>
       </p:nvGrpSpPr>
@@ -2828,7 +2819,7 @@
           </a:ln>
         </p:spPr>
         <p:txBody>
-          <a:bodyPr lIns="91425" tIns="91425" rIns="91425" bIns="91425" anchor="ctr" anchorCtr="0">
+          <a:bodyPr anchorCtr="0" anchor="ctr" bIns="91425" lIns="91425" rIns="91425" tIns="91425">
             <a:noAutofit/>
           </a:bodyPr>
           <a:lstStyle/>
@@ -2839,6 +2830,9 @@
               </a:spcBef>
               <a:buNone/>
             </a:pPr>
+            <a:r>
+              <a:t/>
+            </a:r>
             <a:endParaRPr/>
           </a:p>
         </p:txBody>
@@ -2846,9 +2840,7 @@
       <p:sp>
         <p:nvSpPr>
           <p:cNvPr id="27" name="Shape 27"/>
-          <p:cNvSpPr txBox="1">
-            <a:spLocks noGrp="1"/>
-          </p:cNvSpPr>
+          <p:cNvSpPr txBox="1"/>
           <p:nvPr>
             <p:ph type="title"/>
           </p:nvPr>
@@ -2863,7 +2855,7 @@
           </a:prstGeom>
         </p:spPr>
         <p:txBody>
-          <a:bodyPr lIns="91425" tIns="91425" rIns="91425" bIns="91425" anchor="t" anchorCtr="0"/>
+          <a:bodyPr anchorCtr="0" anchor="t" bIns="91425" lIns="91425" rIns="91425" tIns="91425"/>
           <a:lstStyle>
             <a:lvl1pPr lvl="0">
               <a:spcBef>
@@ -2920,19 +2912,15 @@
               <a:defRPr/>
             </a:lvl9pPr>
           </a:lstStyle>
-          <a:p>
-            <a:endParaRPr/>
-          </a:p>
+          <a:p/>
         </p:txBody>
       </p:sp>
       <p:sp>
         <p:nvSpPr>
           <p:cNvPr id="28" name="Shape 28"/>
-          <p:cNvSpPr txBox="1">
-            <a:spLocks noGrp="1"/>
-          </p:cNvSpPr>
-          <p:nvPr>
-            <p:ph type="body" idx="1"/>
+          <p:cNvSpPr txBox="1"/>
+          <p:nvPr>
+            <p:ph idx="1" type="body"/>
           </p:nvPr>
         </p:nvSpPr>
         <p:spPr>
@@ -2945,7 +2933,7 @@
           </a:prstGeom>
         </p:spPr>
         <p:txBody>
-          <a:bodyPr lIns="91425" tIns="91425" rIns="91425" bIns="91425" anchor="t" anchorCtr="0"/>
+          <a:bodyPr anchorCtr="0" anchor="t" bIns="91425" lIns="91425" rIns="91425" tIns="91425"/>
           <a:lstStyle>
             <a:lvl1pPr lvl="0">
               <a:spcBef>
@@ -3002,19 +2990,15 @@
               <a:defRPr/>
             </a:lvl9pPr>
           </a:lstStyle>
-          <a:p>
-            <a:endParaRPr/>
-          </a:p>
+          <a:p/>
         </p:txBody>
       </p:sp>
       <p:sp>
         <p:nvSpPr>
           <p:cNvPr id="29" name="Shape 29"/>
-          <p:cNvSpPr txBox="1">
-            <a:spLocks noGrp="1"/>
-          </p:cNvSpPr>
-          <p:nvPr>
-            <p:ph type="sldNum" idx="12"/>
+          <p:cNvSpPr txBox="1"/>
+          <p:nvPr>
+            <p:ph idx="12" type="sldNum"/>
           </p:nvPr>
         </p:nvSpPr>
         <p:spPr>
@@ -3027,7 +3011,7 @@
           </a:prstGeom>
         </p:spPr>
         <p:txBody>
-          <a:bodyPr lIns="91425" tIns="91425" rIns="91425" bIns="91425" anchor="ctr" anchorCtr="0">
+          <a:bodyPr anchorCtr="0" anchor="ctr" bIns="91425" lIns="91425" rIns="91425" tIns="91425">
             <a:noAutofit/>
           </a:bodyPr>
           <a:lstStyle/>
@@ -3040,9 +3024,8 @@
             </a:pPr>
             <a:fld id="{00000000-1234-1234-1234-123412341234}" type="slidenum">
               <a:rPr lang="fr"/>
-              <a:t>‹Nr.›</a:t>
+              <a:t>‹#›</a:t>
             </a:fld>
-            <a:endParaRPr lang="fr"/>
           </a:p>
         </p:txBody>
       </p:sp>
@@ -3055,11 +3038,11 @@
 </file>
 
 <file path=ppt/slideLayouts/slideLayout4.xml><?xml version="1.0" encoding="utf-8"?>
-<p:sldLayout xmlns:a="http://schemas.openxmlformats.org/drawingml/2006/main" xmlns:r="http://schemas.openxmlformats.org/officeDocument/2006/relationships" xmlns:p="http://schemas.openxmlformats.org/presentationml/2006/main" type="twoColTx">
+<p:sldLayout xmlns:a="http://schemas.openxmlformats.org/drawingml/2006/main" xmlns:r="http://schemas.openxmlformats.org/officeDocument/2006/relationships" xmlns:mc="http://schemas.openxmlformats.org/markup-compatibility/2006" xmlns:mv="urn:schemas-microsoft-com:mac:vml" xmlns:p="http://schemas.openxmlformats.org/presentationml/2006/main" xmlns:c="http://schemas.openxmlformats.org/drawingml/2006/chart" xmlns:dgm="http://schemas.openxmlformats.org/drawingml/2006/diagram" xmlns:o="urn:schemas-microsoft-com:office:office" xmlns:v="urn:schemas-microsoft-com:vml" xmlns:pvml="urn:schemas-microsoft-com:office:powerpoint" xmlns:com="http://schemas.openxmlformats.org/drawingml/2006/compatibility" xmlns:p14="http://schemas.microsoft.com/office/powerpoint/2010/main" type="twoColTx">
   <p:cSld name="Title and two columns">
     <p:spTree>
       <p:nvGrpSpPr>
-        <p:cNvPr id="1" name="Shape 30"/>
+        <p:cNvPr id="30" name="Shape 30"/>
         <p:cNvGrpSpPr/>
         <p:nvPr/>
       </p:nvGrpSpPr>
@@ -3074,9 +3057,7 @@
       <p:sp>
         <p:nvSpPr>
           <p:cNvPr id="31" name="Shape 31"/>
-          <p:cNvSpPr txBox="1">
-            <a:spLocks noGrp="1"/>
-          </p:cNvSpPr>
+          <p:cNvSpPr txBox="1"/>
           <p:nvPr>
             <p:ph type="title"/>
           </p:nvPr>
@@ -3091,7 +3072,7 @@
           </a:prstGeom>
         </p:spPr>
         <p:txBody>
-          <a:bodyPr lIns="91425" tIns="91425" rIns="91425" bIns="91425" anchor="t" anchorCtr="0"/>
+          <a:bodyPr anchorCtr="0" anchor="t" bIns="91425" lIns="91425" rIns="91425" tIns="91425"/>
           <a:lstStyle>
             <a:lvl1pPr lvl="0">
               <a:spcBef>
@@ -3148,19 +3129,15 @@
               <a:defRPr/>
             </a:lvl9pPr>
           </a:lstStyle>
-          <a:p>
-            <a:endParaRPr/>
-          </a:p>
+          <a:p/>
         </p:txBody>
       </p:sp>
       <p:sp>
         <p:nvSpPr>
           <p:cNvPr id="32" name="Shape 32"/>
-          <p:cNvSpPr txBox="1">
-            <a:spLocks noGrp="1"/>
-          </p:cNvSpPr>
-          <p:nvPr>
-            <p:ph type="body" idx="1"/>
+          <p:cNvSpPr txBox="1"/>
+          <p:nvPr>
+            <p:ph idx="1" type="body"/>
           </p:nvPr>
         </p:nvSpPr>
         <p:spPr>
@@ -3173,7 +3150,7 @@
           </a:prstGeom>
         </p:spPr>
         <p:txBody>
-          <a:bodyPr lIns="91425" tIns="91425" rIns="91425" bIns="91425" anchor="t" anchorCtr="0"/>
+          <a:bodyPr anchorCtr="0" anchor="t" bIns="91425" lIns="91425" rIns="91425" tIns="91425"/>
           <a:lstStyle>
             <a:lvl1pPr lvl="0">
               <a:spcBef>
@@ -3239,19 +3216,15 @@
               <a:defRPr sz="1200"/>
             </a:lvl9pPr>
           </a:lstStyle>
-          <a:p>
-            <a:endParaRPr/>
-          </a:p>
+          <a:p/>
         </p:txBody>
       </p:sp>
       <p:sp>
         <p:nvSpPr>
           <p:cNvPr id="33" name="Shape 33"/>
-          <p:cNvSpPr txBox="1">
-            <a:spLocks noGrp="1"/>
-          </p:cNvSpPr>
-          <p:nvPr>
-            <p:ph type="body" idx="2"/>
+          <p:cNvSpPr txBox="1"/>
+          <p:nvPr>
+            <p:ph idx="2" type="body"/>
           </p:nvPr>
         </p:nvSpPr>
         <p:spPr>
@@ -3264,7 +3237,7 @@
           </a:prstGeom>
         </p:spPr>
         <p:txBody>
-          <a:bodyPr lIns="91425" tIns="91425" rIns="91425" bIns="91425" anchor="t" anchorCtr="0"/>
+          <a:bodyPr anchorCtr="0" anchor="t" bIns="91425" lIns="91425" rIns="91425" tIns="91425"/>
           <a:lstStyle>
             <a:lvl1pPr lvl="0">
               <a:spcBef>
@@ -3330,19 +3303,15 @@
               <a:defRPr sz="1200"/>
             </a:lvl9pPr>
           </a:lstStyle>
-          <a:p>
-            <a:endParaRPr/>
-          </a:p>
+          <a:p/>
         </p:txBody>
       </p:sp>
       <p:sp>
         <p:nvSpPr>
           <p:cNvPr id="34" name="Shape 34"/>
-          <p:cNvSpPr txBox="1">
-            <a:spLocks noGrp="1"/>
-          </p:cNvSpPr>
-          <p:nvPr>
-            <p:ph type="sldNum" idx="12"/>
+          <p:cNvSpPr txBox="1"/>
+          <p:nvPr>
+            <p:ph idx="12" type="sldNum"/>
           </p:nvPr>
         </p:nvSpPr>
         <p:spPr>
@@ -3355,7 +3324,7 @@
           </a:prstGeom>
         </p:spPr>
         <p:txBody>
-          <a:bodyPr lIns="91425" tIns="91425" rIns="91425" bIns="91425" anchor="ctr" anchorCtr="0">
+          <a:bodyPr anchorCtr="0" anchor="ctr" bIns="91425" lIns="91425" rIns="91425" tIns="91425">
             <a:noAutofit/>
           </a:bodyPr>
           <a:lstStyle/>
@@ -3368,9 +3337,8 @@
             </a:pPr>
             <a:fld id="{00000000-1234-1234-1234-123412341234}" type="slidenum">
               <a:rPr lang="fr"/>
-              <a:t>‹Nr.›</a:t>
+              <a:t>‹#›</a:t>
             </a:fld>
-            <a:endParaRPr lang="fr"/>
           </a:p>
         </p:txBody>
       </p:sp>
@@ -3383,11 +3351,11 @@
 </file>
 
 <file path=ppt/slideLayouts/slideLayout5.xml><?xml version="1.0" encoding="utf-8"?>
-<p:sldLayout xmlns:a="http://schemas.openxmlformats.org/drawingml/2006/main" xmlns:r="http://schemas.openxmlformats.org/officeDocument/2006/relationships" xmlns:p="http://schemas.openxmlformats.org/presentationml/2006/main" type="titleOnly">
+<p:sldLayout xmlns:a="http://schemas.openxmlformats.org/drawingml/2006/main" xmlns:r="http://schemas.openxmlformats.org/officeDocument/2006/relationships" xmlns:mc="http://schemas.openxmlformats.org/markup-compatibility/2006" xmlns:mv="urn:schemas-microsoft-com:mac:vml" xmlns:p="http://schemas.openxmlformats.org/presentationml/2006/main" xmlns:c="http://schemas.openxmlformats.org/drawingml/2006/chart" xmlns:dgm="http://schemas.openxmlformats.org/drawingml/2006/diagram" xmlns:o="urn:schemas-microsoft-com:office:office" xmlns:v="urn:schemas-microsoft-com:vml" xmlns:pvml="urn:schemas-microsoft-com:office:powerpoint" xmlns:com="http://schemas.openxmlformats.org/drawingml/2006/compatibility" xmlns:p14="http://schemas.microsoft.com/office/powerpoint/2010/main" type="titleOnly">
   <p:cSld name="Title only">
     <p:spTree>
       <p:nvGrpSpPr>
-        <p:cNvPr id="1" name="Shape 35"/>
+        <p:cNvPr id="35" name="Shape 35"/>
         <p:cNvGrpSpPr/>
         <p:nvPr/>
       </p:nvGrpSpPr>
@@ -3402,9 +3370,7 @@
       <p:sp>
         <p:nvSpPr>
           <p:cNvPr id="36" name="Shape 36"/>
-          <p:cNvSpPr txBox="1">
-            <a:spLocks noGrp="1"/>
-          </p:cNvSpPr>
+          <p:cNvSpPr txBox="1"/>
           <p:nvPr>
             <p:ph type="title"/>
           </p:nvPr>
@@ -3419,7 +3385,7 @@
           </a:prstGeom>
         </p:spPr>
         <p:txBody>
-          <a:bodyPr lIns="91425" tIns="91425" rIns="91425" bIns="91425" anchor="t" anchorCtr="0"/>
+          <a:bodyPr anchorCtr="0" anchor="t" bIns="91425" lIns="91425" rIns="91425" tIns="91425"/>
           <a:lstStyle>
             <a:lvl1pPr lvl="0">
               <a:spcBef>
@@ -3476,19 +3442,15 @@
               <a:defRPr/>
             </a:lvl9pPr>
           </a:lstStyle>
-          <a:p>
-            <a:endParaRPr/>
-          </a:p>
+          <a:p/>
         </p:txBody>
       </p:sp>
       <p:sp>
         <p:nvSpPr>
           <p:cNvPr id="37" name="Shape 37"/>
-          <p:cNvSpPr txBox="1">
-            <a:spLocks noGrp="1"/>
-          </p:cNvSpPr>
-          <p:nvPr>
-            <p:ph type="sldNum" idx="12"/>
+          <p:cNvSpPr txBox="1"/>
+          <p:nvPr>
+            <p:ph idx="12" type="sldNum"/>
           </p:nvPr>
         </p:nvSpPr>
         <p:spPr>
@@ -3501,7 +3463,7 @@
           </a:prstGeom>
         </p:spPr>
         <p:txBody>
-          <a:bodyPr lIns="91425" tIns="91425" rIns="91425" bIns="91425" anchor="ctr" anchorCtr="0">
+          <a:bodyPr anchorCtr="0" anchor="ctr" bIns="91425" lIns="91425" rIns="91425" tIns="91425">
             <a:noAutofit/>
           </a:bodyPr>
           <a:lstStyle/>
@@ -3514,9 +3476,8 @@
             </a:pPr>
             <a:fld id="{00000000-1234-1234-1234-123412341234}" type="slidenum">
               <a:rPr lang="fr"/>
-              <a:t>‹Nr.›</a:t>
+              <a:t>‹#›</a:t>
             </a:fld>
-            <a:endParaRPr lang="fr"/>
           </a:p>
         </p:txBody>
       </p:sp>
@@ -3529,11 +3490,11 @@
 </file>
 
 <file path=ppt/slideLayouts/slideLayout6.xml><?xml version="1.0" encoding="utf-8"?>
-<p:sldLayout xmlns:a="http://schemas.openxmlformats.org/drawingml/2006/main" xmlns:r="http://schemas.openxmlformats.org/officeDocument/2006/relationships" xmlns:p="http://schemas.openxmlformats.org/presentationml/2006/main">
+<p:sldLayout xmlns:a="http://schemas.openxmlformats.org/drawingml/2006/main" xmlns:r="http://schemas.openxmlformats.org/officeDocument/2006/relationships" xmlns:mc="http://schemas.openxmlformats.org/markup-compatibility/2006" xmlns:mv="urn:schemas-microsoft-com:mac:vml" xmlns:p="http://schemas.openxmlformats.org/presentationml/2006/main" xmlns:c="http://schemas.openxmlformats.org/drawingml/2006/chart" xmlns:dgm="http://schemas.openxmlformats.org/drawingml/2006/diagram" xmlns:o="urn:schemas-microsoft-com:office:office" xmlns:v="urn:schemas-microsoft-com:vml" xmlns:pvml="urn:schemas-microsoft-com:office:powerpoint" xmlns:com="http://schemas.openxmlformats.org/drawingml/2006/compatibility" xmlns:p14="http://schemas.microsoft.com/office/powerpoint/2010/main">
   <p:cSld name="One column text">
     <p:spTree>
       <p:nvGrpSpPr>
-        <p:cNvPr id="1" name="Shape 38"/>
+        <p:cNvPr id="38" name="Shape 38"/>
         <p:cNvGrpSpPr/>
         <p:nvPr/>
       </p:nvGrpSpPr>
@@ -3548,9 +3509,7 @@
       <p:sp>
         <p:nvSpPr>
           <p:cNvPr id="39" name="Shape 39"/>
-          <p:cNvSpPr txBox="1">
-            <a:spLocks noGrp="1"/>
-          </p:cNvSpPr>
+          <p:cNvSpPr txBox="1"/>
           <p:nvPr>
             <p:ph type="title"/>
           </p:nvPr>
@@ -3565,7 +3524,7 @@
           </a:prstGeom>
         </p:spPr>
         <p:txBody>
-          <a:bodyPr lIns="91425" tIns="91425" rIns="91425" bIns="91425" anchor="b" anchorCtr="0"/>
+          <a:bodyPr anchorCtr="0" anchor="b" bIns="91425" lIns="91425" rIns="91425" tIns="91425"/>
           <a:lstStyle>
             <a:lvl1pPr lvl="0">
               <a:spcBef>
@@ -3631,19 +3590,15 @@
               <a:defRPr sz="2400"/>
             </a:lvl9pPr>
           </a:lstStyle>
-          <a:p>
-            <a:endParaRPr/>
-          </a:p>
+          <a:p/>
         </p:txBody>
       </p:sp>
       <p:sp>
         <p:nvSpPr>
           <p:cNvPr id="40" name="Shape 40"/>
-          <p:cNvSpPr txBox="1">
-            <a:spLocks noGrp="1"/>
-          </p:cNvSpPr>
-          <p:nvPr>
-            <p:ph type="body" idx="1"/>
+          <p:cNvSpPr txBox="1"/>
+          <p:nvPr>
+            <p:ph idx="1" type="body"/>
           </p:nvPr>
         </p:nvSpPr>
         <p:spPr>
@@ -3656,7 +3611,7 @@
           </a:prstGeom>
         </p:spPr>
         <p:txBody>
-          <a:bodyPr lIns="91425" tIns="91425" rIns="91425" bIns="91425" anchor="t" anchorCtr="0"/>
+          <a:bodyPr anchorCtr="0" anchor="t" bIns="91425" lIns="91425" rIns="91425" tIns="91425"/>
           <a:lstStyle>
             <a:lvl1pPr lvl="0">
               <a:spcBef>
@@ -3722,19 +3677,15 @@
               <a:defRPr sz="1200"/>
             </a:lvl9pPr>
           </a:lstStyle>
-          <a:p>
-            <a:endParaRPr/>
-          </a:p>
+          <a:p/>
         </p:txBody>
       </p:sp>
       <p:sp>
         <p:nvSpPr>
           <p:cNvPr id="41" name="Shape 41"/>
-          <p:cNvSpPr txBox="1">
-            <a:spLocks noGrp="1"/>
-          </p:cNvSpPr>
-          <p:nvPr>
-            <p:ph type="sldNum" idx="12"/>
+          <p:cNvSpPr txBox="1"/>
+          <p:nvPr>
+            <p:ph idx="12" type="sldNum"/>
           </p:nvPr>
         </p:nvSpPr>
         <p:spPr>
@@ -3747,7 +3698,7 @@
           </a:prstGeom>
         </p:spPr>
         <p:txBody>
-          <a:bodyPr lIns="91425" tIns="91425" rIns="91425" bIns="91425" anchor="ctr" anchorCtr="0">
+          <a:bodyPr anchorCtr="0" anchor="ctr" bIns="91425" lIns="91425" rIns="91425" tIns="91425">
             <a:noAutofit/>
           </a:bodyPr>
           <a:lstStyle/>
@@ -3760,9 +3711,8 @@
             </a:pPr>
             <a:fld id="{00000000-1234-1234-1234-123412341234}" type="slidenum">
               <a:rPr lang="fr"/>
-              <a:t>‹Nr.›</a:t>
+              <a:t>‹#›</a:t>
             </a:fld>
-            <a:endParaRPr lang="fr"/>
           </a:p>
         </p:txBody>
       </p:sp>
@@ -3775,19 +3725,18 @@
 </file>
 
 <file path=ppt/slideLayouts/slideLayout7.xml><?xml version="1.0" encoding="utf-8"?>
-<p:sldLayout xmlns:a="http://schemas.openxmlformats.org/drawingml/2006/main" xmlns:r="http://schemas.openxmlformats.org/officeDocument/2006/relationships" xmlns:p="http://schemas.openxmlformats.org/presentationml/2006/main">
+<p:sldLayout xmlns:a="http://schemas.openxmlformats.org/drawingml/2006/main" xmlns:r="http://schemas.openxmlformats.org/officeDocument/2006/relationships" xmlns:mc="http://schemas.openxmlformats.org/markup-compatibility/2006" xmlns:mv="urn:schemas-microsoft-com:mac:vml" xmlns:p="http://schemas.openxmlformats.org/presentationml/2006/main" xmlns:c="http://schemas.openxmlformats.org/drawingml/2006/chart" xmlns:dgm="http://schemas.openxmlformats.org/drawingml/2006/diagram" xmlns:o="urn:schemas-microsoft-com:office:office" xmlns:v="urn:schemas-microsoft-com:vml" xmlns:pvml="urn:schemas-microsoft-com:office:powerpoint" xmlns:com="http://schemas.openxmlformats.org/drawingml/2006/compatibility" xmlns:p14="http://schemas.microsoft.com/office/powerpoint/2010/main">
   <p:cSld name="Main point">
     <p:bg>
       <p:bgPr>
         <a:solidFill>
           <a:schemeClr val="accent6"/>
         </a:solidFill>
-        <a:effectLst/>
       </p:bgPr>
     </p:bg>
     <p:spTree>
       <p:nvGrpSpPr>
-        <p:cNvPr id="1" name="Shape 42"/>
+        <p:cNvPr id="42" name="Shape 42"/>
         <p:cNvGrpSpPr/>
         <p:nvPr/>
       </p:nvGrpSpPr>
@@ -3802,9 +3751,7 @@
       <p:sp>
         <p:nvSpPr>
           <p:cNvPr id="43" name="Shape 43"/>
-          <p:cNvSpPr txBox="1">
-            <a:spLocks noGrp="1"/>
-          </p:cNvSpPr>
+          <p:cNvSpPr txBox="1"/>
           <p:nvPr>
             <p:ph type="title"/>
           </p:nvPr>
@@ -3819,7 +3766,7 @@
           </a:prstGeom>
         </p:spPr>
         <p:txBody>
-          <a:bodyPr lIns="91425" tIns="91425" rIns="91425" bIns="91425" anchor="ctr" anchorCtr="0"/>
+          <a:bodyPr anchorCtr="0" anchor="ctr" bIns="91425" lIns="91425" rIns="91425" tIns="91425"/>
           <a:lstStyle>
             <a:lvl1pPr lvl="0">
               <a:spcBef>
@@ -3829,7 +3776,7 @@
                 <a:schemeClr val="dk2"/>
               </a:buClr>
               <a:buSzPct val="100000"/>
-              <a:defRPr sz="5400" b="0">
+              <a:defRPr b="0" sz="5400">
                 <a:solidFill>
                   <a:schemeClr val="dk2"/>
                 </a:solidFill>
@@ -3843,7 +3790,7 @@
                 <a:schemeClr val="dk2"/>
               </a:buClr>
               <a:buSzPct val="100000"/>
-              <a:defRPr sz="5400" b="0">
+              <a:defRPr b="0" sz="5400">
                 <a:solidFill>
                   <a:schemeClr val="dk2"/>
                 </a:solidFill>
@@ -3857,7 +3804,7 @@
                 <a:schemeClr val="dk2"/>
               </a:buClr>
               <a:buSzPct val="100000"/>
-              <a:defRPr sz="5400" b="0">
+              <a:defRPr b="0" sz="5400">
                 <a:solidFill>
                   <a:schemeClr val="dk2"/>
                 </a:solidFill>
@@ -3871,7 +3818,7 @@
                 <a:schemeClr val="dk2"/>
               </a:buClr>
               <a:buSzPct val="100000"/>
-              <a:defRPr sz="5400" b="0">
+              <a:defRPr b="0" sz="5400">
                 <a:solidFill>
                   <a:schemeClr val="dk2"/>
                 </a:solidFill>
@@ -3885,7 +3832,7 @@
                 <a:schemeClr val="dk2"/>
               </a:buClr>
               <a:buSzPct val="100000"/>
-              <a:defRPr sz="5400" b="0">
+              <a:defRPr b="0" sz="5400">
                 <a:solidFill>
                   <a:schemeClr val="dk2"/>
                 </a:solidFill>
@@ -3899,7 +3846,7 @@
                 <a:schemeClr val="dk2"/>
               </a:buClr>
               <a:buSzPct val="100000"/>
-              <a:defRPr sz="5400" b="0">
+              <a:defRPr b="0" sz="5400">
                 <a:solidFill>
                   <a:schemeClr val="dk2"/>
                 </a:solidFill>
@@ -3913,7 +3860,7 @@
                 <a:schemeClr val="dk2"/>
               </a:buClr>
               <a:buSzPct val="100000"/>
-              <a:defRPr sz="5400" b="0">
+              <a:defRPr b="0" sz="5400">
                 <a:solidFill>
                   <a:schemeClr val="dk2"/>
                 </a:solidFill>
@@ -3927,7 +3874,7 @@
                 <a:schemeClr val="dk2"/>
               </a:buClr>
               <a:buSzPct val="100000"/>
-              <a:defRPr sz="5400" b="0">
+              <a:defRPr b="0" sz="5400">
                 <a:solidFill>
                   <a:schemeClr val="dk2"/>
                 </a:solidFill>
@@ -3941,26 +3888,22 @@
                 <a:schemeClr val="dk2"/>
               </a:buClr>
               <a:buSzPct val="100000"/>
-              <a:defRPr sz="5400" b="0">
+              <a:defRPr b="0" sz="5400">
                 <a:solidFill>
                   <a:schemeClr val="dk2"/>
                 </a:solidFill>
               </a:defRPr>
             </a:lvl9pPr>
           </a:lstStyle>
-          <a:p>
-            <a:endParaRPr/>
-          </a:p>
+          <a:p/>
         </p:txBody>
       </p:sp>
       <p:sp>
         <p:nvSpPr>
           <p:cNvPr id="44" name="Shape 44"/>
-          <p:cNvSpPr txBox="1">
-            <a:spLocks noGrp="1"/>
-          </p:cNvSpPr>
-          <p:nvPr>
-            <p:ph type="sldNum" idx="12"/>
+          <p:cNvSpPr txBox="1"/>
+          <p:nvPr>
+            <p:ph idx="12" type="sldNum"/>
           </p:nvPr>
         </p:nvSpPr>
         <p:spPr>
@@ -3973,7 +3916,7 @@
           </a:prstGeom>
         </p:spPr>
         <p:txBody>
-          <a:bodyPr lIns="91425" tIns="91425" rIns="91425" bIns="91425" anchor="ctr" anchorCtr="0">
+          <a:bodyPr anchorCtr="0" anchor="ctr" bIns="91425" lIns="91425" rIns="91425" tIns="91425">
             <a:noAutofit/>
           </a:bodyPr>
           <a:lstStyle/>
@@ -3986,9 +3929,8 @@
             </a:pPr>
             <a:fld id="{00000000-1234-1234-1234-123412341234}" type="slidenum">
               <a:rPr lang="fr"/>
-              <a:t>‹Nr.›</a:t>
+              <a:t>‹#›</a:t>
             </a:fld>
-            <a:endParaRPr lang="fr"/>
           </a:p>
         </p:txBody>
       </p:sp>
@@ -4001,11 +3943,11 @@
 </file>
 
 <file path=ppt/slideLayouts/slideLayout8.xml><?xml version="1.0" encoding="utf-8"?>
-<p:sldLayout xmlns:a="http://schemas.openxmlformats.org/drawingml/2006/main" xmlns:r="http://schemas.openxmlformats.org/officeDocument/2006/relationships" xmlns:p="http://schemas.openxmlformats.org/presentationml/2006/main">
+<p:sldLayout xmlns:a="http://schemas.openxmlformats.org/drawingml/2006/main" xmlns:r="http://schemas.openxmlformats.org/officeDocument/2006/relationships" xmlns:mc="http://schemas.openxmlformats.org/markup-compatibility/2006" xmlns:mv="urn:schemas-microsoft-com:mac:vml" xmlns:p="http://schemas.openxmlformats.org/presentationml/2006/main" xmlns:c="http://schemas.openxmlformats.org/drawingml/2006/chart" xmlns:dgm="http://schemas.openxmlformats.org/drawingml/2006/diagram" xmlns:o="urn:schemas-microsoft-com:office:office" xmlns:v="urn:schemas-microsoft-com:vml" xmlns:pvml="urn:schemas-microsoft-com:office:powerpoint" xmlns:com="http://schemas.openxmlformats.org/drawingml/2006/compatibility" xmlns:p14="http://schemas.microsoft.com/office/powerpoint/2010/main">
   <p:cSld name="Section title and description">
     <p:spTree>
       <p:nvGrpSpPr>
-        <p:cNvPr id="1" name="Shape 45"/>
+        <p:cNvPr id="45" name="Shape 45"/>
         <p:cNvGrpSpPr/>
         <p:nvPr/>
       </p:nvGrpSpPr>
@@ -4039,7 +3981,7 @@
           </a:ln>
         </p:spPr>
         <p:txBody>
-          <a:bodyPr lIns="91425" tIns="91425" rIns="91425" bIns="91425" anchor="ctr" anchorCtr="0">
+          <a:bodyPr anchorCtr="0" anchor="ctr" bIns="91425" lIns="91425" rIns="91425" tIns="91425">
             <a:noAutofit/>
           </a:bodyPr>
           <a:lstStyle/>
@@ -4050,6 +3992,9 @@
               </a:spcBef>
               <a:buNone/>
             </a:pPr>
+            <a:r>
+              <a:t/>
+            </a:r>
             <a:endParaRPr/>
           </a:p>
         </p:txBody>
@@ -4069,23 +4014,21 @@
             <a:avLst/>
           </a:prstGeom>
           <a:noFill/>
-          <a:ln w="19050" cap="flat" cmpd="sng">
+          <a:ln cap="flat" cmpd="sng" w="19050">
             <a:solidFill>
               <a:schemeClr val="lt1"/>
             </a:solidFill>
             <a:prstDash val="solid"/>
             <a:round/>
-            <a:headEnd type="none" w="med" len="med"/>
-            <a:tailEnd type="none" w="med" len="med"/>
+            <a:headEnd len="med" w="med" type="none"/>
+            <a:tailEnd len="med" w="med" type="none"/>
           </a:ln>
         </p:spPr>
       </p:cxnSp>
       <p:sp>
         <p:nvSpPr>
           <p:cNvPr id="48" name="Shape 48"/>
-          <p:cNvSpPr txBox="1">
-            <a:spLocks noGrp="1"/>
-          </p:cNvSpPr>
+          <p:cNvSpPr txBox="1"/>
           <p:nvPr>
             <p:ph type="title"/>
           </p:nvPr>
@@ -4100,7 +4043,7 @@
           </a:prstGeom>
         </p:spPr>
         <p:txBody>
-          <a:bodyPr lIns="91425" tIns="91425" rIns="91425" bIns="91425" anchor="b" anchorCtr="0"/>
+          <a:bodyPr anchorCtr="0" anchor="b" bIns="91425" lIns="91425" rIns="91425" tIns="91425"/>
           <a:lstStyle>
             <a:lvl1pPr lvl="0" algn="ctr">
               <a:spcBef>
@@ -4166,19 +4109,15 @@
               <a:defRPr sz="4200"/>
             </a:lvl9pPr>
           </a:lstStyle>
-          <a:p>
-            <a:endParaRPr/>
-          </a:p>
+          <a:p/>
         </p:txBody>
       </p:sp>
       <p:sp>
         <p:nvSpPr>
           <p:cNvPr id="49" name="Shape 49"/>
-          <p:cNvSpPr txBox="1">
-            <a:spLocks noGrp="1"/>
-          </p:cNvSpPr>
-          <p:nvPr>
-            <p:ph type="subTitle" idx="1"/>
+          <p:cNvSpPr txBox="1"/>
+          <p:nvPr>
+            <p:ph idx="1" type="subTitle"/>
           </p:nvPr>
         </p:nvSpPr>
         <p:spPr>
@@ -4191,7 +4130,7 @@
           </a:prstGeom>
         </p:spPr>
         <p:txBody>
-          <a:bodyPr lIns="91425" tIns="91425" rIns="91425" bIns="91425" anchor="t" anchorCtr="0"/>
+          <a:bodyPr anchorCtr="0" anchor="t" bIns="91425" lIns="91425" rIns="91425" tIns="91425"/>
           <a:lstStyle>
             <a:lvl1pPr lvl="0" algn="ctr">
               <a:lnSpc>
@@ -4320,19 +4259,15 @@
               <a:defRPr sz="2100"/>
             </a:lvl9pPr>
           </a:lstStyle>
-          <a:p>
-            <a:endParaRPr/>
-          </a:p>
+          <a:p/>
         </p:txBody>
       </p:sp>
       <p:sp>
         <p:nvSpPr>
           <p:cNvPr id="50" name="Shape 50"/>
-          <p:cNvSpPr txBox="1">
-            <a:spLocks noGrp="1"/>
-          </p:cNvSpPr>
-          <p:nvPr>
-            <p:ph type="body" idx="2"/>
+          <p:cNvSpPr txBox="1"/>
+          <p:nvPr>
+            <p:ph idx="2" type="body"/>
           </p:nvPr>
         </p:nvSpPr>
         <p:spPr>
@@ -4345,7 +4280,7 @@
           </a:prstGeom>
         </p:spPr>
         <p:txBody>
-          <a:bodyPr lIns="91425" tIns="91425" rIns="91425" bIns="91425" anchor="ctr" anchorCtr="0"/>
+          <a:bodyPr anchorCtr="0" anchor="ctr" bIns="91425" lIns="91425" rIns="91425" tIns="91425"/>
           <a:lstStyle>
             <a:lvl1pPr lvl="0">
               <a:spcBef>
@@ -4465,19 +4400,15 @@
               </a:defRPr>
             </a:lvl9pPr>
           </a:lstStyle>
-          <a:p>
-            <a:endParaRPr/>
-          </a:p>
+          <a:p/>
         </p:txBody>
       </p:sp>
       <p:sp>
         <p:nvSpPr>
           <p:cNvPr id="51" name="Shape 51"/>
-          <p:cNvSpPr txBox="1">
-            <a:spLocks noGrp="1"/>
-          </p:cNvSpPr>
-          <p:nvPr>
-            <p:ph type="sldNum" idx="12"/>
+          <p:cNvSpPr txBox="1"/>
+          <p:nvPr>
+            <p:ph idx="12" type="sldNum"/>
           </p:nvPr>
         </p:nvSpPr>
         <p:spPr>
@@ -4490,7 +4421,7 @@
           </a:prstGeom>
         </p:spPr>
         <p:txBody>
-          <a:bodyPr lIns="91425" tIns="91425" rIns="91425" bIns="91425" anchor="ctr" anchorCtr="0">
+          <a:bodyPr anchorCtr="0" anchor="ctr" bIns="91425" lIns="91425" rIns="91425" tIns="91425">
             <a:noAutofit/>
           </a:bodyPr>
           <a:lstStyle/>
@@ -4507,13 +4438,8 @@
                   <a:schemeClr val="lt1"/>
                 </a:solidFill>
               </a:rPr>
-              <a:t>‹Nr.›</a:t>
+              <a:t>‹#›</a:t>
             </a:fld>
-            <a:endParaRPr lang="fr">
-              <a:solidFill>
-                <a:schemeClr val="lt1"/>
-              </a:solidFill>
-            </a:endParaRPr>
           </a:p>
         </p:txBody>
       </p:sp>
@@ -4526,11 +4452,11 @@
 </file>
 
 <file path=ppt/slideLayouts/slideLayout9.xml><?xml version="1.0" encoding="utf-8"?>
-<p:sldLayout xmlns:a="http://schemas.openxmlformats.org/drawingml/2006/main" xmlns:r="http://schemas.openxmlformats.org/officeDocument/2006/relationships" xmlns:p="http://schemas.openxmlformats.org/presentationml/2006/main">
+<p:sldLayout xmlns:a="http://schemas.openxmlformats.org/drawingml/2006/main" xmlns:r="http://schemas.openxmlformats.org/officeDocument/2006/relationships" xmlns:mc="http://schemas.openxmlformats.org/markup-compatibility/2006" xmlns:mv="urn:schemas-microsoft-com:mac:vml" xmlns:p="http://schemas.openxmlformats.org/presentationml/2006/main" xmlns:c="http://schemas.openxmlformats.org/drawingml/2006/chart" xmlns:dgm="http://schemas.openxmlformats.org/drawingml/2006/diagram" xmlns:o="urn:schemas-microsoft-com:office:office" xmlns:v="urn:schemas-microsoft-com:vml" xmlns:pvml="urn:schemas-microsoft-com:office:powerpoint" xmlns:com="http://schemas.openxmlformats.org/drawingml/2006/compatibility" xmlns:p14="http://schemas.microsoft.com/office/powerpoint/2010/main">
   <p:cSld name="Caption">
     <p:spTree>
       <p:nvGrpSpPr>
-        <p:cNvPr id="1" name="Shape 52"/>
+        <p:cNvPr id="52" name="Shape 52"/>
         <p:cNvGrpSpPr/>
         <p:nvPr/>
       </p:nvGrpSpPr>
@@ -4545,11 +4471,9 @@
       <p:sp>
         <p:nvSpPr>
           <p:cNvPr id="53" name="Shape 53"/>
-          <p:cNvSpPr txBox="1">
-            <a:spLocks noGrp="1"/>
-          </p:cNvSpPr>
-          <p:nvPr>
-            <p:ph type="body" idx="1"/>
+          <p:cNvSpPr txBox="1"/>
+          <p:nvPr>
+            <p:ph idx="1" type="body"/>
           </p:nvPr>
         </p:nvSpPr>
         <p:spPr>
@@ -4562,7 +4486,7 @@
           </a:prstGeom>
         </p:spPr>
         <p:txBody>
-          <a:bodyPr lIns="91425" tIns="91425" rIns="91425" bIns="91425" anchor="ctr" anchorCtr="0"/>
+          <a:bodyPr anchorCtr="0" anchor="ctr" bIns="91425" lIns="91425" rIns="91425" tIns="91425"/>
           <a:lstStyle>
             <a:lvl1pPr lvl="0">
               <a:lnSpc>
@@ -4585,19 +4509,15 @@
               </a:defRPr>
             </a:lvl1pPr>
           </a:lstStyle>
-          <a:p>
-            <a:endParaRPr/>
-          </a:p>
+          <a:p/>
         </p:txBody>
       </p:sp>
       <p:sp>
         <p:nvSpPr>
           <p:cNvPr id="54" name="Shape 54"/>
-          <p:cNvSpPr txBox="1">
-            <a:spLocks noGrp="1"/>
-          </p:cNvSpPr>
-          <p:nvPr>
-            <p:ph type="sldNum" idx="12"/>
+          <p:cNvSpPr txBox="1"/>
+          <p:nvPr>
+            <p:ph idx="12" type="sldNum"/>
           </p:nvPr>
         </p:nvSpPr>
         <p:spPr>
@@ -4610,7 +4530,7 @@
           </a:prstGeom>
         </p:spPr>
         <p:txBody>
-          <a:bodyPr lIns="91425" tIns="91425" rIns="91425" bIns="91425" anchor="ctr" anchorCtr="0">
+          <a:bodyPr anchorCtr="0" anchor="ctr" bIns="91425" lIns="91425" rIns="91425" tIns="91425">
             <a:noAutofit/>
           </a:bodyPr>
           <a:lstStyle/>
@@ -4623,9 +4543,8 @@
             </a:pPr>
             <a:fld id="{00000000-1234-1234-1234-123412341234}" type="slidenum">
               <a:rPr lang="fr"/>
-              <a:t>‹Nr.›</a:t>
+              <a:t>‹#›</a:t>
             </a:fld>
-            <a:endParaRPr lang="fr"/>
           </a:p>
         </p:txBody>
       </p:sp>
@@ -4638,19 +4557,18 @@
 </file>
 
 <file path=ppt/slideMasters/slideMaster1.xml><?xml version="1.0" encoding="utf-8"?>
-<p:sldMaster xmlns:a="http://schemas.openxmlformats.org/drawingml/2006/main" xmlns:r="http://schemas.openxmlformats.org/officeDocument/2006/relationships" xmlns:p="http://schemas.openxmlformats.org/presentationml/2006/main">
+<p:sldMaster xmlns:a="http://schemas.openxmlformats.org/drawingml/2006/main" xmlns:r="http://schemas.openxmlformats.org/officeDocument/2006/relationships" xmlns:mc="http://schemas.openxmlformats.org/markup-compatibility/2006" xmlns:mv="urn:schemas-microsoft-com:mac:vml" xmlns:p="http://schemas.openxmlformats.org/presentationml/2006/main" xmlns:c="http://schemas.openxmlformats.org/drawingml/2006/chart" xmlns:dgm="http://schemas.openxmlformats.org/drawingml/2006/diagram" xmlns:o="urn:schemas-microsoft-com:office:office" xmlns:v="urn:schemas-microsoft-com:vml" xmlns:pvml="urn:schemas-microsoft-com:office:powerpoint" xmlns:com="http://schemas.openxmlformats.org/drawingml/2006/compatibility" xmlns:p14="http://schemas.microsoft.com/office/powerpoint/2010/main">
   <p:cSld>
     <p:bg>
       <p:bgPr>
         <a:solidFill>
           <a:schemeClr val="lt1"/>
         </a:solidFill>
-        <a:effectLst/>
       </p:bgPr>
     </p:bg>
     <p:spTree>
       <p:nvGrpSpPr>
-        <p:cNvPr id="1" name="Shape 5"/>
+        <p:cNvPr id="5" name="Shape 5"/>
         <p:cNvGrpSpPr/>
         <p:nvPr/>
       </p:nvGrpSpPr>
@@ -4665,9 +4583,7 @@
       <p:sp>
         <p:nvSpPr>
           <p:cNvPr id="6" name="Shape 6"/>
-          <p:cNvSpPr txBox="1">
-            <a:spLocks noGrp="1"/>
-          </p:cNvSpPr>
+          <p:cNvSpPr txBox="1"/>
           <p:nvPr>
             <p:ph type="title"/>
           </p:nvPr>
@@ -4686,7 +4602,7 @@
           </a:ln>
         </p:spPr>
         <p:txBody>
-          <a:bodyPr lIns="91425" tIns="91425" rIns="91425" bIns="91425" anchor="t" anchorCtr="0"/>
+          <a:bodyPr anchorCtr="0" anchor="t" bIns="91425" lIns="91425" rIns="91425" tIns="91425"/>
           <a:lstStyle>
             <a:lvl1pPr lvl="0">
               <a:spcBef>
@@ -4698,7 +4614,7 @@
               <a:buSzPct val="100000"/>
               <a:buFont typeface="PT Sans Narrow"/>
               <a:buNone/>
-              <a:defRPr sz="3600" b="1">
+              <a:defRPr b="1" sz="3600">
                 <a:solidFill>
                   <a:schemeClr val="accent1"/>
                 </a:solidFill>
@@ -4718,7 +4634,7 @@
               <a:buSzPct val="100000"/>
               <a:buFont typeface="PT Sans Narrow"/>
               <a:buNone/>
-              <a:defRPr sz="3600" b="1">
+              <a:defRPr b="1" sz="3600">
                 <a:solidFill>
                   <a:schemeClr val="accent1"/>
                 </a:solidFill>
@@ -4738,7 +4654,7 @@
               <a:buSzPct val="100000"/>
               <a:buFont typeface="PT Sans Narrow"/>
               <a:buNone/>
-              <a:defRPr sz="3600" b="1">
+              <a:defRPr b="1" sz="3600">
                 <a:solidFill>
                   <a:schemeClr val="accent1"/>
                 </a:solidFill>
@@ -4758,7 +4674,7 @@
               <a:buSzPct val="100000"/>
               <a:buFont typeface="PT Sans Narrow"/>
               <a:buNone/>
-              <a:defRPr sz="3600" b="1">
+              <a:defRPr b="1" sz="3600">
                 <a:solidFill>
                   <a:schemeClr val="accent1"/>
                 </a:solidFill>
@@ -4778,7 +4694,7 @@
               <a:buSzPct val="100000"/>
               <a:buFont typeface="PT Sans Narrow"/>
               <a:buNone/>
-              <a:defRPr sz="3600" b="1">
+              <a:defRPr b="1" sz="3600">
                 <a:solidFill>
                   <a:schemeClr val="accent1"/>
                 </a:solidFill>
@@ -4798,7 +4714,7 @@
               <a:buSzPct val="100000"/>
               <a:buFont typeface="PT Sans Narrow"/>
               <a:buNone/>
-              <a:defRPr sz="3600" b="1">
+              <a:defRPr b="1" sz="3600">
                 <a:solidFill>
                   <a:schemeClr val="accent1"/>
                 </a:solidFill>
@@ -4818,7 +4734,7 @@
               <a:buSzPct val="100000"/>
               <a:buFont typeface="PT Sans Narrow"/>
               <a:buNone/>
-              <a:defRPr sz="3600" b="1">
+              <a:defRPr b="1" sz="3600">
                 <a:solidFill>
                   <a:schemeClr val="accent1"/>
                 </a:solidFill>
@@ -4838,7 +4754,7 @@
               <a:buSzPct val="100000"/>
               <a:buFont typeface="PT Sans Narrow"/>
               <a:buNone/>
-              <a:defRPr sz="3600" b="1">
+              <a:defRPr b="1" sz="3600">
                 <a:solidFill>
                   <a:schemeClr val="accent1"/>
                 </a:solidFill>
@@ -4858,7 +4774,7 @@
               <a:buSzPct val="100000"/>
               <a:buFont typeface="PT Sans Narrow"/>
               <a:buNone/>
-              <a:defRPr sz="3600" b="1">
+              <a:defRPr b="1" sz="3600">
                 <a:solidFill>
                   <a:schemeClr val="accent1"/>
                 </a:solidFill>
@@ -4869,19 +4785,15 @@
               </a:defRPr>
             </a:lvl9pPr>
           </a:lstStyle>
-          <a:p>
-            <a:endParaRPr/>
-          </a:p>
+          <a:p/>
         </p:txBody>
       </p:sp>
       <p:sp>
         <p:nvSpPr>
           <p:cNvPr id="7" name="Shape 7"/>
-          <p:cNvSpPr txBox="1">
-            <a:spLocks noGrp="1"/>
-          </p:cNvSpPr>
-          <p:nvPr>
-            <p:ph type="body" idx="1"/>
+          <p:cNvSpPr txBox="1"/>
+          <p:nvPr>
+            <p:ph idx="1" type="body"/>
           </p:nvPr>
         </p:nvSpPr>
         <p:spPr>
@@ -4898,7 +4810,7 @@
           </a:ln>
         </p:spPr>
         <p:txBody>
-          <a:bodyPr lIns="91425" tIns="91425" rIns="91425" bIns="91425" anchor="t" anchorCtr="0"/>
+          <a:bodyPr anchorCtr="0" anchor="t" bIns="91425" lIns="91425" rIns="91425" tIns="91425"/>
           <a:lstStyle>
             <a:lvl1pPr lvl="0">
               <a:lnSpc>
@@ -5118,19 +5030,15 @@
               </a:defRPr>
             </a:lvl9pPr>
           </a:lstStyle>
-          <a:p>
-            <a:endParaRPr/>
-          </a:p>
+          <a:p/>
         </p:txBody>
       </p:sp>
       <p:sp>
         <p:nvSpPr>
           <p:cNvPr id="8" name="Shape 8"/>
-          <p:cNvSpPr txBox="1">
-            <a:spLocks noGrp="1"/>
-          </p:cNvSpPr>
-          <p:nvPr>
-            <p:ph type="sldNum" idx="12"/>
+          <p:cNvSpPr txBox="1"/>
+          <p:nvPr>
+            <p:ph idx="12" type="sldNum"/>
           </p:nvPr>
         </p:nvSpPr>
         <p:spPr>
@@ -5147,7 +5055,7 @@
           </a:ln>
         </p:spPr>
         <p:txBody>
-          <a:bodyPr lIns="91425" tIns="91425" rIns="91425" bIns="91425" anchor="ctr" anchorCtr="0">
+          <a:bodyPr anchorCtr="0" anchor="ctr" bIns="91425" lIns="91425" rIns="91425" tIns="91425">
             <a:noAutofit/>
           </a:bodyPr>
           <a:lstStyle/>
@@ -5168,23 +5076,14 @@
                 <a:cs typeface="Open Sans"/>
                 <a:sym typeface="Open Sans"/>
               </a:rPr>
-              <a:t>‹Nr.›</a:t>
+              <a:t>‹#›</a:t>
             </a:fld>
-            <a:endParaRPr lang="fr" sz="1000">
-              <a:solidFill>
-                <a:schemeClr val="dk2"/>
-              </a:solidFill>
-              <a:latin typeface="Open Sans"/>
-              <a:ea typeface="Open Sans"/>
-              <a:cs typeface="Open Sans"/>
-              <a:sym typeface="Open Sans"/>
-            </a:endParaRPr>
           </a:p>
         </p:txBody>
       </p:sp>
     </p:spTree>
   </p:cSld>
-  <p:clrMap bg1="lt1" tx1="dk1" bg2="dk2" tx2="lt2" accent1="accent1" accent2="accent2" accent3="accent3" accent4="accent4" accent5="accent5" accent6="accent6" hlink="hlink" folHlink="folHlink"/>
+  <p:clrMap accent1="accent1" accent2="accent2" accent3="accent3" accent4="accent4" accent5="accent5" accent6="accent6" bg1="lt1" bg2="dk2" tx1="dk1" tx2="lt2" folHlink="folHlink" hlink="hlink"/>
   <p:sldLayoutIdLst>
     <p:sldLayoutId id="2147483648" r:id="rId1"/>
     <p:sldLayoutId id="2147483649" r:id="rId2"/>
@@ -5198,10 +5097,10 @@
     <p:sldLayoutId id="2147483657" r:id="rId10"/>
     <p:sldLayoutId id="2147483658" r:id="rId11"/>
   </p:sldLayoutIdLst>
-  <p:hf sldNum="0" hdr="0" ftr="0" dt="0"/>
+  <p:hf dt="0" ftr="0" hdr="0"/>
   <p:txStyles>
     <p:titleStyle>
-      <a:defPPr marR="0" lvl="0" algn="l" rtl="0">
+      <a:defPPr lvl="0" marR="0" rtl="0" algn="l">
         <a:lnSpc>
           <a:spcPct val="100000"/>
         </a:lnSpc>
@@ -5212,7 +5111,7 @@
           <a:spcPts val="0"/>
         </a:spcAft>
       </a:defPPr>
-      <a:lvl1pPr marR="0" lvl="0" algn="l" rtl="0">
+      <a:lvl1pPr lvl="0" marR="0" rtl="0" algn="l">
         <a:lnSpc>
           <a:spcPct val="100000"/>
         </a:lnSpc>
@@ -5223,7 +5122,7 @@
           <a:spcPts val="0"/>
         </a:spcAft>
         <a:buNone/>
-        <a:defRPr sz="1400" b="0" i="0" u="none" strike="noStrike" cap="none">
+        <a:defRPr b="0" i="0" sz="1400" u="none" cap="none" strike="noStrike">
           <a:solidFill>
             <a:srgbClr val="000000"/>
           </a:solidFill>
@@ -5235,7 +5134,7 @@
       </a:lvl1pPr>
     </p:titleStyle>
     <p:bodyStyle>
-      <a:defPPr marR="0" lvl="0" algn="l" rtl="0">
+      <a:defPPr lvl="0" marR="0" rtl="0" algn="l">
         <a:lnSpc>
           <a:spcPct val="100000"/>
         </a:lnSpc>
@@ -5246,7 +5145,7 @@
           <a:spcPts val="0"/>
         </a:spcAft>
       </a:defPPr>
-      <a:lvl1pPr marR="0" lvl="0" algn="l" rtl="0">
+      <a:lvl1pPr lvl="0" marR="0" rtl="0" algn="l">
         <a:lnSpc>
           <a:spcPct val="100000"/>
         </a:lnSpc>
@@ -5257,7 +5156,7 @@
           <a:spcPts val="0"/>
         </a:spcAft>
         <a:buNone/>
-        <a:defRPr sz="1400" b="0" i="0" u="none" strike="noStrike" cap="none">
+        <a:defRPr b="0" i="0" sz="1400" u="none" cap="none" strike="noStrike">
           <a:solidFill>
             <a:srgbClr val="000000"/>
           </a:solidFill>
@@ -5267,7 +5166,7 @@
           <a:sym typeface="Arial"/>
         </a:defRPr>
       </a:lvl1pPr>
-      <a:lvl2pPr marR="0" lvl="1" algn="l" rtl="0">
+      <a:lvl2pPr lvl="1" marR="0" rtl="0" algn="l">
         <a:lnSpc>
           <a:spcPct val="100000"/>
         </a:lnSpc>
@@ -5278,7 +5177,7 @@
           <a:spcPts val="0"/>
         </a:spcAft>
         <a:buNone/>
-        <a:defRPr sz="1400" b="0" i="0" u="none" strike="noStrike" cap="none">
+        <a:defRPr b="0" i="0" sz="1400" u="none" cap="none" strike="noStrike">
           <a:solidFill>
             <a:srgbClr val="000000"/>
           </a:solidFill>
@@ -5288,7 +5187,7 @@
           <a:sym typeface="Arial"/>
         </a:defRPr>
       </a:lvl2pPr>
-      <a:lvl3pPr marR="0" lvl="2" algn="l" rtl="0">
+      <a:lvl3pPr lvl="2" marR="0" rtl="0" algn="l">
         <a:lnSpc>
           <a:spcPct val="100000"/>
         </a:lnSpc>
@@ -5299,7 +5198,7 @@
           <a:spcPts val="0"/>
         </a:spcAft>
         <a:buNone/>
-        <a:defRPr sz="1400" b="0" i="0" u="none" strike="noStrike" cap="none">
+        <a:defRPr b="0" i="0" sz="1400" u="none" cap="none" strike="noStrike">
           <a:solidFill>
             <a:srgbClr val="000000"/>
           </a:solidFill>
@@ -5309,7 +5208,7 @@
           <a:sym typeface="Arial"/>
         </a:defRPr>
       </a:lvl3pPr>
-      <a:lvl4pPr marR="0" lvl="3" algn="l" rtl="0">
+      <a:lvl4pPr lvl="3" marR="0" rtl="0" algn="l">
         <a:lnSpc>
           <a:spcPct val="100000"/>
         </a:lnSpc>
@@ -5320,7 +5219,7 @@
           <a:spcPts val="0"/>
         </a:spcAft>
         <a:buNone/>
-        <a:defRPr sz="1400" b="0" i="0" u="none" strike="noStrike" cap="none">
+        <a:defRPr b="0" i="0" sz="1400" u="none" cap="none" strike="noStrike">
           <a:solidFill>
             <a:srgbClr val="000000"/>
           </a:solidFill>
@@ -5330,7 +5229,7 @@
           <a:sym typeface="Arial"/>
         </a:defRPr>
       </a:lvl4pPr>
-      <a:lvl5pPr marR="0" lvl="4" algn="l" rtl="0">
+      <a:lvl5pPr lvl="4" marR="0" rtl="0" algn="l">
         <a:lnSpc>
           <a:spcPct val="100000"/>
         </a:lnSpc>
@@ -5341,7 +5240,7 @@
           <a:spcPts val="0"/>
         </a:spcAft>
         <a:buNone/>
-        <a:defRPr sz="1400" b="0" i="0" u="none" strike="noStrike" cap="none">
+        <a:defRPr b="0" i="0" sz="1400" u="none" cap="none" strike="noStrike">
           <a:solidFill>
             <a:srgbClr val="000000"/>
           </a:solidFill>
@@ -5351,7 +5250,7 @@
           <a:sym typeface="Arial"/>
         </a:defRPr>
       </a:lvl5pPr>
-      <a:lvl6pPr marR="0" lvl="5" algn="l" rtl="0">
+      <a:lvl6pPr lvl="5" marR="0" rtl="0" algn="l">
         <a:lnSpc>
           <a:spcPct val="100000"/>
         </a:lnSpc>
@@ -5362,7 +5261,7 @@
           <a:spcPts val="0"/>
         </a:spcAft>
         <a:buNone/>
-        <a:defRPr sz="1400" b="0" i="0" u="none" strike="noStrike" cap="none">
+        <a:defRPr b="0" i="0" sz="1400" u="none" cap="none" strike="noStrike">
           <a:solidFill>
             <a:srgbClr val="000000"/>
           </a:solidFill>
@@ -5372,7 +5271,7 @@
           <a:sym typeface="Arial"/>
         </a:defRPr>
       </a:lvl6pPr>
-      <a:lvl7pPr marR="0" lvl="6" algn="l" rtl="0">
+      <a:lvl7pPr lvl="6" marR="0" rtl="0" algn="l">
         <a:lnSpc>
           <a:spcPct val="100000"/>
         </a:lnSpc>
@@ -5383,7 +5282,7 @@
           <a:spcPts val="0"/>
         </a:spcAft>
         <a:buNone/>
-        <a:defRPr sz="1400" b="0" i="0" u="none" strike="noStrike" cap="none">
+        <a:defRPr b="0" i="0" sz="1400" u="none" cap="none" strike="noStrike">
           <a:solidFill>
             <a:srgbClr val="000000"/>
           </a:solidFill>
@@ -5393,7 +5292,7 @@
           <a:sym typeface="Arial"/>
         </a:defRPr>
       </a:lvl7pPr>
-      <a:lvl8pPr marR="0" lvl="7" algn="l" rtl="0">
+      <a:lvl8pPr lvl="7" marR="0" rtl="0" algn="l">
         <a:lnSpc>
           <a:spcPct val="100000"/>
         </a:lnSpc>
@@ -5404,7 +5303,7 @@
           <a:spcPts val="0"/>
         </a:spcAft>
         <a:buNone/>
-        <a:defRPr sz="1400" b="0" i="0" u="none" strike="noStrike" cap="none">
+        <a:defRPr b="0" i="0" sz="1400" u="none" cap="none" strike="noStrike">
           <a:solidFill>
             <a:srgbClr val="000000"/>
           </a:solidFill>
@@ -5414,7 +5313,7 @@
           <a:sym typeface="Arial"/>
         </a:defRPr>
       </a:lvl8pPr>
-      <a:lvl9pPr marR="0" lvl="8" algn="l" rtl="0">
+      <a:lvl9pPr lvl="8" marR="0" rtl="0" algn="l">
         <a:lnSpc>
           <a:spcPct val="100000"/>
         </a:lnSpc>
@@ -5425,7 +5324,7 @@
           <a:spcPts val="0"/>
         </a:spcAft>
         <a:buNone/>
-        <a:defRPr sz="1400" b="0" i="0" u="none" strike="noStrike" cap="none">
+        <a:defRPr b="0" i="0" sz="1400" u="none" cap="none" strike="noStrike">
           <a:solidFill>
             <a:srgbClr val="000000"/>
           </a:solidFill>
@@ -5437,7 +5336,7 @@
       </a:lvl9pPr>
     </p:bodyStyle>
     <p:otherStyle>
-      <a:defPPr marR="0" lvl="0" algn="l" rtl="0">
+      <a:defPPr lvl="0" marR="0" rtl="0" algn="l">
         <a:lnSpc>
           <a:spcPct val="100000"/>
         </a:lnSpc>
@@ -5448,7 +5347,7 @@
           <a:spcPts val="0"/>
         </a:spcAft>
       </a:defPPr>
-      <a:lvl1pPr marR="0" lvl="0" algn="l" rtl="0">
+      <a:lvl1pPr lvl="0" marR="0" rtl="0" algn="l">
         <a:lnSpc>
           <a:spcPct val="100000"/>
         </a:lnSpc>
@@ -5459,7 +5358,7 @@
           <a:spcPts val="0"/>
         </a:spcAft>
         <a:buNone/>
-        <a:defRPr sz="1400" b="0" i="0" u="none" strike="noStrike" cap="none">
+        <a:defRPr b="0" i="0" sz="1400" u="none" cap="none" strike="noStrike">
           <a:solidFill>
             <a:srgbClr val="000000"/>
           </a:solidFill>
@@ -5469,7 +5368,7 @@
           <a:sym typeface="Arial"/>
         </a:defRPr>
       </a:lvl1pPr>
-      <a:lvl2pPr marR="0" lvl="1" algn="l" rtl="0">
+      <a:lvl2pPr lvl="1" marR="0" rtl="0" algn="l">
         <a:lnSpc>
           <a:spcPct val="100000"/>
         </a:lnSpc>
@@ -5480,7 +5379,7 @@
           <a:spcPts val="0"/>
         </a:spcAft>
         <a:buNone/>
-        <a:defRPr sz="1400" b="0" i="0" u="none" strike="noStrike" cap="none">
+        <a:defRPr b="0" i="0" sz="1400" u="none" cap="none" strike="noStrike">
           <a:solidFill>
             <a:srgbClr val="000000"/>
           </a:solidFill>
@@ -5490,7 +5389,7 @@
           <a:sym typeface="Arial"/>
         </a:defRPr>
       </a:lvl2pPr>
-      <a:lvl3pPr marR="0" lvl="2" algn="l" rtl="0">
+      <a:lvl3pPr lvl="2" marR="0" rtl="0" algn="l">
         <a:lnSpc>
           <a:spcPct val="100000"/>
         </a:lnSpc>
@@ -5501,7 +5400,7 @@
           <a:spcPts val="0"/>
         </a:spcAft>
         <a:buNone/>
-        <a:defRPr sz="1400" b="0" i="0" u="none" strike="noStrike" cap="none">
+        <a:defRPr b="0" i="0" sz="1400" u="none" cap="none" strike="noStrike">
           <a:solidFill>
             <a:srgbClr val="000000"/>
           </a:solidFill>
@@ -5511,7 +5410,7 @@
           <a:sym typeface="Arial"/>
         </a:defRPr>
       </a:lvl3pPr>
-      <a:lvl4pPr marR="0" lvl="3" algn="l" rtl="0">
+      <a:lvl4pPr lvl="3" marR="0" rtl="0" algn="l">
         <a:lnSpc>
           <a:spcPct val="100000"/>
         </a:lnSpc>
@@ -5522,7 +5421,7 @@
           <a:spcPts val="0"/>
         </a:spcAft>
         <a:buNone/>
-        <a:defRPr sz="1400" b="0" i="0" u="none" strike="noStrike" cap="none">
+        <a:defRPr b="0" i="0" sz="1400" u="none" cap="none" strike="noStrike">
           <a:solidFill>
             <a:srgbClr val="000000"/>
           </a:solidFill>
@@ -5532,7 +5431,7 @@
           <a:sym typeface="Arial"/>
         </a:defRPr>
       </a:lvl4pPr>
-      <a:lvl5pPr marR="0" lvl="4" algn="l" rtl="0">
+      <a:lvl5pPr lvl="4" marR="0" rtl="0" algn="l">
         <a:lnSpc>
           <a:spcPct val="100000"/>
         </a:lnSpc>
@@ -5543,7 +5442,7 @@
           <a:spcPts val="0"/>
         </a:spcAft>
         <a:buNone/>
-        <a:defRPr sz="1400" b="0" i="0" u="none" strike="noStrike" cap="none">
+        <a:defRPr b="0" i="0" sz="1400" u="none" cap="none" strike="noStrike">
           <a:solidFill>
             <a:srgbClr val="000000"/>
           </a:solidFill>
@@ -5553,7 +5452,7 @@
           <a:sym typeface="Arial"/>
         </a:defRPr>
       </a:lvl5pPr>
-      <a:lvl6pPr marR="0" lvl="5" algn="l" rtl="0">
+      <a:lvl6pPr lvl="5" marR="0" rtl="0" algn="l">
         <a:lnSpc>
           <a:spcPct val="100000"/>
         </a:lnSpc>
@@ -5564,7 +5463,7 @@
           <a:spcPts val="0"/>
         </a:spcAft>
         <a:buNone/>
-        <a:defRPr sz="1400" b="0" i="0" u="none" strike="noStrike" cap="none">
+        <a:defRPr b="0" i="0" sz="1400" u="none" cap="none" strike="noStrike">
           <a:solidFill>
             <a:srgbClr val="000000"/>
           </a:solidFill>
@@ -5574,7 +5473,7 @@
           <a:sym typeface="Arial"/>
         </a:defRPr>
       </a:lvl6pPr>
-      <a:lvl7pPr marR="0" lvl="6" algn="l" rtl="0">
+      <a:lvl7pPr lvl="6" marR="0" rtl="0" algn="l">
         <a:lnSpc>
           <a:spcPct val="100000"/>
         </a:lnSpc>
@@ -5585,7 +5484,7 @@
           <a:spcPts val="0"/>
         </a:spcAft>
         <a:buNone/>
-        <a:defRPr sz="1400" b="0" i="0" u="none" strike="noStrike" cap="none">
+        <a:defRPr b="0" i="0" sz="1400" u="none" cap="none" strike="noStrike">
           <a:solidFill>
             <a:srgbClr val="000000"/>
           </a:solidFill>
@@ -5595,7 +5494,7 @@
           <a:sym typeface="Arial"/>
         </a:defRPr>
       </a:lvl7pPr>
-      <a:lvl8pPr marR="0" lvl="7" algn="l" rtl="0">
+      <a:lvl8pPr lvl="7" marR="0" rtl="0" algn="l">
         <a:lnSpc>
           <a:spcPct val="100000"/>
         </a:lnSpc>
@@ -5606,7 +5505,7 @@
           <a:spcPts val="0"/>
         </a:spcAft>
         <a:buNone/>
-        <a:defRPr sz="1400" b="0" i="0" u="none" strike="noStrike" cap="none">
+        <a:defRPr b="0" i="0" sz="1400" u="none" cap="none" strike="noStrike">
           <a:solidFill>
             <a:srgbClr val="000000"/>
           </a:solidFill>
@@ -5616,7 +5515,7 @@
           <a:sym typeface="Arial"/>
         </a:defRPr>
       </a:lvl8pPr>
-      <a:lvl9pPr marR="0" lvl="8" algn="l" rtl="0">
+      <a:lvl9pPr lvl="8" marR="0" rtl="0" algn="l">
         <a:lnSpc>
           <a:spcPct val="100000"/>
         </a:lnSpc>
@@ -5627,7 +5526,7 @@
           <a:spcPts val="0"/>
         </a:spcAft>
         <a:buNone/>
-        <a:defRPr sz="1400" b="0" i="0" u="none" strike="noStrike" cap="none">
+        <a:defRPr b="0" i="0" sz="1400" u="none" cap="none" strike="noStrike">
           <a:solidFill>
             <a:srgbClr val="000000"/>
           </a:solidFill>
@@ -5643,11 +5542,11 @@
 </file>
 
 <file path=ppt/slides/slide1.xml><?xml version="1.0" encoding="utf-8"?>
-<p:sld xmlns:a="http://schemas.openxmlformats.org/drawingml/2006/main" xmlns:r="http://schemas.openxmlformats.org/officeDocument/2006/relationships" xmlns:p="http://schemas.openxmlformats.org/presentationml/2006/main">
+<p:sld xmlns:a="http://schemas.openxmlformats.org/drawingml/2006/main" xmlns:r="http://schemas.openxmlformats.org/officeDocument/2006/relationships" xmlns:mc="http://schemas.openxmlformats.org/markup-compatibility/2006" xmlns:mv="urn:schemas-microsoft-com:mac:vml" xmlns:p="http://schemas.openxmlformats.org/presentationml/2006/main" xmlns:c="http://schemas.openxmlformats.org/drawingml/2006/chart" xmlns:dgm="http://schemas.openxmlformats.org/drawingml/2006/diagram" xmlns:o="urn:schemas-microsoft-com:office:office" xmlns:v="urn:schemas-microsoft-com:vml" xmlns:pvml="urn:schemas-microsoft-com:office:powerpoint" xmlns:com="http://schemas.openxmlformats.org/drawingml/2006/compatibility" xmlns:p14="http://schemas.microsoft.com/office/powerpoint/2010/main">
   <p:cSld>
     <p:spTree>
       <p:nvGrpSpPr>
-        <p:cNvPr id="1" name="Shape 65"/>
+        <p:cNvPr id="65" name="Shape 65"/>
         <p:cNvGrpSpPr/>
         <p:nvPr/>
       </p:nvGrpSpPr>
@@ -5662,9 +5561,7 @@
       <p:sp>
         <p:nvSpPr>
           <p:cNvPr id="66" name="Shape 66"/>
-          <p:cNvSpPr txBox="1">
-            <a:spLocks noGrp="1"/>
-          </p:cNvSpPr>
+          <p:cNvSpPr txBox="1"/>
           <p:nvPr>
             <p:ph type="ctrTitle"/>
           </p:nvPr>
@@ -5679,7 +5576,7 @@
           </a:prstGeom>
         </p:spPr>
         <p:txBody>
-          <a:bodyPr lIns="91425" tIns="91425" rIns="91425" bIns="91425" anchor="b" anchorCtr="0">
+          <a:bodyPr anchorCtr="0" anchor="b" bIns="91425" lIns="91425" rIns="91425" tIns="91425">
             <a:noAutofit/>
           </a:bodyPr>
           <a:lstStyle/>
@@ -5712,11 +5609,9 @@
       <p:sp>
         <p:nvSpPr>
           <p:cNvPr id="67" name="Shape 67"/>
-          <p:cNvSpPr txBox="1">
-            <a:spLocks noGrp="1"/>
-          </p:cNvSpPr>
-          <p:nvPr>
-            <p:ph type="subTitle" idx="1"/>
+          <p:cNvSpPr txBox="1"/>
+          <p:nvPr>
+            <p:ph idx="1" type="subTitle"/>
           </p:nvPr>
         </p:nvSpPr>
         <p:spPr>
@@ -5729,7 +5624,7 @@
           </a:prstGeom>
         </p:spPr>
         <p:txBody>
-          <a:bodyPr lIns="91425" tIns="91425" rIns="91425" bIns="91425" anchor="t" anchorCtr="0">
+          <a:bodyPr anchorCtr="0" anchor="t" bIns="91425" lIns="91425" rIns="91425" tIns="91425">
             <a:noAutofit/>
           </a:bodyPr>
           <a:lstStyle/>
@@ -5756,11 +5651,11 @@
 </file>
 
 <file path=ppt/slides/slide10.xml><?xml version="1.0" encoding="utf-8"?>
-<p:sld xmlns:a="http://schemas.openxmlformats.org/drawingml/2006/main" xmlns:r="http://schemas.openxmlformats.org/officeDocument/2006/relationships" xmlns:p="http://schemas.openxmlformats.org/presentationml/2006/main">
+<p:sld xmlns:a="http://schemas.openxmlformats.org/drawingml/2006/main" xmlns:r="http://schemas.openxmlformats.org/officeDocument/2006/relationships" xmlns:mc="http://schemas.openxmlformats.org/markup-compatibility/2006" xmlns:mv="urn:schemas-microsoft-com:mac:vml" xmlns:p="http://schemas.openxmlformats.org/presentationml/2006/main" xmlns:c="http://schemas.openxmlformats.org/drawingml/2006/chart" xmlns:dgm="http://schemas.openxmlformats.org/drawingml/2006/diagram" xmlns:o="urn:schemas-microsoft-com:office:office" xmlns:v="urn:schemas-microsoft-com:vml" xmlns:pvml="urn:schemas-microsoft-com:office:powerpoint" xmlns:com="http://schemas.openxmlformats.org/drawingml/2006/compatibility" xmlns:p14="http://schemas.microsoft.com/office/powerpoint/2010/main">
   <p:cSld>
     <p:spTree>
       <p:nvGrpSpPr>
-        <p:cNvPr id="1" name="Shape 122"/>
+        <p:cNvPr id="133" name="Shape 133"/>
         <p:cNvGrpSpPr/>
         <p:nvPr/>
       </p:nvGrpSpPr>
@@ -5774,17 +5669,15 @@
       </p:grpSpPr>
       <p:sp>
         <p:nvSpPr>
-          <p:cNvPr id="123" name="Shape 123"/>
-          <p:cNvSpPr txBox="1">
-            <a:spLocks noGrp="1"/>
-          </p:cNvSpPr>
+          <p:cNvPr id="134" name="Shape 134"/>
+          <p:cNvSpPr txBox="1"/>
           <p:nvPr>
             <p:ph type="title"/>
           </p:nvPr>
         </p:nvSpPr>
         <p:spPr>
           <a:xfrm>
-            <a:off x="311700" y="445025"/>
+            <a:off x="179825" y="169275"/>
             <a:ext cx="8520600" cy="707400"/>
           </a:xfrm>
           <a:prstGeom prst="rect">
@@ -5792,73 +5685,85 @@
           </a:prstGeom>
         </p:spPr>
         <p:txBody>
-          <a:bodyPr lIns="91425" tIns="91425" rIns="91425" bIns="91425" anchor="t" anchorCtr="0">
+          <a:bodyPr anchorCtr="0" anchor="t" bIns="91425" lIns="91425" rIns="91425" tIns="91425">
             <a:noAutofit/>
           </a:bodyPr>
           <a:lstStyle/>
           <a:p>
-            <a:pPr lvl="0" rtl="0">
-              <a:spcBef>
-                <a:spcPts val="0"/>
-              </a:spcBef>
-              <a:buNone/>
-            </a:pPr>
-            <a:r>
-              <a:rPr lang="en-US" dirty="0" smtClean="0"/>
-              <a:t>Link Visualization Demo</a:t>
-            </a:r>
-            <a:endParaRPr lang="fr" dirty="0"/>
-          </a:p>
-        </p:txBody>
-      </p:sp>
-      <p:sp>
-        <p:nvSpPr>
-          <p:cNvPr id="124" name="Shape 124"/>
-          <p:cNvSpPr txBox="1">
-            <a:spLocks noGrp="1"/>
-          </p:cNvSpPr>
-          <p:nvPr>
-            <p:ph type="body" idx="1"/>
-          </p:nvPr>
-        </p:nvSpPr>
-        <p:spPr>
-          <a:xfrm>
-            <a:off x="311700" y="1266325"/>
-            <a:ext cx="8520600" cy="3302700"/>
-          </a:xfrm>
-          <a:prstGeom prst="rect">
-            <a:avLst/>
-          </a:prstGeom>
-        </p:spPr>
-        <p:txBody>
-          <a:bodyPr lIns="91425" tIns="91425" rIns="91425" bIns="91425" anchor="t" anchorCtr="0">
+            <a:pPr lvl="0">
+              <a:spcBef>
+                <a:spcPts val="0"/>
+              </a:spcBef>
+              <a:buNone/>
+            </a:pPr>
+            <a:r>
+              <a:rPr lang="fr"/>
+              <a:t>Semantic Annotation</a:t>
+            </a:r>
+          </a:p>
+        </p:txBody>
+      </p:sp>
+      <p:pic>
+        <p:nvPicPr>
+          <p:cNvPr descr="archi-hackatal16.png" id="135" name="Shape 135"/>
+          <p:cNvPicPr preferRelativeResize="0"/>
+          <p:nvPr/>
+        </p:nvPicPr>
+        <p:blipFill>
+          <a:blip r:embed="rId3">
+            <a:alphaModFix/>
+          </a:blip>
+          <a:stretch>
+            <a:fillRect/>
+          </a:stretch>
+        </p:blipFill>
+        <p:spPr>
+          <a:xfrm>
+            <a:off x="1113051" y="842400"/>
+            <a:ext cx="5849298" cy="4136373"/>
+          </a:xfrm>
+          <a:prstGeom prst="rect">
+            <a:avLst/>
+          </a:prstGeom>
+          <a:noFill/>
+          <a:ln>
+            <a:noFill/>
+          </a:ln>
+        </p:spPr>
+      </p:pic>
+      <p:sp>
+        <p:nvSpPr>
+          <p:cNvPr id="136" name="Shape 136"/>
+          <p:cNvSpPr txBox="1"/>
+          <p:nvPr>
+            <p:ph idx="12" type="sldNum"/>
+          </p:nvPr>
+        </p:nvSpPr>
+        <p:spPr>
+          <a:xfrm>
+            <a:off x="8472457" y="4663216"/>
+            <a:ext cx="548700" cy="393600"/>
+          </a:xfrm>
+          <a:prstGeom prst="rect">
+            <a:avLst/>
+          </a:prstGeom>
+        </p:spPr>
+        <p:txBody>
+          <a:bodyPr anchorCtr="0" anchor="ctr" bIns="91425" lIns="91425" rIns="91425" tIns="91425">
             <a:noAutofit/>
           </a:bodyPr>
           <a:lstStyle/>
           <a:p>
-            <a:pPr marL="457200" lvl="0" indent="-228600">
-              <a:spcBef>
-                <a:spcPts val="0"/>
-              </a:spcBef>
-              <a:buChar char="➔"/>
-            </a:pPr>
-            <a:r>
-              <a:rPr lang="en-US" dirty="0" smtClean="0">
-                <a:hlinkClick r:id="rId3"/>
-              </a:rPr>
-              <a:t>http://testl.si.mondeca</a:t>
-            </a:r>
-            <a:r>
-              <a:rPr lang="en-US" dirty="0" smtClean="0">
-                <a:hlinkClick r:id="rId3"/>
-              </a:rPr>
-              <a:t>.com/kibana/</a:t>
-            </a:r>
-            <a:r>
-              <a:rPr lang="en-US" dirty="0" smtClean="0"/>
-              <a:t>  </a:t>
-            </a:r>
-            <a:endParaRPr lang="fr" dirty="0"/>
+            <a:pPr lvl="0">
+              <a:spcBef>
+                <a:spcPts val="0"/>
+              </a:spcBef>
+              <a:buNone/>
+            </a:pPr>
+            <a:fld id="{00000000-1234-1234-1234-123412341234}" type="slidenum">
+              <a:rPr lang="fr"/>
+              <a:t>‹#›</a:t>
+            </a:fld>
           </a:p>
         </p:txBody>
       </p:sp>
@@ -5867,22 +5772,15 @@
   <p:clrMapOvr>
     <a:masterClrMapping/>
   </p:clrMapOvr>
-  <p:timing>
-    <p:tnLst>
-      <p:par>
-        <p:cTn xmlns:p14="http://schemas.microsoft.com/office/powerpoint/2010/main" id="1" dur="indefinite" restart="never" nodeType="tmRoot"/>
-      </p:par>
-    </p:tnLst>
-  </p:timing>
 </p:sld>
 </file>
 
 <file path=ppt/slides/slide11.xml><?xml version="1.0" encoding="utf-8"?>
-<p:sld xmlns:a="http://schemas.openxmlformats.org/drawingml/2006/main" xmlns:r="http://schemas.openxmlformats.org/officeDocument/2006/relationships" xmlns:p="http://schemas.openxmlformats.org/presentationml/2006/main">
+<p:sld xmlns:a="http://schemas.openxmlformats.org/drawingml/2006/main" xmlns:r="http://schemas.openxmlformats.org/officeDocument/2006/relationships" xmlns:mc="http://schemas.openxmlformats.org/markup-compatibility/2006" xmlns:mv="urn:schemas-microsoft-com:mac:vml" xmlns:p="http://schemas.openxmlformats.org/presentationml/2006/main" xmlns:c="http://schemas.openxmlformats.org/drawingml/2006/chart" xmlns:dgm="http://schemas.openxmlformats.org/drawingml/2006/diagram" xmlns:o="urn:schemas-microsoft-com:office:office" xmlns:v="urn:schemas-microsoft-com:vml" xmlns:pvml="urn:schemas-microsoft-com:office:powerpoint" xmlns:com="http://schemas.openxmlformats.org/drawingml/2006/compatibility" xmlns:p14="http://schemas.microsoft.com/office/powerpoint/2010/main">
   <p:cSld>
     <p:spTree>
       <p:nvGrpSpPr>
-        <p:cNvPr id="1" name="Shape 122"/>
+        <p:cNvPr id="140" name="Shape 140"/>
         <p:cNvGrpSpPr/>
         <p:nvPr/>
       </p:nvGrpSpPr>
@@ -5896,30 +5794,28 @@
       </p:grpSpPr>
       <p:sp>
         <p:nvSpPr>
-          <p:cNvPr id="123" name="Shape 123"/>
-          <p:cNvSpPr txBox="1">
-            <a:spLocks noGrp="1"/>
-          </p:cNvSpPr>
+          <p:cNvPr id="141" name="Shape 141"/>
+          <p:cNvSpPr txBox="1"/>
           <p:nvPr>
             <p:ph type="title"/>
           </p:nvPr>
         </p:nvSpPr>
         <p:spPr>
           <a:xfrm>
-            <a:off x="311700" y="445025"/>
-            <a:ext cx="8520600" cy="707400"/>
-          </a:xfrm>
-          <a:prstGeom prst="rect">
-            <a:avLst/>
-          </a:prstGeom>
-        </p:spPr>
-        <p:txBody>
-          <a:bodyPr lIns="91425" tIns="91425" rIns="91425" bIns="91425" anchor="t" anchorCtr="0">
+            <a:off x="311700" y="1304850"/>
+            <a:ext cx="8520600" cy="1538400"/>
+          </a:xfrm>
+          <a:prstGeom prst="rect">
+            <a:avLst/>
+          </a:prstGeom>
+        </p:spPr>
+        <p:txBody>
+          <a:bodyPr anchorCtr="0" anchor="ctr" bIns="91425" lIns="91425" rIns="91425" tIns="91425">
             <a:noAutofit/>
           </a:bodyPr>
           <a:lstStyle/>
           <a:p>
-            <a:pPr lvl="0" rtl="0">
+            <a:pPr lvl="0">
               <a:spcBef>
                 <a:spcPts val="0"/>
               </a:spcBef>
@@ -5927,163 +5823,61 @@
             </a:pPr>
             <a:r>
               <a:rPr lang="fr"/>
-              <a:t>Useful Resources</a:t>
-            </a:r>
-          </a:p>
-        </p:txBody>
-      </p:sp>
-      <p:sp>
-        <p:nvSpPr>
-          <p:cNvPr id="124" name="Shape 124"/>
-          <p:cNvSpPr txBox="1">
-            <a:spLocks noGrp="1"/>
-          </p:cNvSpPr>
-          <p:nvPr>
-            <p:ph type="body" idx="1"/>
-          </p:nvPr>
-        </p:nvSpPr>
-        <p:spPr>
-          <a:xfrm>
-            <a:off x="311700" y="1266325"/>
-            <a:ext cx="8520600" cy="3302700"/>
-          </a:xfrm>
-          <a:prstGeom prst="rect">
-            <a:avLst/>
-          </a:prstGeom>
-        </p:spPr>
-        <p:txBody>
-          <a:bodyPr lIns="91425" tIns="91425" rIns="91425" bIns="91425" anchor="t" anchorCtr="0">
+              <a:t>DEMO</a:t>
+            </a:r>
+          </a:p>
+        </p:txBody>
+      </p:sp>
+      <p:sp>
+        <p:nvSpPr>
+          <p:cNvPr id="142" name="Shape 142"/>
+          <p:cNvSpPr txBox="1"/>
+          <p:nvPr>
+            <p:ph idx="12" type="sldNum"/>
+          </p:nvPr>
+        </p:nvSpPr>
+        <p:spPr>
+          <a:xfrm>
+            <a:off x="8472457" y="4663216"/>
+            <a:ext cx="548700" cy="393600"/>
+          </a:xfrm>
+          <a:prstGeom prst="rect">
+            <a:avLst/>
+          </a:prstGeom>
+        </p:spPr>
+        <p:txBody>
+          <a:bodyPr anchorCtr="0" anchor="ctr" bIns="91425" lIns="91425" rIns="91425" tIns="91425">
             <a:noAutofit/>
           </a:bodyPr>
           <a:lstStyle/>
           <a:p>
-            <a:pPr marL="457200" lvl="0" indent="-228600">
-              <a:spcBef>
-                <a:spcPts val="0"/>
-              </a:spcBef>
-              <a:buChar char="➔"/>
-            </a:pPr>
-            <a:r>
+            <a:pPr lvl="0">
+              <a:spcBef>
+                <a:spcPts val="0"/>
+              </a:spcBef>
+              <a:buNone/>
+            </a:pPr>
+            <a:fld id="{00000000-1234-1234-1234-123412341234}" type="slidenum">
               <a:rPr lang="fr"/>
-              <a:t>Shared Domain ontology: </a:t>
-            </a:r>
-            <a:r>
-              <a:rPr lang="fr" u="sng">
-                <a:solidFill>
-                  <a:schemeClr val="accent5"/>
-                </a:solidFill>
-                <a:hlinkClick r:id="rId3"/>
-              </a:rPr>
-              <a:t>http://goo.gl/XBfQHc</a:t>
-            </a:r>
-            <a:r>
-              <a:rPr lang="fr"/>
-              <a:t> (in fr/en; some in ar)</a:t>
-            </a:r>
-          </a:p>
-          <a:p>
-            <a:pPr marL="457200" lvl="0" indent="-228600">
-              <a:spcBef>
-                <a:spcPts val="0"/>
-              </a:spcBef>
-              <a:buChar char="➔"/>
-            </a:pPr>
-            <a:r>
-              <a:rPr lang="fr"/>
-              <a:t>Shared External datasets in RDF: </a:t>
-            </a:r>
-            <a:r>
-              <a:rPr lang="fr" u="sng">
-                <a:solidFill>
-                  <a:schemeClr val="accent5"/>
-                </a:solidFill>
-                <a:hlinkClick r:id="rId4"/>
-              </a:rPr>
-              <a:t>https://github.com/eamosse/mondephia/tree/master/rdf</a:t>
-            </a:r>
-            <a:r>
-              <a:rPr lang="fr"/>
-              <a:t> ( mainly fr/en; some resources in ar)</a:t>
-            </a:r>
-          </a:p>
-          <a:p>
-            <a:pPr marL="457200" lvl="0" indent="-228600" rtl="0">
-              <a:spcBef>
-                <a:spcPts val="0"/>
-              </a:spcBef>
-              <a:buChar char="➔"/>
-            </a:pPr>
-            <a:r>
-              <a:rPr lang="fr"/>
-              <a:t>Shared Filtered datasets in JSON: </a:t>
-            </a:r>
-            <a:r>
-              <a:rPr lang="fr" u="sng">
-                <a:solidFill>
-                  <a:schemeClr val="accent5"/>
-                </a:solidFill>
-                <a:hlinkClick r:id="rId5"/>
-              </a:rPr>
-              <a:t>https://www.dropbox.com/sh/c1kmfht4v39nwc5/AAD5LDO8u47u0mQMFrshvINga?dl=0</a:t>
-            </a:r>
-            <a:r>
-              <a:rPr lang="fr"/>
-              <a:t> </a:t>
-            </a:r>
-          </a:p>
-          <a:p>
-            <a:pPr marL="457200" lvl="0" indent="-228600" rtl="0">
-              <a:spcBef>
-                <a:spcPts val="0"/>
-              </a:spcBef>
-              <a:buChar char="➔"/>
-            </a:pPr>
-            <a:r>
-              <a:rPr lang="fr"/>
-              <a:t>More on our Github: </a:t>
-            </a:r>
-            <a:r>
-              <a:rPr lang="fr" u="sng">
-                <a:solidFill>
-                  <a:schemeClr val="hlink"/>
-                </a:solidFill>
-                <a:hlinkClick r:id="rId6"/>
-              </a:rPr>
-              <a:t>https://github.com/eamosse/mondephia/</a:t>
-            </a:r>
-            <a:r>
-              <a:rPr lang="fr"/>
-              <a:t> </a:t>
-            </a:r>
+              <a:t>‹#›</a:t>
+            </a:fld>
           </a:p>
         </p:txBody>
       </p:sp>
     </p:spTree>
-    <p:extLst>
-      <p:ext uri="{BB962C8B-B14F-4D97-AF65-F5344CB8AC3E}">
-        <p14:creationId xmlns:p14="http://schemas.microsoft.com/office/powerpoint/2010/main" val="843554905"/>
-      </p:ext>
-    </p:extLst>
   </p:cSld>
   <p:clrMapOvr>
     <a:masterClrMapping/>
   </p:clrMapOvr>
-  <p:timing>
-    <p:tnLst>
-      <p:par>
-        <p:cTn xmlns:p14="http://schemas.microsoft.com/office/powerpoint/2010/main" id="1" dur="indefinite" restart="never" nodeType="tmRoot"/>
-      </p:par>
-    </p:tnLst>
-  </p:timing>
 </p:sld>
 </file>
 
 <file path=ppt/slides/slide12.xml><?xml version="1.0" encoding="utf-8"?>
-<p:sld xmlns:a="http://schemas.openxmlformats.org/drawingml/2006/main" xmlns:r="http://schemas.openxmlformats.org/officeDocument/2006/relationships" xmlns:p="http://schemas.openxmlformats.org/presentationml/2006/main">
+<p:sld xmlns:a="http://schemas.openxmlformats.org/drawingml/2006/main" xmlns:r="http://schemas.openxmlformats.org/officeDocument/2006/relationships" xmlns:mc="http://schemas.openxmlformats.org/markup-compatibility/2006" xmlns:mv="urn:schemas-microsoft-com:mac:vml" xmlns:p="http://schemas.openxmlformats.org/presentationml/2006/main" xmlns:c="http://schemas.openxmlformats.org/drawingml/2006/chart" xmlns:dgm="http://schemas.openxmlformats.org/drawingml/2006/diagram" xmlns:o="urn:schemas-microsoft-com:office:office" xmlns:v="urn:schemas-microsoft-com:vml" xmlns:pvml="urn:schemas-microsoft-com:office:powerpoint" xmlns:com="http://schemas.openxmlformats.org/drawingml/2006/compatibility" xmlns:p14="http://schemas.microsoft.com/office/powerpoint/2010/main">
   <p:cSld>
     <p:spTree>
       <p:nvGrpSpPr>
-        <p:cNvPr id="1" name="Shape 110"/>
+        <p:cNvPr id="146" name="Shape 146"/>
         <p:cNvGrpSpPr/>
         <p:nvPr/>
       </p:nvGrpSpPr>
@@ -6097,10 +5891,8 @@
       </p:grpSpPr>
       <p:sp>
         <p:nvSpPr>
-          <p:cNvPr id="111" name="Shape 111"/>
-          <p:cNvSpPr txBox="1">
-            <a:spLocks noGrp="1"/>
-          </p:cNvSpPr>
+          <p:cNvPr id="147" name="Shape 147"/>
+          <p:cNvSpPr txBox="1"/>
           <p:nvPr>
             <p:ph type="title"/>
           </p:nvPr>
@@ -6115,33 +5907,30 @@
           </a:prstGeom>
         </p:spPr>
         <p:txBody>
-          <a:bodyPr lIns="91425" tIns="91425" rIns="91425" bIns="91425" anchor="t" anchorCtr="0">
+          <a:bodyPr anchorCtr="0" anchor="t" bIns="91425" lIns="91425" rIns="91425" tIns="91425">
             <a:noAutofit/>
           </a:bodyPr>
           <a:lstStyle/>
           <a:p>
-            <a:pPr lvl="0">
-              <a:spcBef>
-                <a:spcPts val="0"/>
-              </a:spcBef>
-              <a:buNone/>
-            </a:pPr>
-            <a:r>
-              <a:rPr lang="en-US" dirty="0" smtClean="0"/>
-              <a:t>Conclusion</a:t>
-            </a:r>
-            <a:endParaRPr lang="fr" dirty="0"/>
-          </a:p>
-        </p:txBody>
-      </p:sp>
-      <p:sp>
-        <p:nvSpPr>
-          <p:cNvPr id="112" name="Shape 112"/>
-          <p:cNvSpPr txBox="1">
-            <a:spLocks noGrp="1"/>
-          </p:cNvSpPr>
-          <p:nvPr>
-            <p:ph type="body" idx="1"/>
+            <a:pPr lvl="0" rtl="0">
+              <a:spcBef>
+                <a:spcPts val="0"/>
+              </a:spcBef>
+              <a:buNone/>
+            </a:pPr>
+            <a:r>
+              <a:rPr lang="fr"/>
+              <a:t>Useful Resources &amp; Tools </a:t>
+            </a:r>
+          </a:p>
+        </p:txBody>
+      </p:sp>
+      <p:sp>
+        <p:nvSpPr>
+          <p:cNvPr id="148" name="Shape 148"/>
+          <p:cNvSpPr txBox="1"/>
+          <p:nvPr>
+            <p:ph idx="1" type="body"/>
           </p:nvPr>
         </p:nvSpPr>
         <p:spPr>
@@ -6154,67 +5943,173 @@
           </a:prstGeom>
         </p:spPr>
         <p:txBody>
-          <a:bodyPr lIns="91425" tIns="91425" rIns="91425" bIns="91425" anchor="t" anchorCtr="0">
+          <a:bodyPr anchorCtr="0" anchor="t" bIns="91425" lIns="91425" rIns="91425" tIns="91425">
             <a:noAutofit/>
           </a:bodyPr>
           <a:lstStyle/>
           <a:p>
+            <a:pPr indent="-228600" lvl="0" marL="457200">
+              <a:spcBef>
+                <a:spcPts val="0"/>
+              </a:spcBef>
+              <a:buChar char="➔"/>
+            </a:pPr>
+            <a:r>
+              <a:rPr lang="fr"/>
+              <a:t>Shared Domain ontology: </a:t>
+            </a:r>
+            <a:r>
+              <a:rPr lang="fr" u="sng">
+                <a:solidFill>
+                  <a:schemeClr val="accent5"/>
+                </a:solidFill>
+                <a:hlinkClick r:id="rId3"/>
+              </a:rPr>
+              <a:t>http://goo.gl/XBfQHc</a:t>
+            </a:r>
+            <a:r>
+              <a:rPr lang="fr"/>
+              <a:t> (in fr/en; some in ar)</a:t>
+            </a:r>
+          </a:p>
+          <a:p>
+            <a:pPr indent="-228600" lvl="0" marL="457200">
+              <a:spcBef>
+                <a:spcPts val="0"/>
+              </a:spcBef>
+              <a:buChar char="➔"/>
+            </a:pPr>
+            <a:r>
+              <a:rPr lang="fr"/>
+              <a:t>Shared External datasets in RDF: </a:t>
+            </a:r>
+            <a:r>
+              <a:rPr lang="fr" u="sng">
+                <a:solidFill>
+                  <a:schemeClr val="accent5"/>
+                </a:solidFill>
+                <a:hlinkClick r:id="rId4"/>
+              </a:rPr>
+              <a:t>https://github.com/eamosse/mondephia/tree/master/rdf</a:t>
+            </a:r>
+            <a:r>
+              <a:rPr lang="fr"/>
+              <a:t> ( mainly fr/en; some resources in ar)</a:t>
+            </a:r>
+          </a:p>
+          <a:p>
+            <a:pPr indent="-228600" lvl="0" marL="457200" rtl="0">
+              <a:spcBef>
+                <a:spcPts val="0"/>
+              </a:spcBef>
+              <a:buChar char="➔"/>
+            </a:pPr>
+            <a:r>
+              <a:rPr lang="fr"/>
+              <a:t>Shared Filtered datasets in JSON: </a:t>
+            </a:r>
+            <a:r>
+              <a:rPr lang="fr" u="sng">
+                <a:solidFill>
+                  <a:schemeClr val="accent5"/>
+                </a:solidFill>
+                <a:hlinkClick r:id="rId5"/>
+              </a:rPr>
+              <a:t>https://www.dropbox.com/sh/c1kmfht4v39nwc5/AAD5LDO8u47u0mQMFrshvINga?dl=0</a:t>
+            </a:r>
+            <a:r>
+              <a:rPr lang="fr"/>
+              <a:t> </a:t>
+            </a:r>
+          </a:p>
+          <a:p>
+            <a:pPr indent="-228600" lvl="0" marL="457200" rtl="0">
+              <a:spcBef>
+                <a:spcPts val="0"/>
+              </a:spcBef>
+              <a:buChar char="➔"/>
+            </a:pPr>
+            <a:r>
+              <a:rPr lang="fr"/>
+              <a:t>More on our Github: </a:t>
+            </a:r>
+            <a:r>
+              <a:rPr lang="fr" u="sng">
+                <a:solidFill>
+                  <a:schemeClr val="hlink"/>
+                </a:solidFill>
+                <a:hlinkClick r:id="rId6"/>
+              </a:rPr>
+              <a:t>https://github.com/eamosse/mondephia/</a:t>
+            </a:r>
+            <a:r>
+              <a:rPr lang="fr"/>
+              <a:t> </a:t>
+            </a:r>
+          </a:p>
+          <a:p>
+            <a:pPr indent="-228600" lvl="0" marL="457200" rtl="0">
+              <a:spcBef>
+                <a:spcPts val="0"/>
+              </a:spcBef>
+              <a:buChar char="➔"/>
+            </a:pPr>
+            <a:r>
+              <a:rPr lang="fr"/>
+              <a:t>Python: NLTK, Numpy, SK-Learn</a:t>
+            </a:r>
+          </a:p>
+          <a:p>
+            <a:pPr indent="-228600" lvl="0" marL="457200" rtl="0">
+              <a:spcBef>
+                <a:spcPts val="0"/>
+              </a:spcBef>
+              <a:buChar char="➔"/>
+            </a:pPr>
+            <a:r>
+              <a:rPr lang="fr"/>
+              <a:t>Mondeca : CAM, ITM</a:t>
+            </a:r>
+          </a:p>
+        </p:txBody>
+      </p:sp>
+      <p:sp>
+        <p:nvSpPr>
+          <p:cNvPr id="149" name="Shape 149"/>
+          <p:cNvSpPr txBox="1"/>
+          <p:nvPr>
+            <p:ph idx="12" type="sldNum"/>
+          </p:nvPr>
+        </p:nvSpPr>
+        <p:spPr>
+          <a:xfrm>
+            <a:off x="8472457" y="4663216"/>
+            <a:ext cx="548700" cy="393600"/>
+          </a:xfrm>
+          <a:prstGeom prst="rect">
+            <a:avLst/>
+          </a:prstGeom>
+        </p:spPr>
+        <p:txBody>
+          <a:bodyPr anchorCtr="0" anchor="ctr" bIns="91425" lIns="91425" rIns="91425" tIns="91425">
+            <a:noAutofit/>
+          </a:bodyPr>
+          <a:lstStyle/>
+          <a:p>
             <a:pPr lvl="0">
               <a:spcBef>
                 <a:spcPts val="0"/>
               </a:spcBef>
               <a:buNone/>
             </a:pPr>
-            <a:r>
-              <a:rPr lang="en-US" dirty="0" smtClean="0"/>
-              <a:t>More can be done to write rules on matching</a:t>
-            </a:r>
-            <a:endParaRPr lang="fr" dirty="0"/>
-          </a:p>
-          <a:p>
-            <a:pPr marL="457200" lvl="0" indent="-228600" rtl="0">
-              <a:lnSpc>
-                <a:spcPct val="200000"/>
-              </a:lnSpc>
-              <a:spcBef>
-                <a:spcPts val="0"/>
-              </a:spcBef>
-              <a:buChar char="➔"/>
-            </a:pPr>
-            <a:r>
-              <a:rPr lang="en-US" dirty="0" smtClean="0"/>
-              <a:t>We didn’t have time to finish our initial plan</a:t>
-            </a:r>
-            <a:endParaRPr lang="fr" dirty="0"/>
-          </a:p>
-          <a:p>
-            <a:pPr marL="457200" lvl="0" indent="-228600" rtl="0">
-              <a:lnSpc>
-                <a:spcPct val="200000"/>
-              </a:lnSpc>
-              <a:spcBef>
-                <a:spcPts val="0"/>
-              </a:spcBef>
-              <a:buChar char="➔"/>
-            </a:pPr>
-            <a:r>
-              <a:rPr lang="en-US" dirty="0" smtClean="0"/>
-              <a:t>Deep identification of actions </a:t>
-            </a:r>
-            <a:r>
-              <a:rPr lang="en-US" smtClean="0"/>
-              <a:t>in Tweets</a:t>
-            </a:r>
-            <a:endParaRPr lang="fr" dirty="0"/>
+            <a:fld id="{00000000-1234-1234-1234-123412341234}" type="slidenum">
+              <a:rPr lang="fr"/>
+              <a:t>‹#›</a:t>
+            </a:fld>
           </a:p>
         </p:txBody>
       </p:sp>
     </p:spTree>
-    <p:extLst>
-      <p:ext uri="{BB962C8B-B14F-4D97-AF65-F5344CB8AC3E}">
-        <p14:creationId xmlns:p14="http://schemas.microsoft.com/office/powerpoint/2010/main" val="3555458571"/>
-      </p:ext>
-    </p:extLst>
   </p:cSld>
   <p:clrMapOvr>
     <a:masterClrMapping/>
@@ -6222,12 +6117,12 @@
 </p:sld>
 </file>
 
-<file path=ppt/slides/slide2.xml><?xml version="1.0" encoding="utf-8"?>
-<p:sld xmlns:a="http://schemas.openxmlformats.org/drawingml/2006/main" xmlns:r="http://schemas.openxmlformats.org/officeDocument/2006/relationships" xmlns:p="http://schemas.openxmlformats.org/presentationml/2006/main">
+<file path=ppt/slides/slide13.xml><?xml version="1.0" encoding="utf-8"?>
+<p:sld xmlns:a="http://schemas.openxmlformats.org/drawingml/2006/main" xmlns:r="http://schemas.openxmlformats.org/officeDocument/2006/relationships" xmlns:mc="http://schemas.openxmlformats.org/markup-compatibility/2006" xmlns:mv="urn:schemas-microsoft-com:mac:vml" xmlns:p="http://schemas.openxmlformats.org/presentationml/2006/main" xmlns:c="http://schemas.openxmlformats.org/drawingml/2006/chart" xmlns:dgm="http://schemas.openxmlformats.org/drawingml/2006/diagram" xmlns:o="urn:schemas-microsoft-com:office:office" xmlns:v="urn:schemas-microsoft-com:vml" xmlns:pvml="urn:schemas-microsoft-com:office:powerpoint" xmlns:com="http://schemas.openxmlformats.org/drawingml/2006/compatibility" xmlns:p14="http://schemas.microsoft.com/office/powerpoint/2010/main">
   <p:cSld>
     <p:spTree>
       <p:nvGrpSpPr>
-        <p:cNvPr id="1" name="Shape 71"/>
+        <p:cNvPr id="153" name="Shape 153"/>
         <p:cNvGrpSpPr/>
         <p:nvPr/>
       </p:nvGrpSpPr>
@@ -6241,10 +6136,8 @@
       </p:grpSpPr>
       <p:sp>
         <p:nvSpPr>
-          <p:cNvPr id="72" name="Shape 72"/>
-          <p:cNvSpPr txBox="1">
-            <a:spLocks noGrp="1"/>
-          </p:cNvSpPr>
+          <p:cNvPr id="154" name="Shape 154"/>
+          <p:cNvSpPr txBox="1"/>
           <p:nvPr>
             <p:ph type="title"/>
           </p:nvPr>
@@ -6259,7 +6152,7 @@
           </a:prstGeom>
         </p:spPr>
         <p:txBody>
-          <a:bodyPr lIns="91425" tIns="91425" rIns="91425" bIns="91425" anchor="t" anchorCtr="0">
+          <a:bodyPr anchorCtr="0" anchor="t" bIns="91425" lIns="91425" rIns="91425" tIns="91425">
             <a:noAutofit/>
           </a:bodyPr>
           <a:lstStyle/>
@@ -6272,19 +6165,17 @@
             </a:pPr>
             <a:r>
               <a:rPr lang="fr"/>
-              <a:t>Team</a:t>
-            </a:r>
-          </a:p>
-        </p:txBody>
-      </p:sp>
-      <p:sp>
-        <p:nvSpPr>
-          <p:cNvPr id="73" name="Shape 73"/>
-          <p:cNvSpPr txBox="1">
-            <a:spLocks noGrp="1"/>
-          </p:cNvSpPr>
-          <p:nvPr>
-            <p:ph type="body" idx="1"/>
+              <a:t>Conclusion &amp; Perspectives</a:t>
+            </a:r>
+          </a:p>
+        </p:txBody>
+      </p:sp>
+      <p:sp>
+        <p:nvSpPr>
+          <p:cNvPr id="155" name="Shape 155"/>
+          <p:cNvSpPr txBox="1"/>
+          <p:nvPr>
+            <p:ph idx="1" type="body"/>
           </p:nvPr>
         </p:nvSpPr>
         <p:spPr>
@@ -6297,108 +6188,105 @@
           </a:prstGeom>
         </p:spPr>
         <p:txBody>
-          <a:bodyPr lIns="91425" tIns="91425" rIns="91425" bIns="91425" anchor="t" anchorCtr="0">
+          <a:bodyPr anchorCtr="0" anchor="t" bIns="91425" lIns="91425" rIns="91425" tIns="91425">
             <a:noAutofit/>
           </a:bodyPr>
           <a:lstStyle/>
           <a:p>
-            <a:pPr marL="457200" lvl="0" indent="-228600">
-              <a:lnSpc>
-                <a:spcPct val="200000"/>
-              </a:lnSpc>
-              <a:spcBef>
-                <a:spcPts val="0"/>
-              </a:spcBef>
-              <a:buChar char="➔"/>
+            <a:pPr lvl="0">
+              <a:spcBef>
+                <a:spcPts val="0"/>
+              </a:spcBef>
+              <a:buNone/>
             </a:pPr>
             <a:r>
               <a:rPr lang="fr"/>
-              <a:t>Ghislain (Mondeca)</a:t>
-            </a:r>
-          </a:p>
-          <a:p>
-            <a:pPr marL="457200" lvl="0" indent="-228600">
-              <a:lnSpc>
-                <a:spcPct val="200000"/>
-              </a:lnSpc>
-              <a:spcBef>
-                <a:spcPts val="0"/>
-              </a:spcBef>
-              <a:buChar char="➔"/>
+              <a:t>An approach for detecting events on Twitter</a:t>
+            </a:r>
+          </a:p>
+          <a:p>
+            <a:pPr indent="-228600" lvl="0" marL="457200" rtl="0">
+              <a:spcBef>
+                <a:spcPts val="0"/>
+              </a:spcBef>
+              <a:buChar char="●"/>
             </a:pPr>
             <a:r>
               <a:rPr lang="fr"/>
-              <a:t>Hacene (Mondeca)</a:t>
-            </a:r>
-          </a:p>
-          <a:p>
-            <a:pPr marL="457200" lvl="0" indent="-228600">
-              <a:lnSpc>
-                <a:spcPct val="200000"/>
-              </a:lnSpc>
-              <a:spcBef>
-                <a:spcPts val="0"/>
-              </a:spcBef>
-              <a:buChar char="➔"/>
+              <a:t>Natural Language Processing Analysis with Machine Learning</a:t>
+            </a:r>
+          </a:p>
+          <a:p>
+            <a:pPr indent="-228600" lvl="0" marL="457200" rtl="0">
+              <a:spcBef>
+                <a:spcPts val="0"/>
+              </a:spcBef>
+              <a:buChar char="●"/>
             </a:pPr>
             <a:r>
               <a:rPr lang="fr"/>
-              <a:t>Anh (Mondeca)</a:t>
-            </a:r>
-          </a:p>
-          <a:p>
-            <a:pPr marL="457200" lvl="0" indent="-228600">
-              <a:lnSpc>
-                <a:spcPct val="200000"/>
-              </a:lnSpc>
-              <a:spcBef>
-                <a:spcPts val="0"/>
-              </a:spcBef>
-              <a:buChar char="➔"/>
+              <a:t>Semantic Enrichment with Rule-Based Systems</a:t>
+            </a:r>
+          </a:p>
+          <a:p>
+            <a:pPr lvl="0" rtl="0">
+              <a:spcBef>
+                <a:spcPts val="0"/>
+              </a:spcBef>
+              <a:buNone/>
             </a:pPr>
             <a:r>
               <a:rPr lang="fr"/>
-              <a:t>Arnaud (Mondeca)</a:t>
-            </a:r>
-          </a:p>
-          <a:p>
-            <a:pPr marL="457200" lvl="0" indent="-228600">
-              <a:lnSpc>
-                <a:spcPct val="200000"/>
-              </a:lnSpc>
-              <a:spcBef>
-                <a:spcPts val="0"/>
-              </a:spcBef>
-              <a:buChar char="➔"/>
+              <a:t>We plan to evaluate this approach using the Hackatal 2016 dataset as ground truth </a:t>
+            </a:r>
+          </a:p>
+          <a:p>
+            <a:pPr lvl="0" rtl="0">
+              <a:spcBef>
+                <a:spcPts val="0"/>
+              </a:spcBef>
+              <a:buNone/>
             </a:pPr>
             <a:r>
               <a:rPr lang="fr"/>
-              <a:t>Julien (Eurecom)</a:t>
-            </a:r>
-          </a:p>
-          <a:p>
-            <a:pPr marL="457200" lvl="0" indent="-228600">
-              <a:lnSpc>
-                <a:spcPct val="200000"/>
-              </a:lnSpc>
-              <a:spcBef>
-                <a:spcPts val="0"/>
-              </a:spcBef>
-              <a:buChar char="➔"/>
-            </a:pPr>
-            <a:r>
+              <a:t>Submit a research paper</a:t>
+            </a:r>
+          </a:p>
+        </p:txBody>
+      </p:sp>
+      <p:sp>
+        <p:nvSpPr>
+          <p:cNvPr id="156" name="Shape 156"/>
+          <p:cNvSpPr txBox="1"/>
+          <p:nvPr>
+            <p:ph idx="12" type="sldNum"/>
+          </p:nvPr>
+        </p:nvSpPr>
+        <p:spPr>
+          <a:xfrm>
+            <a:off x="8472457" y="4663216"/>
+            <a:ext cx="548700" cy="393600"/>
+          </a:xfrm>
+          <a:prstGeom prst="rect">
+            <a:avLst/>
+          </a:prstGeom>
+        </p:spPr>
+        <p:txBody>
+          <a:bodyPr anchorCtr="0" anchor="ctr" bIns="91425" lIns="91425" rIns="91425" tIns="91425">
+            <a:noAutofit/>
+          </a:bodyPr>
+          <a:lstStyle/>
+          <a:p>
+            <a:pPr lvl="0">
+              <a:spcBef>
+                <a:spcPts val="0"/>
+              </a:spcBef>
+              <a:buNone/>
+            </a:pPr>
+            <a:fld id="{00000000-1234-1234-1234-123412341234}" type="slidenum">
               <a:rPr lang="fr"/>
-              <a:t>Edouard (INRIA)</a:t>
-            </a:r>
-          </a:p>
-          <a:p>
-            <a:pPr lvl="0">
-              <a:spcBef>
-                <a:spcPts val="0"/>
-              </a:spcBef>
-              <a:buNone/>
-            </a:pPr>
-            <a:endParaRPr/>
+              <a:t>‹#›</a:t>
+            </a:fld>
           </a:p>
         </p:txBody>
       </p:sp>
@@ -6410,12 +6298,12 @@
 </p:sld>
 </file>
 
-<file path=ppt/slides/slide3.xml><?xml version="1.0" encoding="utf-8"?>
-<p:sld xmlns:a="http://schemas.openxmlformats.org/drawingml/2006/main" xmlns:r="http://schemas.openxmlformats.org/officeDocument/2006/relationships" xmlns:p="http://schemas.openxmlformats.org/presentationml/2006/main">
+<file path=ppt/slides/slide14.xml><?xml version="1.0" encoding="utf-8"?>
+<p:sld xmlns:a="http://schemas.openxmlformats.org/drawingml/2006/main" xmlns:r="http://schemas.openxmlformats.org/officeDocument/2006/relationships" xmlns:mc="http://schemas.openxmlformats.org/markup-compatibility/2006" xmlns:mv="urn:schemas-microsoft-com:mac:vml" xmlns:p="http://schemas.openxmlformats.org/presentationml/2006/main" xmlns:c="http://schemas.openxmlformats.org/drawingml/2006/chart" xmlns:dgm="http://schemas.openxmlformats.org/drawingml/2006/diagram" xmlns:o="urn:schemas-microsoft-com:office:office" xmlns:v="urn:schemas-microsoft-com:vml" xmlns:pvml="urn:schemas-microsoft-com:office:powerpoint" xmlns:com="http://schemas.openxmlformats.org/drawingml/2006/compatibility" xmlns:p14="http://schemas.microsoft.com/office/powerpoint/2010/main">
   <p:cSld>
     <p:spTree>
       <p:nvGrpSpPr>
-        <p:cNvPr id="1" name="Shape 77"/>
+        <p:cNvPr id="160" name="Shape 160"/>
         <p:cNvGrpSpPr/>
         <p:nvPr/>
       </p:nvGrpSpPr>
@@ -6429,25 +6317,23 @@
       </p:grpSpPr>
       <p:sp>
         <p:nvSpPr>
-          <p:cNvPr id="78" name="Shape 78"/>
-          <p:cNvSpPr txBox="1">
-            <a:spLocks noGrp="1"/>
-          </p:cNvSpPr>
+          <p:cNvPr id="161" name="Shape 161"/>
+          <p:cNvSpPr txBox="1"/>
           <p:nvPr>
             <p:ph type="title"/>
           </p:nvPr>
         </p:nvSpPr>
         <p:spPr>
           <a:xfrm>
-            <a:off x="311700" y="445025"/>
-            <a:ext cx="8520600" cy="707400"/>
-          </a:xfrm>
-          <a:prstGeom prst="rect">
-            <a:avLst/>
-          </a:prstGeom>
-        </p:spPr>
-        <p:txBody>
-          <a:bodyPr lIns="91425" tIns="91425" rIns="91425" bIns="91425" anchor="t" anchorCtr="0">
+            <a:off x="311700" y="1304850"/>
+            <a:ext cx="8520600" cy="1538400"/>
+          </a:xfrm>
+          <a:prstGeom prst="rect">
+            <a:avLst/>
+          </a:prstGeom>
+        </p:spPr>
+        <p:txBody>
+          <a:bodyPr anchorCtr="0" anchor="ctr" bIns="91425" lIns="91425" rIns="91425" tIns="91425">
             <a:noAutofit/>
           </a:bodyPr>
           <a:lstStyle/>
@@ -6460,109 +6346,80 @@
             </a:pPr>
             <a:r>
               <a:rPr lang="fr"/>
-              <a:t>Our Approach </a:t>
-            </a:r>
-          </a:p>
-        </p:txBody>
-      </p:sp>
-      <p:sp>
-        <p:nvSpPr>
-          <p:cNvPr id="79" name="Shape 79"/>
-          <p:cNvSpPr txBox="1">
-            <a:spLocks noGrp="1"/>
-          </p:cNvSpPr>
-          <p:nvPr>
-            <p:ph type="body" idx="1"/>
-          </p:nvPr>
-        </p:nvSpPr>
-        <p:spPr>
-          <a:xfrm>
-            <a:off x="311700" y="1266325"/>
-            <a:ext cx="8520600" cy="3302700"/>
-          </a:xfrm>
-          <a:prstGeom prst="rect">
-            <a:avLst/>
-          </a:prstGeom>
-        </p:spPr>
-        <p:txBody>
-          <a:bodyPr lIns="91425" tIns="91425" rIns="91425" bIns="91425" anchor="t" anchorCtr="0">
+              <a:t>Thank You</a:t>
+            </a:r>
+          </a:p>
+        </p:txBody>
+      </p:sp>
+      <p:sp>
+        <p:nvSpPr>
+          <p:cNvPr id="162" name="Shape 162"/>
+          <p:cNvSpPr txBox="1"/>
+          <p:nvPr>
+            <p:ph idx="1" type="body"/>
+          </p:nvPr>
+        </p:nvSpPr>
+        <p:spPr>
+          <a:xfrm>
+            <a:off x="311700" y="2995650"/>
+            <a:ext cx="8520600" cy="1071600"/>
+          </a:xfrm>
+          <a:prstGeom prst="rect">
+            <a:avLst/>
+          </a:prstGeom>
+        </p:spPr>
+        <p:txBody>
+          <a:bodyPr anchorCtr="0" anchor="t" bIns="91425" lIns="91425" rIns="91425" tIns="91425">
             <a:noAutofit/>
           </a:bodyPr>
           <a:lstStyle/>
           <a:p>
-            <a:pPr marL="457200" lvl="0" indent="-228600">
-              <a:lnSpc>
-                <a:spcPct val="200000"/>
-              </a:lnSpc>
-              <a:spcBef>
-                <a:spcPts val="0"/>
-              </a:spcBef>
-              <a:buChar char="➔"/>
-            </a:pPr>
-            <a:r>
+            <a:pPr lvl="0">
+              <a:spcBef>
+                <a:spcPts val="0"/>
+              </a:spcBef>
+              <a:buNone/>
+            </a:pPr>
+            <a:r>
+              <a:rPr lang="fr" sz="4800"/>
+              <a:t>Questions?</a:t>
+            </a:r>
+          </a:p>
+        </p:txBody>
+      </p:sp>
+      <p:sp>
+        <p:nvSpPr>
+          <p:cNvPr id="163" name="Shape 163"/>
+          <p:cNvSpPr txBox="1"/>
+          <p:nvPr>
+            <p:ph idx="12" type="sldNum"/>
+          </p:nvPr>
+        </p:nvSpPr>
+        <p:spPr>
+          <a:xfrm>
+            <a:off x="8472457" y="4663216"/>
+            <a:ext cx="548700" cy="393600"/>
+          </a:xfrm>
+          <a:prstGeom prst="rect">
+            <a:avLst/>
+          </a:prstGeom>
+        </p:spPr>
+        <p:txBody>
+          <a:bodyPr anchorCtr="0" anchor="ctr" bIns="91425" lIns="91425" rIns="91425" tIns="91425">
+            <a:noAutofit/>
+          </a:bodyPr>
+          <a:lstStyle/>
+          <a:p>
+            <a:pPr lvl="0">
+              <a:spcBef>
+                <a:spcPts val="0"/>
+              </a:spcBef>
+              <a:buNone/>
+            </a:pPr>
+            <a:fld id="{00000000-1234-1234-1234-123412341234}" type="slidenum">
               <a:rPr lang="fr"/>
-              <a:t>Temporal Analysis </a:t>
-            </a:r>
-          </a:p>
-          <a:p>
-            <a:pPr marL="457200" lvl="0" indent="-228600" rtl="0">
-              <a:lnSpc>
-                <a:spcPct val="200000"/>
-              </a:lnSpc>
-              <a:spcBef>
-                <a:spcPts val="0"/>
-              </a:spcBef>
-              <a:buChar char="➔"/>
-            </a:pPr>
-            <a:r>
-              <a:rPr lang="fr"/>
-              <a:t>Topic Detection relevant to the Euro 2016</a:t>
-            </a:r>
-          </a:p>
-          <a:p>
-            <a:pPr marL="457200" lvl="0" indent="-228600" rtl="0">
-              <a:lnSpc>
-                <a:spcPct val="200000"/>
-              </a:lnSpc>
-              <a:spcBef>
-                <a:spcPts val="0"/>
-              </a:spcBef>
-              <a:buChar char="➔"/>
-            </a:pPr>
-            <a:r>
-              <a:rPr lang="fr"/>
-              <a:t>Semantic Event Representation</a:t>
-            </a:r>
-          </a:p>
-          <a:p>
-            <a:pPr marL="457200" lvl="0" indent="-228600">
-              <a:lnSpc>
-                <a:spcPct val="200000"/>
-              </a:lnSpc>
-              <a:spcBef>
-                <a:spcPts val="0"/>
-              </a:spcBef>
-              <a:buChar char="➔"/>
-            </a:pPr>
-            <a:r>
-              <a:rPr lang="fr"/>
-              <a:t>Semantic Annotation and Rule-based analysis</a:t>
-            </a:r>
-          </a:p>
-          <a:p>
-            <a:pPr marL="457200" lvl="0" indent="-228600">
-              <a:lnSpc>
-                <a:spcPct val="200000"/>
-              </a:lnSpc>
-              <a:spcBef>
-                <a:spcPts val="0"/>
-              </a:spcBef>
-              <a:buChar char="➔"/>
-            </a:pPr>
-            <a:r>
-              <a:rPr lang="fr"/>
-              <a:t>Indexation and visualization</a:t>
-            </a:r>
+              <a:t>‹#›</a:t>
+            </a:fld>
           </a:p>
         </p:txBody>
       </p:sp>
@@ -6574,12 +6431,12 @@
 </p:sld>
 </file>
 
-<file path=ppt/slides/slide4.xml><?xml version="1.0" encoding="utf-8"?>
-<p:sld xmlns:a="http://schemas.openxmlformats.org/drawingml/2006/main" xmlns:r="http://schemas.openxmlformats.org/officeDocument/2006/relationships" xmlns:p="http://schemas.openxmlformats.org/presentationml/2006/main">
+<file path=ppt/slides/slide2.xml><?xml version="1.0" encoding="utf-8"?>
+<p:sld xmlns:a="http://schemas.openxmlformats.org/drawingml/2006/main" xmlns:r="http://schemas.openxmlformats.org/officeDocument/2006/relationships" xmlns:mc="http://schemas.openxmlformats.org/markup-compatibility/2006" xmlns:mv="urn:schemas-microsoft-com:mac:vml" xmlns:p="http://schemas.openxmlformats.org/presentationml/2006/main" xmlns:c="http://schemas.openxmlformats.org/drawingml/2006/chart" xmlns:dgm="http://schemas.openxmlformats.org/drawingml/2006/diagram" xmlns:o="urn:schemas-microsoft-com:office:office" xmlns:v="urn:schemas-microsoft-com:vml" xmlns:pvml="urn:schemas-microsoft-com:office:powerpoint" xmlns:com="http://schemas.openxmlformats.org/drawingml/2006/compatibility" xmlns:p14="http://schemas.microsoft.com/office/powerpoint/2010/main">
   <p:cSld>
     <p:spTree>
       <p:nvGrpSpPr>
-        <p:cNvPr id="1" name="Shape 83"/>
+        <p:cNvPr id="71" name="Shape 71"/>
         <p:cNvGrpSpPr/>
         <p:nvPr/>
       </p:nvGrpSpPr>
@@ -6593,10 +6450,8 @@
       </p:grpSpPr>
       <p:sp>
         <p:nvSpPr>
-          <p:cNvPr id="84" name="Shape 84"/>
-          <p:cNvSpPr txBox="1">
-            <a:spLocks noGrp="1"/>
-          </p:cNvSpPr>
+          <p:cNvPr id="72" name="Shape 72"/>
+          <p:cNvSpPr txBox="1"/>
           <p:nvPr>
             <p:ph type="title"/>
           </p:nvPr>
@@ -6611,7 +6466,7 @@
           </a:prstGeom>
         </p:spPr>
         <p:txBody>
-          <a:bodyPr lIns="91425" tIns="91425" rIns="91425" bIns="91425" anchor="t" anchorCtr="0">
+          <a:bodyPr anchorCtr="0" anchor="t" bIns="91425" lIns="91425" rIns="91425" tIns="91425">
             <a:noAutofit/>
           </a:bodyPr>
           <a:lstStyle/>
@@ -6624,14 +6479,433 @@
             </a:pPr>
             <a:r>
               <a:rPr lang="fr"/>
-              <a:t>Our Approach - Diagram</a:t>
+              <a:t>Team</a:t>
+            </a:r>
+          </a:p>
+        </p:txBody>
+      </p:sp>
+      <p:sp>
+        <p:nvSpPr>
+          <p:cNvPr id="73" name="Shape 73"/>
+          <p:cNvSpPr txBox="1"/>
+          <p:nvPr>
+            <p:ph idx="1" type="body"/>
+          </p:nvPr>
+        </p:nvSpPr>
+        <p:spPr>
+          <a:xfrm>
+            <a:off x="311700" y="1266325"/>
+            <a:ext cx="8520600" cy="3302700"/>
+          </a:xfrm>
+          <a:prstGeom prst="rect">
+            <a:avLst/>
+          </a:prstGeom>
+        </p:spPr>
+        <p:txBody>
+          <a:bodyPr anchorCtr="0" anchor="t" bIns="91425" lIns="91425" rIns="91425" tIns="91425">
+            <a:noAutofit/>
+          </a:bodyPr>
+          <a:lstStyle/>
+          <a:p>
+            <a:pPr indent="-228600" lvl="0" marL="457200">
+              <a:lnSpc>
+                <a:spcPct val="200000"/>
+              </a:lnSpc>
+              <a:spcBef>
+                <a:spcPts val="0"/>
+              </a:spcBef>
+              <a:buChar char="➔"/>
+            </a:pPr>
+            <a:r>
+              <a:rPr lang="fr"/>
+              <a:t>Ghislain (Mondeca)</a:t>
+            </a:r>
+          </a:p>
+          <a:p>
+            <a:pPr indent="-228600" lvl="0" marL="457200">
+              <a:lnSpc>
+                <a:spcPct val="200000"/>
+              </a:lnSpc>
+              <a:spcBef>
+                <a:spcPts val="0"/>
+              </a:spcBef>
+              <a:buChar char="➔"/>
+            </a:pPr>
+            <a:r>
+              <a:rPr lang="fr"/>
+              <a:t>Hacene (Mondeca)</a:t>
+            </a:r>
+          </a:p>
+          <a:p>
+            <a:pPr indent="-228600" lvl="0" marL="457200">
+              <a:lnSpc>
+                <a:spcPct val="200000"/>
+              </a:lnSpc>
+              <a:spcBef>
+                <a:spcPts val="0"/>
+              </a:spcBef>
+              <a:buChar char="➔"/>
+            </a:pPr>
+            <a:r>
+              <a:rPr lang="fr"/>
+              <a:t>Anh (Mondeca)</a:t>
+            </a:r>
+          </a:p>
+          <a:p>
+            <a:pPr indent="-228600" lvl="0" marL="457200">
+              <a:lnSpc>
+                <a:spcPct val="200000"/>
+              </a:lnSpc>
+              <a:spcBef>
+                <a:spcPts val="0"/>
+              </a:spcBef>
+              <a:buChar char="➔"/>
+            </a:pPr>
+            <a:r>
+              <a:rPr lang="fr"/>
+              <a:t>Arnaud (Mondeca)</a:t>
+            </a:r>
+          </a:p>
+          <a:p>
+            <a:pPr indent="-228600" lvl="0" marL="457200">
+              <a:lnSpc>
+                <a:spcPct val="200000"/>
+              </a:lnSpc>
+              <a:spcBef>
+                <a:spcPts val="0"/>
+              </a:spcBef>
+              <a:buChar char="➔"/>
+            </a:pPr>
+            <a:r>
+              <a:rPr lang="fr"/>
+              <a:t>Julien (Eurecom)</a:t>
+            </a:r>
+          </a:p>
+          <a:p>
+            <a:pPr indent="-228600" lvl="0" marL="457200">
+              <a:lnSpc>
+                <a:spcPct val="200000"/>
+              </a:lnSpc>
+              <a:spcBef>
+                <a:spcPts val="0"/>
+              </a:spcBef>
+              <a:buChar char="➔"/>
+            </a:pPr>
+            <a:r>
+              <a:rPr lang="fr"/>
+              <a:t>Edouard (INRIA)</a:t>
+            </a:r>
+          </a:p>
+          <a:p>
+            <a:pPr lvl="0">
+              <a:spcBef>
+                <a:spcPts val="0"/>
+              </a:spcBef>
+              <a:buNone/>
+            </a:pPr>
+            <a:r>
+              <a:t/>
+            </a:r>
+            <a:endParaRPr/>
+          </a:p>
+        </p:txBody>
+      </p:sp>
+      <p:sp>
+        <p:nvSpPr>
+          <p:cNvPr id="74" name="Shape 74"/>
+          <p:cNvSpPr txBox="1"/>
+          <p:nvPr>
+            <p:ph idx="12" type="sldNum"/>
+          </p:nvPr>
+        </p:nvSpPr>
+        <p:spPr>
+          <a:xfrm>
+            <a:off x="8472457" y="4663216"/>
+            <a:ext cx="548700" cy="393600"/>
+          </a:xfrm>
+          <a:prstGeom prst="rect">
+            <a:avLst/>
+          </a:prstGeom>
+        </p:spPr>
+        <p:txBody>
+          <a:bodyPr anchorCtr="0" anchor="ctr" bIns="91425" lIns="91425" rIns="91425" tIns="91425">
+            <a:noAutofit/>
+          </a:bodyPr>
+          <a:lstStyle/>
+          <a:p>
+            <a:pPr lvl="0">
+              <a:spcBef>
+                <a:spcPts val="0"/>
+              </a:spcBef>
+              <a:buNone/>
+            </a:pPr>
+            <a:fld id="{00000000-1234-1234-1234-123412341234}" type="slidenum">
+              <a:rPr lang="fr"/>
+              <a:t>‹#›</a:t>
+            </a:fld>
+          </a:p>
+        </p:txBody>
+      </p:sp>
+    </p:spTree>
+  </p:cSld>
+  <p:clrMapOvr>
+    <a:masterClrMapping/>
+  </p:clrMapOvr>
+</p:sld>
+</file>
+
+<file path=ppt/slides/slide3.xml><?xml version="1.0" encoding="utf-8"?>
+<p:sld xmlns:a="http://schemas.openxmlformats.org/drawingml/2006/main" xmlns:r="http://schemas.openxmlformats.org/officeDocument/2006/relationships" xmlns:mc="http://schemas.openxmlformats.org/markup-compatibility/2006" xmlns:mv="urn:schemas-microsoft-com:mac:vml" xmlns:p="http://schemas.openxmlformats.org/presentationml/2006/main" xmlns:c="http://schemas.openxmlformats.org/drawingml/2006/chart" xmlns:dgm="http://schemas.openxmlformats.org/drawingml/2006/diagram" xmlns:o="urn:schemas-microsoft-com:office:office" xmlns:v="urn:schemas-microsoft-com:vml" xmlns:pvml="urn:schemas-microsoft-com:office:powerpoint" xmlns:com="http://schemas.openxmlformats.org/drawingml/2006/compatibility" xmlns:p14="http://schemas.microsoft.com/office/powerpoint/2010/main">
+  <p:cSld>
+    <p:spTree>
+      <p:nvGrpSpPr>
+        <p:cNvPr id="78" name="Shape 78"/>
+        <p:cNvGrpSpPr/>
+        <p:nvPr/>
+      </p:nvGrpSpPr>
+      <p:grpSpPr>
+        <a:xfrm>
+          <a:off x="0" y="0"/>
+          <a:ext cx="0" cy="0"/>
+          <a:chOff x="0" y="0"/>
+          <a:chExt cx="0" cy="0"/>
+        </a:xfrm>
+      </p:grpSpPr>
+      <p:sp>
+        <p:nvSpPr>
+          <p:cNvPr id="79" name="Shape 79"/>
+          <p:cNvSpPr txBox="1"/>
+          <p:nvPr>
+            <p:ph type="title"/>
+          </p:nvPr>
+        </p:nvSpPr>
+        <p:spPr>
+          <a:xfrm>
+            <a:off x="311700" y="445025"/>
+            <a:ext cx="8520600" cy="707400"/>
+          </a:xfrm>
+          <a:prstGeom prst="rect">
+            <a:avLst/>
+          </a:prstGeom>
+        </p:spPr>
+        <p:txBody>
+          <a:bodyPr anchorCtr="0" anchor="t" bIns="91425" lIns="91425" rIns="91425" tIns="91425">
+            <a:noAutofit/>
+          </a:bodyPr>
+          <a:lstStyle/>
+          <a:p>
+            <a:pPr lvl="0">
+              <a:spcBef>
+                <a:spcPts val="0"/>
+              </a:spcBef>
+              <a:buNone/>
+            </a:pPr>
+            <a:r>
+              <a:rPr lang="fr"/>
+              <a:t>Our Approach </a:t>
+            </a:r>
+          </a:p>
+        </p:txBody>
+      </p:sp>
+      <p:sp>
+        <p:nvSpPr>
+          <p:cNvPr id="80" name="Shape 80"/>
+          <p:cNvSpPr txBox="1"/>
+          <p:nvPr>
+            <p:ph idx="1" type="body"/>
+          </p:nvPr>
+        </p:nvSpPr>
+        <p:spPr>
+          <a:xfrm>
+            <a:off x="311700" y="1266325"/>
+            <a:ext cx="8520600" cy="3302700"/>
+          </a:xfrm>
+          <a:prstGeom prst="rect">
+            <a:avLst/>
+          </a:prstGeom>
+        </p:spPr>
+        <p:txBody>
+          <a:bodyPr anchorCtr="0" anchor="t" bIns="91425" lIns="91425" rIns="91425" tIns="91425">
+            <a:noAutofit/>
+          </a:bodyPr>
+          <a:lstStyle/>
+          <a:p>
+            <a:pPr indent="-228600" lvl="0" marL="457200">
+              <a:lnSpc>
+                <a:spcPct val="200000"/>
+              </a:lnSpc>
+              <a:spcBef>
+                <a:spcPts val="0"/>
+              </a:spcBef>
+              <a:buChar char="➔"/>
+            </a:pPr>
+            <a:r>
+              <a:rPr lang="fr"/>
+              <a:t>Temporal Analysis </a:t>
+            </a:r>
+          </a:p>
+          <a:p>
+            <a:pPr indent="-228600" lvl="0" marL="457200" rtl="0">
+              <a:lnSpc>
+                <a:spcPct val="200000"/>
+              </a:lnSpc>
+              <a:spcBef>
+                <a:spcPts val="0"/>
+              </a:spcBef>
+              <a:buChar char="➔"/>
+            </a:pPr>
+            <a:r>
+              <a:rPr lang="fr"/>
+              <a:t>Topic Detection relevant to the Euro 2016</a:t>
+            </a:r>
+          </a:p>
+          <a:p>
+            <a:pPr indent="-228600" lvl="0" marL="457200" rtl="0">
+              <a:lnSpc>
+                <a:spcPct val="200000"/>
+              </a:lnSpc>
+              <a:spcBef>
+                <a:spcPts val="0"/>
+              </a:spcBef>
+              <a:buChar char="➔"/>
+            </a:pPr>
+            <a:r>
+              <a:rPr lang="fr"/>
+              <a:t>Semantic Event Representation</a:t>
+            </a:r>
+          </a:p>
+          <a:p>
+            <a:pPr indent="-228600" lvl="0" marL="457200">
+              <a:lnSpc>
+                <a:spcPct val="200000"/>
+              </a:lnSpc>
+              <a:spcBef>
+                <a:spcPts val="0"/>
+              </a:spcBef>
+              <a:buChar char="➔"/>
+            </a:pPr>
+            <a:r>
+              <a:rPr lang="fr"/>
+              <a:t>Semantic Annotation and Rule-based analysis</a:t>
+            </a:r>
+          </a:p>
+          <a:p>
+            <a:pPr indent="-228600" lvl="0" marL="457200">
+              <a:lnSpc>
+                <a:spcPct val="200000"/>
+              </a:lnSpc>
+              <a:spcBef>
+                <a:spcPts val="0"/>
+              </a:spcBef>
+              <a:buChar char="➔"/>
+            </a:pPr>
+            <a:r>
+              <a:rPr lang="fr"/>
+              <a:t>Indexation and visualization</a:t>
+            </a:r>
+          </a:p>
+        </p:txBody>
+      </p:sp>
+      <p:sp>
+        <p:nvSpPr>
+          <p:cNvPr id="81" name="Shape 81"/>
+          <p:cNvSpPr txBox="1"/>
+          <p:nvPr>
+            <p:ph idx="12" type="sldNum"/>
+          </p:nvPr>
+        </p:nvSpPr>
+        <p:spPr>
+          <a:xfrm>
+            <a:off x="8472457" y="4663216"/>
+            <a:ext cx="548700" cy="393600"/>
+          </a:xfrm>
+          <a:prstGeom prst="rect">
+            <a:avLst/>
+          </a:prstGeom>
+        </p:spPr>
+        <p:txBody>
+          <a:bodyPr anchorCtr="0" anchor="ctr" bIns="91425" lIns="91425" rIns="91425" tIns="91425">
+            <a:noAutofit/>
+          </a:bodyPr>
+          <a:lstStyle/>
+          <a:p>
+            <a:pPr lvl="0">
+              <a:spcBef>
+                <a:spcPts val="0"/>
+              </a:spcBef>
+              <a:buNone/>
+            </a:pPr>
+            <a:fld id="{00000000-1234-1234-1234-123412341234}" type="slidenum">
+              <a:rPr lang="fr"/>
+              <a:t>‹#›</a:t>
+            </a:fld>
+          </a:p>
+        </p:txBody>
+      </p:sp>
+    </p:spTree>
+  </p:cSld>
+  <p:clrMapOvr>
+    <a:masterClrMapping/>
+  </p:clrMapOvr>
+</p:sld>
+</file>
+
+<file path=ppt/slides/slide4.xml><?xml version="1.0" encoding="utf-8"?>
+<p:sld xmlns:a="http://schemas.openxmlformats.org/drawingml/2006/main" xmlns:r="http://schemas.openxmlformats.org/officeDocument/2006/relationships" xmlns:mc="http://schemas.openxmlformats.org/markup-compatibility/2006" xmlns:mv="urn:schemas-microsoft-com:mac:vml" xmlns:p="http://schemas.openxmlformats.org/presentationml/2006/main" xmlns:c="http://schemas.openxmlformats.org/drawingml/2006/chart" xmlns:dgm="http://schemas.openxmlformats.org/drawingml/2006/diagram" xmlns:o="urn:schemas-microsoft-com:office:office" xmlns:v="urn:schemas-microsoft-com:vml" xmlns:pvml="urn:schemas-microsoft-com:office:powerpoint" xmlns:com="http://schemas.openxmlformats.org/drawingml/2006/compatibility" xmlns:p14="http://schemas.microsoft.com/office/powerpoint/2010/main">
+  <p:cSld>
+    <p:spTree>
+      <p:nvGrpSpPr>
+        <p:cNvPr id="85" name="Shape 85"/>
+        <p:cNvGrpSpPr/>
+        <p:nvPr/>
+      </p:nvGrpSpPr>
+      <p:grpSpPr>
+        <a:xfrm>
+          <a:off x="0" y="0"/>
+          <a:ext cx="0" cy="0"/>
+          <a:chOff x="0" y="0"/>
+          <a:chExt cx="0" cy="0"/>
+        </a:xfrm>
+      </p:grpSpPr>
+      <p:sp>
+        <p:nvSpPr>
+          <p:cNvPr id="86" name="Shape 86"/>
+          <p:cNvSpPr txBox="1"/>
+          <p:nvPr>
+            <p:ph type="title"/>
+          </p:nvPr>
+        </p:nvSpPr>
+        <p:spPr>
+          <a:xfrm>
+            <a:off x="95900" y="89725"/>
+            <a:ext cx="8520600" cy="707400"/>
+          </a:xfrm>
+          <a:prstGeom prst="rect">
+            <a:avLst/>
+          </a:prstGeom>
+        </p:spPr>
+        <p:txBody>
+          <a:bodyPr anchorCtr="0" anchor="t" bIns="91425" lIns="91425" rIns="91425" tIns="91425">
+            <a:noAutofit/>
+          </a:bodyPr>
+          <a:lstStyle/>
+          <a:p>
+            <a:pPr lvl="0" rtl="0">
+              <a:spcBef>
+                <a:spcPts val="0"/>
+              </a:spcBef>
+              <a:buNone/>
+            </a:pPr>
+            <a:r>
+              <a:rPr lang="fr"/>
+              <a:t>Workflow Process</a:t>
             </a:r>
           </a:p>
         </p:txBody>
       </p:sp>
       <p:pic>
         <p:nvPicPr>
-          <p:cNvPr id="85" name="Shape 85" descr="Diagramme-Hackatal.png"/>
+          <p:cNvPr descr="approche-hackatal.png" id="87" name="Shape 87"/>
           <p:cNvPicPr preferRelativeResize="0"/>
           <p:nvPr/>
         </p:nvPicPr>
@@ -6645,8 +6919,8 @@
         </p:blipFill>
         <p:spPr>
           <a:xfrm>
-            <a:off x="0" y="1620981"/>
-            <a:ext cx="9143999" cy="2511136"/>
+            <a:off x="692198" y="720925"/>
+            <a:ext cx="7455624" cy="4270175"/>
           </a:xfrm>
           <a:prstGeom prst="rect">
             <a:avLst/>
@@ -6657,27 +6931,56 @@
           </a:ln>
         </p:spPr>
       </p:pic>
+      <p:sp>
+        <p:nvSpPr>
+          <p:cNvPr id="88" name="Shape 88"/>
+          <p:cNvSpPr txBox="1"/>
+          <p:nvPr>
+            <p:ph idx="12" type="sldNum"/>
+          </p:nvPr>
+        </p:nvSpPr>
+        <p:spPr>
+          <a:xfrm>
+            <a:off x="8472457" y="4663216"/>
+            <a:ext cx="548700" cy="393600"/>
+          </a:xfrm>
+          <a:prstGeom prst="rect">
+            <a:avLst/>
+          </a:prstGeom>
+        </p:spPr>
+        <p:txBody>
+          <a:bodyPr anchorCtr="0" anchor="ctr" bIns="91425" lIns="91425" rIns="91425" tIns="91425">
+            <a:noAutofit/>
+          </a:bodyPr>
+          <a:lstStyle/>
+          <a:p>
+            <a:pPr lvl="0">
+              <a:spcBef>
+                <a:spcPts val="0"/>
+              </a:spcBef>
+              <a:buNone/>
+            </a:pPr>
+            <a:fld id="{00000000-1234-1234-1234-123412341234}" type="slidenum">
+              <a:rPr lang="fr"/>
+              <a:t>‹#›</a:t>
+            </a:fld>
+          </a:p>
+        </p:txBody>
+      </p:sp>
     </p:spTree>
   </p:cSld>
   <p:clrMapOvr>
     <a:masterClrMapping/>
   </p:clrMapOvr>
-  <p:timing>
-    <p:tnLst>
-      <p:par>
-        <p:cTn xmlns:p14="http://schemas.microsoft.com/office/powerpoint/2010/main" id="1" dur="indefinite" restart="never" nodeType="tmRoot"/>
-      </p:par>
-    </p:tnLst>
-  </p:timing>
 </p:sld>
 </file>
 
 <file path=ppt/slides/slide5.xml><?xml version="1.0" encoding="utf-8"?>
-<p:sld xmlns:a="http://schemas.openxmlformats.org/drawingml/2006/main" xmlns:r="http://schemas.openxmlformats.org/officeDocument/2006/relationships" xmlns:p="http://schemas.openxmlformats.org/presentationml/2006/main">
+<p:sld xmlns:a="http://schemas.openxmlformats.org/drawingml/2006/main" xmlns:r="http://schemas.openxmlformats.org/officeDocument/2006/relationships" xmlns:mc="http://schemas.openxmlformats.org/markup-compatibility/2006" xmlns:mv="urn:schemas-microsoft-com:mac:vml" xmlns:p="http://schemas.openxmlformats.org/presentationml/2006/main" xmlns:c="http://schemas.openxmlformats.org/drawingml/2006/chart" xmlns:dgm="http://schemas.openxmlformats.org/drawingml/2006/diagram" xmlns:o="urn:schemas-microsoft-com:office:office" xmlns:v="urn:schemas-microsoft-com:vml" xmlns:pvml="urn:schemas-microsoft-com:office:powerpoint" xmlns:com="http://schemas.openxmlformats.org/drawingml/2006/compatibility" xmlns:p14="http://schemas.microsoft.com/office/powerpoint/2010/main">
   <p:cSld>
     <p:spTree>
       <p:nvGrpSpPr>
-        <p:cNvPr id="1" name="Shape 89"/>
+        <p:cNvPr id="92" name="Shape 92"/>
         <p:cNvGrpSpPr/>
         <p:nvPr/>
       </p:nvGrpSpPr>
@@ -6689,1976 +6992,120 @@
           <a:chExt cx="0" cy="0"/>
         </a:xfrm>
       </p:grpSpPr>
-      <p:grpSp>
-        <p:nvGrpSpPr>
-          <p:cNvPr id="5" name="Agrupar 4"/>
-          <p:cNvGrpSpPr/>
+      <p:sp>
+        <p:nvSpPr>
+          <p:cNvPr id="93" name="Shape 93"/>
+          <p:cNvSpPr txBox="1"/>
+          <p:nvPr>
+            <p:ph type="title"/>
+          </p:nvPr>
+        </p:nvSpPr>
+        <p:spPr>
+          <a:xfrm>
+            <a:off x="311700" y="445025"/>
+            <a:ext cx="8520600" cy="707400"/>
+          </a:xfrm>
+          <a:prstGeom prst="rect">
+            <a:avLst/>
+          </a:prstGeom>
+        </p:spPr>
+        <p:txBody>
+          <a:bodyPr anchorCtr="0" anchor="t" bIns="91425" lIns="91425" rIns="91425" tIns="91425">
+            <a:noAutofit/>
+          </a:bodyPr>
+          <a:lstStyle/>
+          <a:p>
+            <a:pPr lvl="0">
+              <a:spcBef>
+                <a:spcPts val="0"/>
+              </a:spcBef>
+              <a:buNone/>
+            </a:pPr>
+            <a:r>
+              <a:rPr lang="fr"/>
+              <a:t>Event Filtering</a:t>
+            </a:r>
+          </a:p>
+        </p:txBody>
+      </p:sp>
+      <p:sp>
+        <p:nvSpPr>
+          <p:cNvPr id="94" name="Shape 94"/>
+          <p:cNvSpPr txBox="1"/>
+          <p:nvPr>
+            <p:ph idx="12" type="sldNum"/>
+          </p:nvPr>
+        </p:nvSpPr>
+        <p:spPr>
+          <a:xfrm>
+            <a:off x="8472457" y="4663216"/>
+            <a:ext cx="548700" cy="393600"/>
+          </a:xfrm>
+          <a:prstGeom prst="rect">
+            <a:avLst/>
+          </a:prstGeom>
+        </p:spPr>
+        <p:txBody>
+          <a:bodyPr anchorCtr="0" anchor="ctr" bIns="91425" lIns="91425" rIns="91425" tIns="91425">
+            <a:noAutofit/>
+          </a:bodyPr>
+          <a:lstStyle/>
+          <a:p>
+            <a:pPr lvl="0">
+              <a:spcBef>
+                <a:spcPts val="0"/>
+              </a:spcBef>
+              <a:buNone/>
+            </a:pPr>
+            <a:fld id="{00000000-1234-1234-1234-123412341234}" type="slidenum">
+              <a:rPr lang="fr"/>
+              <a:t>‹#›</a:t>
+            </a:fld>
+          </a:p>
+        </p:txBody>
+      </p:sp>
+      <p:pic>
+        <p:nvPicPr>
+          <p:cNvPr descr="Diagramme-Hackatal (2).png" id="95" name="Shape 95"/>
+          <p:cNvPicPr preferRelativeResize="0"/>
           <p:nvPr/>
-        </p:nvGrpSpPr>
-        <p:grpSpPr>
-          <a:xfrm>
-            <a:off x="308428" y="-144214"/>
-            <a:ext cx="8646890" cy="5290516"/>
-            <a:chOff x="-127820" y="820424"/>
-            <a:chExt cx="9256403" cy="5290516"/>
-          </a:xfrm>
-        </p:grpSpPr>
-        <p:pic>
-          <p:nvPicPr>
-            <p:cNvPr id="6" name="Imagen 5" descr="Capture d'écran 2016-07-04 11.27.29.png"/>
-            <p:cNvPicPr>
-              <a:picLocks noChangeAspect="1"/>
-            </p:cNvPicPr>
-            <p:nvPr/>
-          </p:nvPicPr>
-          <p:blipFill>
-            <a:blip r:embed="rId3">
-              <a:extLst>
-                <a:ext uri="{28A0092B-C50C-407E-A947-70E740481C1C}">
-                  <a14:useLocalDpi xmlns:a14="http://schemas.microsoft.com/office/drawing/2010/main" val="0"/>
-                </a:ext>
-              </a:extLst>
-            </a:blip>
-            <a:stretch>
-              <a:fillRect/>
-            </a:stretch>
-          </p:blipFill>
-          <p:spPr>
-            <a:xfrm>
-              <a:off x="-127820" y="820424"/>
-              <a:ext cx="2052727" cy="1449190"/>
-            </a:xfrm>
-            <a:prstGeom prst="rect">
-              <a:avLst/>
-            </a:prstGeom>
-          </p:spPr>
-        </p:pic>
-        <p:grpSp>
-          <p:nvGrpSpPr>
-            <p:cNvPr id="7" name="Agrupar 6"/>
-            <p:cNvGrpSpPr/>
-            <p:nvPr/>
-          </p:nvGrpSpPr>
-          <p:grpSpPr>
-            <a:xfrm>
-              <a:off x="896471" y="2249290"/>
-              <a:ext cx="8232112" cy="3861650"/>
-              <a:chOff x="896471" y="2249290"/>
-              <a:chExt cx="8232112" cy="3861650"/>
-            </a:xfrm>
-          </p:grpSpPr>
-          <p:sp>
-            <p:nvSpPr>
-              <p:cNvPr id="8" name="Rectangle 6"/>
-              <p:cNvSpPr>
-                <a:spLocks noChangeArrowheads="1"/>
-              </p:cNvSpPr>
-              <p:nvPr/>
-            </p:nvSpPr>
-            <p:spPr bwMode="auto">
-              <a:xfrm>
-                <a:off x="6408092" y="2961359"/>
-                <a:ext cx="1271664" cy="1744662"/>
-              </a:xfrm>
-              <a:prstGeom prst="rect">
-                <a:avLst/>
-              </a:prstGeom>
-              <a:solidFill>
-                <a:srgbClr val="FFFFFF"/>
-              </a:solidFill>
-              <a:ln w="9525">
-                <a:solidFill>
-                  <a:srgbClr val="7030A0"/>
-                </a:solidFill>
-                <a:round/>
-                <a:headEnd/>
-                <a:tailEnd/>
-              </a:ln>
-              <a:effectLst/>
-              <a:extLst>
-                <a:ext uri="{AF507438-7753-43e0-B8FC-AC1667EBCBE1}">
-                  <a14:hiddenEffects xmlns:a14="http://schemas.microsoft.com/office/drawing/2010/main">
-                    <a:effectLst>
-                      <a:outerShdw blurRad="63500" dist="38099" dir="2700000" algn="ctr" rotWithShape="0">
-                        <a:srgbClr val="000000">
-                          <a:alpha val="74997"/>
-                        </a:srgbClr>
-                      </a:outerShdw>
-                    </a:effectLst>
-                  </a14:hiddenEffects>
-                </a:ext>
-              </a:extLst>
-            </p:spPr>
-            <p:txBody>
-              <a:bodyPr lIns="90000" tIns="51048" rIns="90000" bIns="45000"/>
-              <a:lstStyle/>
-              <a:p>
-                <a:pPr algn="ctr" defTabSz="449263" hangingPunct="0">
-                  <a:lnSpc>
-                    <a:spcPct val="97000"/>
-                  </a:lnSpc>
-                  <a:buClr>
-                    <a:srgbClr val="000000"/>
-                  </a:buClr>
-                  <a:buSzPct val="100000"/>
-                  <a:buFont typeface="Times New Roman" charset="0"/>
-                  <a:buNone/>
-                  <a:tabLst>
-                    <a:tab pos="723900" algn="l"/>
-                    <a:tab pos="1447800" algn="l"/>
-                    <a:tab pos="2171700" algn="l"/>
-                    <a:tab pos="2895600" algn="l"/>
-                    <a:tab pos="3619500" algn="l"/>
-                    <a:tab pos="4343400" algn="l"/>
-                    <a:tab pos="5067300" algn="l"/>
-                    <a:tab pos="5791200" algn="l"/>
-                  </a:tabLst>
-                  <a:defRPr/>
-                </a:pPr>
-                <a:endParaRPr lang="fr-FR" sz="1400" b="1" dirty="0">
-                  <a:solidFill>
-                    <a:srgbClr val="17375E"/>
-                  </a:solidFill>
-                  <a:latin typeface="Calibri" charset="0"/>
-                  <a:ea typeface="MS Gothic" charset="0"/>
-                  <a:cs typeface="MS Gothic" charset="0"/>
-                </a:endParaRPr>
-              </a:p>
-              <a:p>
-                <a:pPr algn="ctr" defTabSz="449263" hangingPunct="0">
-                  <a:lnSpc>
-                    <a:spcPct val="97000"/>
-                  </a:lnSpc>
-                  <a:buClr>
-                    <a:srgbClr val="000000"/>
-                  </a:buClr>
-                  <a:buSzPct val="100000"/>
-                  <a:buFont typeface="Times New Roman" charset="0"/>
-                  <a:buNone/>
-                  <a:tabLst>
-                    <a:tab pos="723900" algn="l"/>
-                    <a:tab pos="1447800" algn="l"/>
-                    <a:tab pos="2171700" algn="l"/>
-                    <a:tab pos="2895600" algn="l"/>
-                    <a:tab pos="3619500" algn="l"/>
-                    <a:tab pos="4343400" algn="l"/>
-                    <a:tab pos="5067300" algn="l"/>
-                    <a:tab pos="5791200" algn="l"/>
-                  </a:tabLst>
-                  <a:defRPr/>
-                </a:pPr>
-                <a:r>
-                  <a:rPr lang="fr-FR" sz="1600" b="1" dirty="0" smtClean="0">
-                    <a:solidFill>
-                      <a:srgbClr val="17375E"/>
-                    </a:solidFill>
-                    <a:latin typeface="Calibri" charset="0"/>
-                    <a:ea typeface="MS Gothic" charset="0"/>
-                    <a:cs typeface="MS Gothic" charset="0"/>
-                  </a:rPr>
-                  <a:t>Visualisation</a:t>
-                </a:r>
-                <a:endParaRPr lang="fr-FR" sz="1600" b="1" dirty="0">
-                  <a:solidFill>
-                    <a:srgbClr val="17375E"/>
-                  </a:solidFill>
-                  <a:latin typeface="Calibri" charset="0"/>
-                  <a:ea typeface="MS Gothic" charset="0"/>
-                  <a:cs typeface="MS Gothic" charset="0"/>
-                </a:endParaRPr>
-              </a:p>
-              <a:p>
-                <a:pPr algn="r" defTabSz="449263" hangingPunct="0">
-                  <a:lnSpc>
-                    <a:spcPct val="97000"/>
-                  </a:lnSpc>
-                  <a:buClr>
-                    <a:srgbClr val="000000"/>
-                  </a:buClr>
-                  <a:buSzPct val="100000"/>
-                  <a:buFont typeface="Times New Roman" charset="0"/>
-                  <a:buNone/>
-                  <a:tabLst>
-                    <a:tab pos="723900" algn="l"/>
-                    <a:tab pos="1447800" algn="l"/>
-                    <a:tab pos="2171700" algn="l"/>
-                    <a:tab pos="2895600" algn="l"/>
-                    <a:tab pos="3619500" algn="l"/>
-                    <a:tab pos="4343400" algn="l"/>
-                    <a:tab pos="5067300" algn="l"/>
-                    <a:tab pos="5791200" algn="l"/>
-                  </a:tabLst>
-                  <a:defRPr/>
-                </a:pPr>
-                <a:endParaRPr lang="fr-FR" sz="1100" b="1" dirty="0" smtClean="0">
-                  <a:solidFill>
-                    <a:srgbClr val="17375E"/>
-                  </a:solidFill>
-                  <a:latin typeface="Calibri" charset="0"/>
-                  <a:ea typeface="MS Gothic" charset="0"/>
-                  <a:cs typeface="MS Gothic" charset="0"/>
-                </a:endParaRPr>
-              </a:p>
-              <a:p>
-                <a:pPr algn="r" defTabSz="449263" hangingPunct="0">
-                  <a:lnSpc>
-                    <a:spcPct val="97000"/>
-                  </a:lnSpc>
-                  <a:buClr>
-                    <a:srgbClr val="000000"/>
-                  </a:buClr>
-                  <a:buSzPct val="100000"/>
-                  <a:buFont typeface="Times New Roman" charset="0"/>
-                  <a:buNone/>
-                  <a:tabLst>
-                    <a:tab pos="723900" algn="l"/>
-                    <a:tab pos="1447800" algn="l"/>
-                    <a:tab pos="2171700" algn="l"/>
-                    <a:tab pos="2895600" algn="l"/>
-                    <a:tab pos="3619500" algn="l"/>
-                    <a:tab pos="4343400" algn="l"/>
-                    <a:tab pos="5067300" algn="l"/>
-                    <a:tab pos="5791200" algn="l"/>
-                  </a:tabLst>
-                  <a:defRPr/>
-                </a:pPr>
-                <a:endParaRPr lang="fr-FR" sz="1100" b="1" dirty="0">
-                  <a:solidFill>
-                    <a:srgbClr val="17375E"/>
-                  </a:solidFill>
-                  <a:latin typeface="Calibri" charset="0"/>
-                  <a:ea typeface="MS Gothic" charset="0"/>
-                  <a:cs typeface="MS Gothic" charset="0"/>
-                </a:endParaRPr>
-              </a:p>
-            </p:txBody>
-          </p:sp>
-          <p:sp>
-            <p:nvSpPr>
-              <p:cNvPr id="9" name="Rectangle 7"/>
-              <p:cNvSpPr>
-                <a:spLocks noChangeArrowheads="1"/>
-              </p:cNvSpPr>
-              <p:nvPr/>
-            </p:nvSpPr>
-            <p:spPr bwMode="auto">
-              <a:xfrm>
-                <a:off x="3046066" y="2961359"/>
-                <a:ext cx="1553194" cy="1744662"/>
-              </a:xfrm>
-              <a:prstGeom prst="rect">
-                <a:avLst/>
-              </a:prstGeom>
-              <a:solidFill>
-                <a:srgbClr val="FFFFFF"/>
-              </a:solidFill>
-              <a:ln w="9525">
-                <a:solidFill>
-                  <a:srgbClr val="7030A0"/>
-                </a:solidFill>
-                <a:round/>
-                <a:headEnd/>
-                <a:tailEnd/>
-              </a:ln>
-              <a:effectLst/>
-              <a:extLst>
-                <a:ext uri="{AF507438-7753-43e0-B8FC-AC1667EBCBE1}">
-                  <a14:hiddenEffects xmlns:a14="http://schemas.microsoft.com/office/drawing/2010/main">
-                    <a:effectLst>
-                      <a:outerShdw blurRad="63500" dist="38099" dir="2700000" algn="ctr" rotWithShape="0">
-                        <a:srgbClr val="000000">
-                          <a:alpha val="74997"/>
-                        </a:srgbClr>
-                      </a:outerShdw>
-                    </a:effectLst>
-                  </a14:hiddenEffects>
-                </a:ext>
-              </a:extLst>
-            </p:spPr>
-            <p:txBody>
-              <a:bodyPr lIns="90000" tIns="51048" rIns="90000" bIns="45000"/>
-              <a:lstStyle/>
-              <a:p>
-                <a:pPr algn="ctr" defTabSz="449263" hangingPunct="0">
-                  <a:lnSpc>
-                    <a:spcPct val="97000"/>
-                  </a:lnSpc>
-                  <a:buClr>
-                    <a:srgbClr val="000000"/>
-                  </a:buClr>
-                  <a:buSzPct val="100000"/>
-                  <a:buFont typeface="Times New Roman" charset="0"/>
-                  <a:buNone/>
-                  <a:tabLst>
-                    <a:tab pos="723900" algn="l"/>
-                    <a:tab pos="1447800" algn="l"/>
-                    <a:tab pos="2171700" algn="l"/>
-                    <a:tab pos="2895600" algn="l"/>
-                    <a:tab pos="3619500" algn="l"/>
-                    <a:tab pos="4343400" algn="l"/>
-                    <a:tab pos="5067300" algn="l"/>
-                    <a:tab pos="5791200" algn="l"/>
-                  </a:tabLst>
-                  <a:defRPr/>
-                </a:pPr>
-                <a:endParaRPr lang="fr-FR" sz="1400" b="1" dirty="0">
-                  <a:solidFill>
-                    <a:srgbClr val="17375E"/>
-                  </a:solidFill>
-                  <a:latin typeface="Calibri" charset="0"/>
-                  <a:ea typeface="MS Gothic" charset="0"/>
-                  <a:cs typeface="MS Gothic" charset="0"/>
-                </a:endParaRPr>
-              </a:p>
-              <a:p>
-                <a:pPr algn="ctr" defTabSz="449263" hangingPunct="0">
-                  <a:lnSpc>
-                    <a:spcPct val="97000"/>
-                  </a:lnSpc>
-                  <a:buClr>
-                    <a:srgbClr val="000000"/>
-                  </a:buClr>
-                  <a:buSzPct val="100000"/>
-                  <a:buFont typeface="Times New Roman" charset="0"/>
-                  <a:buNone/>
-                  <a:tabLst>
-                    <a:tab pos="723900" algn="l"/>
-                    <a:tab pos="1447800" algn="l"/>
-                    <a:tab pos="2171700" algn="l"/>
-                    <a:tab pos="2895600" algn="l"/>
-                    <a:tab pos="3619500" algn="l"/>
-                    <a:tab pos="4343400" algn="l"/>
-                    <a:tab pos="5067300" algn="l"/>
-                    <a:tab pos="5791200" algn="l"/>
-                  </a:tabLst>
-                  <a:defRPr/>
-                </a:pPr>
-                <a:r>
-                  <a:rPr lang="fr-FR" sz="1600" b="1" dirty="0" smtClean="0">
-                    <a:solidFill>
-                      <a:srgbClr val="17375E"/>
-                    </a:solidFill>
-                    <a:latin typeface="Calibri" charset="0"/>
-                    <a:ea typeface="MS Gothic" charset="0"/>
-                    <a:cs typeface="MS Gothic" charset="0"/>
-                  </a:rPr>
-                  <a:t> Content </a:t>
-                </a:r>
-                <a:r>
-                  <a:rPr lang="fr-FR" sz="1600" b="1" dirty="0">
-                    <a:solidFill>
-                      <a:srgbClr val="17375E"/>
-                    </a:solidFill>
-                    <a:latin typeface="Calibri" charset="0"/>
-                    <a:ea typeface="MS Gothic" charset="0"/>
-                    <a:cs typeface="MS Gothic" charset="0"/>
-                  </a:rPr>
-                  <a:t>Annotation</a:t>
-                </a:r>
-              </a:p>
-              <a:p>
-                <a:pPr algn="ctr" defTabSz="449263" hangingPunct="0">
-                  <a:lnSpc>
-                    <a:spcPct val="97000"/>
-                  </a:lnSpc>
-                  <a:buClr>
-                    <a:srgbClr val="000000"/>
-                  </a:buClr>
-                  <a:buSzPct val="100000"/>
-                  <a:buFont typeface="Times New Roman" charset="0"/>
-                  <a:buNone/>
-                  <a:tabLst>
-                    <a:tab pos="723900" algn="l"/>
-                    <a:tab pos="1447800" algn="l"/>
-                    <a:tab pos="2171700" algn="l"/>
-                    <a:tab pos="2895600" algn="l"/>
-                    <a:tab pos="3619500" algn="l"/>
-                    <a:tab pos="4343400" algn="l"/>
-                    <a:tab pos="5067300" algn="l"/>
-                    <a:tab pos="5791200" algn="l"/>
-                  </a:tabLst>
-                  <a:defRPr/>
-                </a:pPr>
-                <a:endParaRPr lang="fr-FR" sz="1100" b="1" dirty="0">
-                  <a:solidFill>
-                    <a:srgbClr val="17375E"/>
-                  </a:solidFill>
-                  <a:latin typeface="Calibri" charset="0"/>
-                  <a:ea typeface="MS Gothic" charset="0"/>
-                  <a:cs typeface="MS Gothic" charset="0"/>
-                </a:endParaRPr>
-              </a:p>
-              <a:p>
-                <a:pPr algn="ctr" defTabSz="449263" hangingPunct="0">
-                  <a:lnSpc>
-                    <a:spcPct val="97000"/>
-                  </a:lnSpc>
-                  <a:buClr>
-                    <a:srgbClr val="000000"/>
-                  </a:buClr>
-                  <a:buSzPct val="100000"/>
-                  <a:buFont typeface="Times New Roman" charset="0"/>
-                  <a:buNone/>
-                  <a:tabLst>
-                    <a:tab pos="723900" algn="l"/>
-                    <a:tab pos="1447800" algn="l"/>
-                    <a:tab pos="2171700" algn="l"/>
-                    <a:tab pos="2895600" algn="l"/>
-                    <a:tab pos="3619500" algn="l"/>
-                    <a:tab pos="4343400" algn="l"/>
-                    <a:tab pos="5067300" algn="l"/>
-                    <a:tab pos="5791200" algn="l"/>
-                  </a:tabLst>
-                  <a:defRPr/>
-                </a:pPr>
-                <a:r>
-                  <a:rPr lang="fr-FR" sz="1100" b="1" dirty="0" smtClean="0">
-                    <a:solidFill>
-                      <a:srgbClr val="17375E"/>
-                    </a:solidFill>
-                    <a:latin typeface="Calibri" charset="0"/>
-                    <a:ea typeface="MS Gothic" charset="0"/>
-                    <a:cs typeface="MS Gothic" charset="0"/>
-                  </a:rPr>
-                  <a:t>D</a:t>
-                </a:r>
-                <a:r>
-                  <a:rPr lang="fr-FR" sz="1100" b="1" dirty="0" smtClean="0">
-                    <a:solidFill>
-                      <a:srgbClr val="17375E"/>
-                    </a:solidFill>
-                    <a:latin typeface="Calibri" charset="0"/>
-                    <a:ea typeface="MS Gothic" charset="0"/>
-                    <a:cs typeface="MS Gothic" charset="0"/>
-                  </a:rPr>
-                  <a:t>étection des joueurs,  actions du match</a:t>
-                </a:r>
-                <a:endParaRPr lang="fr-FR" sz="1100" b="1" dirty="0" smtClean="0">
-                  <a:solidFill>
-                    <a:srgbClr val="17375E"/>
-                  </a:solidFill>
-                  <a:latin typeface="Calibri" charset="0"/>
-                  <a:ea typeface="MS Gothic" charset="0"/>
-                  <a:cs typeface="MS Gothic" charset="0"/>
-                </a:endParaRPr>
-              </a:p>
-              <a:p>
-                <a:pPr algn="ctr" defTabSz="449263" hangingPunct="0">
-                  <a:lnSpc>
-                    <a:spcPct val="97000"/>
-                  </a:lnSpc>
-                  <a:buClr>
-                    <a:srgbClr val="000000"/>
-                  </a:buClr>
-                  <a:buSzPct val="100000"/>
-                  <a:buFont typeface="Times New Roman" charset="0"/>
-                  <a:buNone/>
-                  <a:tabLst>
-                    <a:tab pos="723900" algn="l"/>
-                    <a:tab pos="1447800" algn="l"/>
-                    <a:tab pos="2171700" algn="l"/>
-                    <a:tab pos="2895600" algn="l"/>
-                    <a:tab pos="3619500" algn="l"/>
-                    <a:tab pos="4343400" algn="l"/>
-                    <a:tab pos="5067300" algn="l"/>
-                    <a:tab pos="5791200" algn="l"/>
-                  </a:tabLst>
-                  <a:defRPr/>
-                </a:pPr>
-                <a:endParaRPr lang="fr-FR" sz="800" dirty="0">
-                  <a:solidFill>
-                    <a:srgbClr val="17375E"/>
-                  </a:solidFill>
-                  <a:latin typeface="Calibri" charset="0"/>
-                  <a:ea typeface="MS Gothic" charset="0"/>
-                  <a:cs typeface="MS Gothic" charset="0"/>
-                </a:endParaRPr>
-              </a:p>
-              <a:p>
-                <a:pPr algn="ctr" defTabSz="449263" hangingPunct="0">
-                  <a:lnSpc>
-                    <a:spcPct val="97000"/>
-                  </a:lnSpc>
-                  <a:buClr>
-                    <a:srgbClr val="000000"/>
-                  </a:buClr>
-                  <a:buSzPct val="100000"/>
-                  <a:buFont typeface="Times New Roman" charset="0"/>
-                  <a:buNone/>
-                  <a:tabLst>
-                    <a:tab pos="723900" algn="l"/>
-                    <a:tab pos="1447800" algn="l"/>
-                    <a:tab pos="2171700" algn="l"/>
-                    <a:tab pos="2895600" algn="l"/>
-                    <a:tab pos="3619500" algn="l"/>
-                    <a:tab pos="4343400" algn="l"/>
-                    <a:tab pos="5067300" algn="l"/>
-                    <a:tab pos="5791200" algn="l"/>
-                  </a:tabLst>
-                  <a:defRPr/>
-                </a:pPr>
-                <a:r>
-                  <a:rPr lang="fr-FR" sz="1100" b="1" dirty="0" smtClean="0">
-                    <a:solidFill>
-                      <a:srgbClr val="17375E"/>
-                    </a:solidFill>
-                    <a:latin typeface="Calibri" charset="0"/>
-                    <a:ea typeface="MS Gothic" charset="0"/>
-                    <a:cs typeface="MS Gothic" charset="0"/>
-                  </a:rPr>
-                  <a:t>Pose de</a:t>
-                </a:r>
-                <a:r>
-                  <a:rPr lang="fr-FR" sz="1100" b="1" dirty="0" smtClean="0">
-                    <a:solidFill>
-                      <a:srgbClr val="17375E"/>
-                    </a:solidFill>
-                    <a:latin typeface="Calibri" charset="0"/>
-                    <a:ea typeface="MS Gothic" charset="0"/>
-                    <a:cs typeface="MS Gothic" charset="0"/>
-                  </a:rPr>
-                  <a:t> </a:t>
-                </a:r>
-                <a:r>
-                  <a:rPr lang="fr-FR" sz="1100" b="1" dirty="0" err="1" smtClean="0">
-                    <a:solidFill>
-                      <a:srgbClr val="17375E"/>
-                    </a:solidFill>
-                    <a:latin typeface="Calibri" charset="0"/>
-                    <a:ea typeface="MS Gothic" charset="0"/>
-                    <a:cs typeface="MS Gothic" charset="0"/>
-                  </a:rPr>
-                  <a:t>metadatas</a:t>
-                </a:r>
-                <a:r>
-                  <a:rPr lang="fr-FR" sz="1100" b="1" dirty="0" smtClean="0">
-                    <a:solidFill>
-                      <a:srgbClr val="17375E"/>
-                    </a:solidFill>
-                    <a:latin typeface="Calibri" charset="0"/>
-                    <a:ea typeface="MS Gothic" charset="0"/>
-                    <a:cs typeface="MS Gothic" charset="0"/>
-                  </a:rPr>
-                  <a:t> </a:t>
-                </a:r>
-                <a:endParaRPr lang="fr-FR" sz="1100" b="1" dirty="0">
-                  <a:solidFill>
-                    <a:srgbClr val="17375E"/>
-                  </a:solidFill>
-                  <a:latin typeface="Calibri" charset="0"/>
-                  <a:ea typeface="MS Gothic" charset="0"/>
-                  <a:cs typeface="MS Gothic" charset="0"/>
-                </a:endParaRPr>
-              </a:p>
-            </p:txBody>
-          </p:sp>
-          <p:sp>
-            <p:nvSpPr>
-              <p:cNvPr id="10" name="Rectangle 6"/>
-              <p:cNvSpPr>
-                <a:spLocks noChangeArrowheads="1"/>
-              </p:cNvSpPr>
-              <p:nvPr/>
-            </p:nvSpPr>
-            <p:spPr bwMode="auto">
-              <a:xfrm>
-                <a:off x="4751908" y="2961360"/>
-                <a:ext cx="1476945" cy="1744662"/>
-              </a:xfrm>
-              <a:prstGeom prst="rect">
-                <a:avLst/>
-              </a:prstGeom>
-              <a:solidFill>
-                <a:srgbClr val="FFFFFF"/>
-              </a:solidFill>
-              <a:ln w="9525">
-                <a:solidFill>
-                  <a:srgbClr val="7030A0"/>
-                </a:solidFill>
-                <a:round/>
-                <a:headEnd/>
-                <a:tailEnd/>
-              </a:ln>
-              <a:effectLst/>
-              <a:extLst>
-                <a:ext uri="{AF507438-7753-43e0-B8FC-AC1667EBCBE1}">
-                  <a14:hiddenEffects xmlns:a14="http://schemas.microsoft.com/office/drawing/2010/main">
-                    <a:effectLst>
-                      <a:outerShdw blurRad="63500" dist="38099" dir="2700000" algn="ctr" rotWithShape="0">
-                        <a:srgbClr val="000000">
-                          <a:alpha val="74997"/>
-                        </a:srgbClr>
-                      </a:outerShdw>
-                    </a:effectLst>
-                  </a14:hiddenEffects>
-                </a:ext>
-              </a:extLst>
-            </p:spPr>
-            <p:txBody>
-              <a:bodyPr lIns="90000" tIns="51048" rIns="90000" bIns="45000"/>
-              <a:lstStyle/>
-              <a:p>
-                <a:pPr algn="ctr" defTabSz="449263" hangingPunct="0">
-                  <a:lnSpc>
-                    <a:spcPct val="97000"/>
-                  </a:lnSpc>
-                  <a:buClr>
-                    <a:srgbClr val="000000"/>
-                  </a:buClr>
-                  <a:buSzPct val="100000"/>
-                  <a:buFont typeface="Times New Roman" charset="0"/>
-                  <a:buNone/>
-                  <a:tabLst>
-                    <a:tab pos="723900" algn="l"/>
-                    <a:tab pos="1447800" algn="l"/>
-                    <a:tab pos="2171700" algn="l"/>
-                    <a:tab pos="2895600" algn="l"/>
-                    <a:tab pos="3619500" algn="l"/>
-                    <a:tab pos="4343400" algn="l"/>
-                    <a:tab pos="5067300" algn="l"/>
-                    <a:tab pos="5791200" algn="l"/>
-                  </a:tabLst>
-                  <a:defRPr/>
-                </a:pPr>
-                <a:endParaRPr lang="fr-FR" sz="1400" b="1" dirty="0">
-                  <a:solidFill>
-                    <a:srgbClr val="17375E"/>
-                  </a:solidFill>
-                  <a:latin typeface="Calibri" charset="0"/>
-                  <a:ea typeface="MS Gothic" charset="0"/>
-                  <a:cs typeface="MS Gothic" charset="0"/>
-                </a:endParaRPr>
-              </a:p>
-              <a:p>
-                <a:pPr algn="ctr" defTabSz="449263" hangingPunct="0">
-                  <a:lnSpc>
-                    <a:spcPct val="97000"/>
-                  </a:lnSpc>
-                  <a:buClr>
-                    <a:srgbClr val="000000"/>
-                  </a:buClr>
-                  <a:buSzPct val="100000"/>
-                  <a:buFont typeface="Times New Roman" charset="0"/>
-                  <a:buNone/>
-                  <a:tabLst>
-                    <a:tab pos="723900" algn="l"/>
-                    <a:tab pos="1447800" algn="l"/>
-                    <a:tab pos="2171700" algn="l"/>
-                    <a:tab pos="2895600" algn="l"/>
-                    <a:tab pos="3619500" algn="l"/>
-                    <a:tab pos="4343400" algn="l"/>
-                    <a:tab pos="5067300" algn="l"/>
-                    <a:tab pos="5791200" algn="l"/>
-                  </a:tabLst>
-                  <a:defRPr/>
-                </a:pPr>
-                <a:r>
-                  <a:rPr lang="fr-FR" sz="1600" b="1" dirty="0" smtClean="0">
-                    <a:solidFill>
-                      <a:srgbClr val="17375E"/>
-                    </a:solidFill>
-                    <a:latin typeface="Calibri" charset="0"/>
-                    <a:ea typeface="MS Gothic" charset="0"/>
-                    <a:cs typeface="MS Gothic" charset="0"/>
-                  </a:rPr>
-                  <a:t>Indexation </a:t>
-                </a:r>
-                <a:endParaRPr lang="fr-FR" sz="1600" b="1" dirty="0">
-                  <a:solidFill>
-                    <a:srgbClr val="17375E"/>
-                  </a:solidFill>
-                  <a:latin typeface="Calibri" charset="0"/>
-                  <a:ea typeface="MS Gothic" charset="0"/>
-                  <a:cs typeface="MS Gothic" charset="0"/>
-                </a:endParaRPr>
-              </a:p>
-              <a:p>
-                <a:pPr algn="r" defTabSz="449263" hangingPunct="0">
-                  <a:lnSpc>
-                    <a:spcPct val="97000"/>
-                  </a:lnSpc>
-                  <a:buClr>
-                    <a:srgbClr val="000000"/>
-                  </a:buClr>
-                  <a:buSzPct val="100000"/>
-                  <a:buFont typeface="Times New Roman" charset="0"/>
-                  <a:buNone/>
-                  <a:tabLst>
-                    <a:tab pos="723900" algn="l"/>
-                    <a:tab pos="1447800" algn="l"/>
-                    <a:tab pos="2171700" algn="l"/>
-                    <a:tab pos="2895600" algn="l"/>
-                    <a:tab pos="3619500" algn="l"/>
-                    <a:tab pos="4343400" algn="l"/>
-                    <a:tab pos="5067300" algn="l"/>
-                    <a:tab pos="5791200" algn="l"/>
-                  </a:tabLst>
-                  <a:defRPr/>
-                </a:pPr>
-                <a:endParaRPr lang="fr-FR" sz="1100" b="1" dirty="0">
-                  <a:solidFill>
-                    <a:srgbClr val="17375E"/>
-                  </a:solidFill>
-                  <a:latin typeface="Calibri" charset="0"/>
-                  <a:ea typeface="MS Gothic" charset="0"/>
-                  <a:cs typeface="MS Gothic" charset="0"/>
-                </a:endParaRPr>
-              </a:p>
-              <a:p>
-                <a:pPr algn="ctr" defTabSz="449263" hangingPunct="0">
-                  <a:lnSpc>
-                    <a:spcPct val="97000"/>
-                  </a:lnSpc>
-                  <a:buClr>
-                    <a:srgbClr val="000000"/>
-                  </a:buClr>
-                  <a:buSzPct val="100000"/>
-                  <a:buFont typeface="Times New Roman" charset="0"/>
-                  <a:buNone/>
-                  <a:tabLst>
-                    <a:tab pos="723900" algn="l"/>
-                    <a:tab pos="1447800" algn="l"/>
-                    <a:tab pos="2171700" algn="l"/>
-                    <a:tab pos="2895600" algn="l"/>
-                    <a:tab pos="3619500" algn="l"/>
-                    <a:tab pos="4343400" algn="l"/>
-                    <a:tab pos="5067300" algn="l"/>
-                    <a:tab pos="5791200" algn="l"/>
-                  </a:tabLst>
-                  <a:defRPr/>
-                </a:pPr>
-                <a:r>
-                  <a:rPr lang="fr-FR" sz="1100" b="1" dirty="0" smtClean="0">
-                    <a:solidFill>
-                      <a:srgbClr val="17375E"/>
-                    </a:solidFill>
-                    <a:latin typeface="Calibri" charset="0"/>
-                    <a:ea typeface="MS Gothic" charset="0"/>
-                    <a:cs typeface="MS Gothic" charset="0"/>
-                  </a:rPr>
-                  <a:t>Sortie Annotation et des tags d</a:t>
-                </a:r>
-                <a:r>
-                  <a:rPr lang="fr-FR" sz="1100" b="1" dirty="0" smtClean="0">
-                    <a:solidFill>
-                      <a:srgbClr val="17375E"/>
-                    </a:solidFill>
-                    <a:latin typeface="Calibri" charset="0"/>
-                    <a:ea typeface="MS Gothic" charset="0"/>
-                    <a:cs typeface="MS Gothic" charset="0"/>
-                  </a:rPr>
-                  <a:t>étectés</a:t>
-                </a:r>
-                <a:endParaRPr lang="fr-FR" sz="1100" b="1" dirty="0">
-                  <a:solidFill>
-                    <a:srgbClr val="17375E"/>
-                  </a:solidFill>
-                  <a:latin typeface="Calibri" charset="0"/>
-                  <a:ea typeface="MS Gothic" charset="0"/>
-                  <a:cs typeface="MS Gothic" charset="0"/>
-                </a:endParaRPr>
-              </a:p>
-            </p:txBody>
-          </p:sp>
-          <p:sp>
-            <p:nvSpPr>
-              <p:cNvPr id="11" name="Rectangle 7"/>
-              <p:cNvSpPr>
-                <a:spLocks noChangeArrowheads="1"/>
-              </p:cNvSpPr>
-              <p:nvPr/>
-            </p:nvSpPr>
-            <p:spPr bwMode="auto">
-              <a:xfrm>
-                <a:off x="2735684" y="5161281"/>
-                <a:ext cx="2515759" cy="949659"/>
-              </a:xfrm>
-              <a:prstGeom prst="rect">
-                <a:avLst/>
-              </a:prstGeom>
-              <a:solidFill>
-                <a:srgbClr val="FFFFFF"/>
-              </a:solidFill>
-              <a:ln w="9525">
-                <a:solidFill>
-                  <a:srgbClr val="7030A0"/>
-                </a:solidFill>
-                <a:round/>
-                <a:headEnd/>
-                <a:tailEnd/>
-              </a:ln>
-              <a:effectLst/>
-              <a:extLst>
-                <a:ext uri="{AF507438-7753-43e0-B8FC-AC1667EBCBE1}">
-                  <a14:hiddenEffects xmlns:a14="http://schemas.microsoft.com/office/drawing/2010/main">
-                    <a:effectLst>
-                      <a:outerShdw blurRad="63500" dist="38099" dir="2700000" algn="ctr" rotWithShape="0">
-                        <a:srgbClr val="000000">
-                          <a:alpha val="74997"/>
-                        </a:srgbClr>
-                      </a:outerShdw>
-                    </a:effectLst>
-                  </a14:hiddenEffects>
-                </a:ext>
-              </a:extLst>
-            </p:spPr>
-            <p:txBody>
-              <a:bodyPr lIns="90000" tIns="51048" rIns="90000" bIns="45000"/>
-              <a:lstStyle/>
-              <a:p>
-                <a:pPr algn="ctr" defTabSz="449263" hangingPunct="0">
-                  <a:lnSpc>
-                    <a:spcPct val="97000"/>
-                  </a:lnSpc>
-                  <a:buClr>
-                    <a:srgbClr val="000000"/>
-                  </a:buClr>
-                  <a:buSzPct val="100000"/>
-                  <a:buFont typeface="Times New Roman" charset="0"/>
-                  <a:buNone/>
-                  <a:tabLst>
-                    <a:tab pos="723900" algn="l"/>
-                    <a:tab pos="1447800" algn="l"/>
-                    <a:tab pos="2171700" algn="l"/>
-                    <a:tab pos="2895600" algn="l"/>
-                    <a:tab pos="3619500" algn="l"/>
-                    <a:tab pos="4343400" algn="l"/>
-                    <a:tab pos="5067300" algn="l"/>
-                    <a:tab pos="5791200" algn="l"/>
-                  </a:tabLst>
-                  <a:defRPr/>
-                </a:pPr>
-                <a:endParaRPr lang="fr-FR" sz="1400" b="1" dirty="0">
-                  <a:solidFill>
-                    <a:srgbClr val="17375E"/>
-                  </a:solidFill>
-                  <a:latin typeface="Calibri" charset="0"/>
-                  <a:ea typeface="MS Gothic" charset="0"/>
-                  <a:cs typeface="MS Gothic" charset="0"/>
-                </a:endParaRPr>
-              </a:p>
-              <a:p>
-                <a:pPr algn="ctr" defTabSz="449263" hangingPunct="0">
-                  <a:lnSpc>
-                    <a:spcPct val="97000"/>
-                  </a:lnSpc>
-                  <a:buClr>
-                    <a:srgbClr val="000000"/>
-                  </a:buClr>
-                  <a:buSzPct val="100000"/>
-                  <a:buFont typeface="Times New Roman" charset="0"/>
-                  <a:buNone/>
-                  <a:tabLst>
-                    <a:tab pos="723900" algn="l"/>
-                    <a:tab pos="1447800" algn="l"/>
-                    <a:tab pos="2171700" algn="l"/>
-                    <a:tab pos="2895600" algn="l"/>
-                    <a:tab pos="3619500" algn="l"/>
-                    <a:tab pos="4343400" algn="l"/>
-                    <a:tab pos="5067300" algn="l"/>
-                    <a:tab pos="5791200" algn="l"/>
-                  </a:tabLst>
-                  <a:defRPr/>
-                </a:pPr>
-                <a:r>
-                  <a:rPr lang="fr-FR" sz="1400" b="1" dirty="0" smtClean="0">
-                    <a:solidFill>
-                      <a:srgbClr val="17375E"/>
-                    </a:solidFill>
-                    <a:latin typeface="Calibri" charset="0"/>
-                    <a:ea typeface="MS Gothic" charset="0"/>
-                    <a:cs typeface="MS Gothic" charset="0"/>
-                  </a:rPr>
-                  <a:t>Ontologie des </a:t>
-                </a:r>
-                <a:r>
-                  <a:rPr lang="fr-FR" sz="1400" b="1" dirty="0" smtClean="0">
-                    <a:solidFill>
-                      <a:srgbClr val="17375E"/>
-                    </a:solidFill>
-                    <a:latin typeface="Calibri" charset="0"/>
-                    <a:ea typeface="MS Gothic" charset="0"/>
-                    <a:cs typeface="MS Gothic" charset="0"/>
-                  </a:rPr>
-                  <a:t>évène</a:t>
-                </a:r>
-                <a:r>
-                  <a:rPr lang="fr-FR" sz="1400" b="1" dirty="0" smtClean="0">
-                    <a:solidFill>
-                      <a:srgbClr val="17375E"/>
-                    </a:solidFill>
-                    <a:latin typeface="Calibri" charset="0"/>
-                    <a:ea typeface="MS Gothic" charset="0"/>
-                    <a:cs typeface="MS Gothic" charset="0"/>
-                  </a:rPr>
-                  <a:t>ments</a:t>
-                </a:r>
-                <a:r>
-                  <a:rPr lang="fr-FR" sz="1400" b="1" dirty="0" smtClean="0">
-                    <a:solidFill>
-                      <a:srgbClr val="17375E"/>
-                    </a:solidFill>
-                    <a:latin typeface="Calibri" charset="0"/>
-                    <a:ea typeface="MS Gothic" charset="0"/>
-                    <a:cs typeface="MS Gothic" charset="0"/>
-                  </a:rPr>
-                  <a:t> </a:t>
-                </a:r>
-                <a:r>
-                  <a:rPr lang="fr-FR" sz="1400" b="1" dirty="0" smtClean="0">
-                    <a:solidFill>
-                      <a:srgbClr val="17375E"/>
-                    </a:solidFill>
-                    <a:latin typeface="Calibri" charset="0"/>
-                    <a:ea typeface="MS Gothic" charset="0"/>
-                    <a:cs typeface="MS Gothic" charset="0"/>
-                  </a:rPr>
-                  <a:t>et référentiels</a:t>
-                </a:r>
-                <a:endParaRPr lang="fr-FR" sz="1400" b="1" dirty="0">
-                  <a:solidFill>
-                    <a:srgbClr val="17375E"/>
-                  </a:solidFill>
-                  <a:latin typeface="Calibri" charset="0"/>
-                  <a:ea typeface="MS Gothic" charset="0"/>
-                  <a:cs typeface="MS Gothic" charset="0"/>
-                </a:endParaRPr>
-              </a:p>
-              <a:p>
-                <a:pPr algn="ctr" defTabSz="449263" hangingPunct="0">
-                  <a:lnSpc>
-                    <a:spcPct val="97000"/>
-                  </a:lnSpc>
-                  <a:buClr>
-                    <a:srgbClr val="000000"/>
-                  </a:buClr>
-                  <a:buSzPct val="100000"/>
-                  <a:buFont typeface="Times New Roman" charset="0"/>
-                  <a:buNone/>
-                  <a:tabLst>
-                    <a:tab pos="723900" algn="l"/>
-                    <a:tab pos="1447800" algn="l"/>
-                    <a:tab pos="2171700" algn="l"/>
-                    <a:tab pos="2895600" algn="l"/>
-                    <a:tab pos="3619500" algn="l"/>
-                    <a:tab pos="4343400" algn="l"/>
-                    <a:tab pos="5067300" algn="l"/>
-                    <a:tab pos="5791200" algn="l"/>
-                  </a:tabLst>
-                  <a:defRPr/>
-                </a:pPr>
-                <a:r>
-                  <a:rPr lang="fr-FR" sz="1200" b="0" dirty="0" smtClean="0">
-                    <a:solidFill>
-                      <a:srgbClr val="17375E"/>
-                    </a:solidFill>
-                    <a:latin typeface="Calibri" charset="0"/>
-                    <a:ea typeface="MS Gothic" charset="0"/>
-                    <a:cs typeface="MS Gothic" charset="0"/>
-                  </a:rPr>
-                  <a:t>Alimente les composants</a:t>
-                </a:r>
-                <a:endParaRPr lang="fr-FR" sz="1200" b="0" dirty="0">
-                  <a:solidFill>
-                    <a:srgbClr val="17375E"/>
-                  </a:solidFill>
-                  <a:latin typeface="Calibri" charset="0"/>
-                  <a:ea typeface="MS Gothic" charset="0"/>
-                  <a:cs typeface="MS Gothic" charset="0"/>
-                </a:endParaRPr>
-              </a:p>
-            </p:txBody>
-          </p:sp>
-          <p:pic>
-            <p:nvPicPr>
-              <p:cNvPr id="12" name="Picture 2" descr="C:\Users\alexander\Desktop\icones\classifier_jaune.png"/>
-              <p:cNvPicPr>
-                <a:picLocks noChangeAspect="1" noChangeArrowheads="1"/>
-              </p:cNvPicPr>
-              <p:nvPr/>
-            </p:nvPicPr>
-            <p:blipFill>
-              <a:blip r:embed="rId4" cstate="print"/>
-              <a:srcRect/>
-              <a:stretch>
-                <a:fillRect/>
-              </a:stretch>
-            </p:blipFill>
-            <p:spPr bwMode="auto">
-              <a:xfrm>
-                <a:off x="4759138" y="2955596"/>
-                <a:ext cx="368635" cy="437811"/>
-              </a:xfrm>
-              <a:prstGeom prst="rect">
-                <a:avLst/>
-              </a:prstGeom>
-              <a:noFill/>
-            </p:spPr>
-          </p:pic>
-          <p:pic>
-            <p:nvPicPr>
-              <p:cNvPr id="13" name="Picture 2"/>
-              <p:cNvPicPr>
-                <a:picLocks noChangeAspect="1" noChangeArrowheads="1"/>
-              </p:cNvPicPr>
-              <p:nvPr/>
-            </p:nvPicPr>
-            <p:blipFill>
-              <a:blip r:embed="rId5">
-                <a:extLst>
-                  <a:ext uri="{28A0092B-C50C-407E-A947-70E740481C1C}">
-                    <a14:useLocalDpi xmlns:a14="http://schemas.microsoft.com/office/drawing/2010/main" val="0"/>
-                  </a:ext>
-                </a:extLst>
-              </a:blip>
-              <a:srcRect/>
-              <a:stretch>
-                <a:fillRect/>
-              </a:stretch>
-            </p:blipFill>
-            <p:spPr bwMode="auto">
-              <a:xfrm>
-                <a:off x="3065209" y="2973166"/>
-                <a:ext cx="449814" cy="492249"/>
-              </a:xfrm>
-              <a:prstGeom prst="rect">
-                <a:avLst/>
-              </a:prstGeom>
-              <a:noFill/>
-              <a:ln>
-                <a:noFill/>
-              </a:ln>
-              <a:extLst>
-                <a:ext uri="{909E8E84-426E-40dd-AFC4-6F175D3DCCD1}">
-                  <a14:hiddenFill xmlns:a14="http://schemas.microsoft.com/office/drawing/2010/main">
-                    <a:solidFill>
-                      <a:schemeClr val="accent1"/>
-                    </a:solidFill>
-                  </a14:hiddenFill>
-                </a:ext>
-                <a:ext uri="{91240B29-F687-4f45-9708-019B960494DF}">
-                  <a14:hiddenLine xmlns:a14="http://schemas.microsoft.com/office/drawing/2010/main" w="9525">
-                    <a:solidFill>
-                      <a:schemeClr val="tx1"/>
-                    </a:solidFill>
-                    <a:miter lim="800000"/>
-                    <a:headEnd/>
-                    <a:tailEnd/>
-                  </a14:hiddenLine>
-                </a:ext>
-              </a:extLst>
-            </p:spPr>
-          </p:pic>
-          <p:pic>
-            <p:nvPicPr>
-              <p:cNvPr id="14" name="Image 28" descr="reseau.gif"/>
-              <p:cNvPicPr>
-                <a:picLocks noChangeAspect="1"/>
-              </p:cNvPicPr>
-              <p:nvPr/>
-            </p:nvPicPr>
-            <p:blipFill>
-              <a:blip r:embed="rId6" cstate="print"/>
-              <a:srcRect/>
-              <a:stretch>
-                <a:fillRect/>
-              </a:stretch>
-            </p:blipFill>
-            <p:spPr bwMode="auto">
-              <a:xfrm>
-                <a:off x="2793524" y="5473341"/>
-                <a:ext cx="398611" cy="388076"/>
-              </a:xfrm>
-              <a:prstGeom prst="rect">
-                <a:avLst/>
-              </a:prstGeom>
-              <a:noFill/>
-              <a:ln w="9525">
-                <a:noFill/>
-                <a:miter lim="800000"/>
-                <a:headEnd/>
-                <a:tailEnd/>
-              </a:ln>
-            </p:spPr>
-          </p:pic>
-          <p:sp>
-            <p:nvSpPr>
-              <p:cNvPr id="15" name="Double flèche verticale 16"/>
-              <p:cNvSpPr/>
-              <p:nvPr/>
-            </p:nvSpPr>
-            <p:spPr>
-              <a:xfrm>
-                <a:off x="3783260" y="4706021"/>
-                <a:ext cx="112763" cy="455259"/>
-              </a:xfrm>
-              <a:prstGeom prst="upDownArrow">
-                <a:avLst/>
-              </a:prstGeom>
-            </p:spPr>
-            <p:style>
-              <a:lnRef idx="2">
-                <a:schemeClr val="accent1">
-                  <a:shade val="50000"/>
-                </a:schemeClr>
-              </a:lnRef>
-              <a:fillRef idx="1">
-                <a:schemeClr val="accent1"/>
-              </a:fillRef>
-              <a:effectRef idx="0">
-                <a:schemeClr val="accent1"/>
-              </a:effectRef>
-              <a:fontRef idx="minor">
-                <a:schemeClr val="lt1"/>
-              </a:fontRef>
-            </p:style>
-            <p:txBody>
-              <a:bodyPr rtlCol="0" anchor="ctr"/>
-              <a:lstStyle/>
-              <a:p>
-                <a:pPr algn="ctr"/>
-                <a:endParaRPr lang="fr-FR"/>
-              </a:p>
-            </p:txBody>
-          </p:sp>
-          <p:sp>
-            <p:nvSpPr>
-              <p:cNvPr id="16" name="Rectangle 18"/>
-              <p:cNvSpPr/>
-              <p:nvPr/>
-            </p:nvSpPr>
-            <p:spPr>
-              <a:xfrm>
-                <a:off x="3055825" y="2269614"/>
-                <a:ext cx="1543435" cy="691745"/>
-              </a:xfrm>
-              <a:prstGeom prst="rect">
-                <a:avLst/>
-              </a:prstGeom>
-            </p:spPr>
-            <p:style>
-              <a:lnRef idx="2">
-                <a:schemeClr val="accent1">
-                  <a:shade val="50000"/>
-                </a:schemeClr>
-              </a:lnRef>
-              <a:fillRef idx="1">
-                <a:schemeClr val="accent1"/>
-              </a:fillRef>
-              <a:effectRef idx="0">
-                <a:schemeClr val="accent1"/>
-              </a:effectRef>
-              <a:fontRef idx="minor">
-                <a:schemeClr val="lt1"/>
-              </a:fontRef>
-            </p:style>
-            <p:txBody>
-              <a:bodyPr rtlCol="0" anchor="ctr"/>
-              <a:lstStyle/>
-              <a:p>
-                <a:pPr algn="ctr"/>
-                <a:r>
-                  <a:rPr lang="fr-FR" sz="1200" b="1" dirty="0" smtClean="0">
-                    <a:latin typeface="Calibri" panose="020F0502020204030204" pitchFamily="34" charset="0"/>
-                  </a:rPr>
-                  <a:t>Extraction</a:t>
-                </a:r>
-              </a:p>
-              <a:p>
-                <a:pPr algn="ctr"/>
-                <a:r>
-                  <a:rPr lang="fr-FR" sz="1200" b="1" dirty="0" smtClean="0">
-                    <a:latin typeface="Calibri" panose="020F0502020204030204" pitchFamily="34" charset="0"/>
-                  </a:rPr>
-                  <a:t>Détection</a:t>
-                </a:r>
-                <a:endParaRPr lang="fr-FR" sz="1200" b="1" dirty="0">
-                  <a:latin typeface="Calibri" panose="020F0502020204030204" pitchFamily="34" charset="0"/>
-                </a:endParaRPr>
-              </a:p>
-            </p:txBody>
-          </p:sp>
-          <p:sp>
-            <p:nvSpPr>
-              <p:cNvPr id="17" name="Double flèche horizontale 19"/>
-              <p:cNvSpPr/>
-              <p:nvPr/>
-            </p:nvSpPr>
-            <p:spPr>
-              <a:xfrm>
-                <a:off x="4607892" y="3833690"/>
-                <a:ext cx="170049" cy="104055"/>
-              </a:xfrm>
-              <a:prstGeom prst="leftRightArrow">
-                <a:avLst/>
-              </a:prstGeom>
-            </p:spPr>
-            <p:style>
-              <a:lnRef idx="2">
-                <a:schemeClr val="accent1">
-                  <a:shade val="50000"/>
-                </a:schemeClr>
-              </a:lnRef>
-              <a:fillRef idx="1">
-                <a:schemeClr val="accent1"/>
-              </a:fillRef>
-              <a:effectRef idx="0">
-                <a:schemeClr val="accent1"/>
-              </a:effectRef>
-              <a:fontRef idx="minor">
-                <a:schemeClr val="lt1"/>
-              </a:fontRef>
-            </p:style>
-            <p:txBody>
-              <a:bodyPr rtlCol="0" anchor="ctr"/>
-              <a:lstStyle/>
-              <a:p>
-                <a:pPr algn="ctr"/>
-                <a:endParaRPr lang="fr-FR"/>
-              </a:p>
-            </p:txBody>
-          </p:sp>
-          <p:sp>
-            <p:nvSpPr>
-              <p:cNvPr id="18" name="Rectangle 7"/>
-              <p:cNvSpPr>
-                <a:spLocks noChangeArrowheads="1"/>
-              </p:cNvSpPr>
-              <p:nvPr/>
-            </p:nvSpPr>
-            <p:spPr bwMode="auto">
-              <a:xfrm>
-                <a:off x="2396604" y="2817343"/>
-                <a:ext cx="504056" cy="1905058"/>
-              </a:xfrm>
-              <a:prstGeom prst="rect">
-                <a:avLst/>
-              </a:prstGeom>
-              <a:solidFill>
-                <a:srgbClr val="FFFFFF"/>
-              </a:solidFill>
-              <a:ln w="9525">
-                <a:solidFill>
-                  <a:srgbClr val="7030A0"/>
-                </a:solidFill>
-                <a:round/>
-                <a:headEnd/>
-                <a:tailEnd/>
-              </a:ln>
-              <a:effectLst/>
-              <a:extLst>
-                <a:ext uri="{AF507438-7753-43e0-B8FC-AC1667EBCBE1}">
-                  <a14:hiddenEffects xmlns:a14="http://schemas.microsoft.com/office/drawing/2010/main">
-                    <a:effectLst>
-                      <a:outerShdw blurRad="63500" dist="38099" dir="2700000" algn="ctr" rotWithShape="0">
-                        <a:srgbClr val="000000">
-                          <a:alpha val="74997"/>
-                        </a:srgbClr>
-                      </a:outerShdw>
-                    </a:effectLst>
-                  </a14:hiddenEffects>
-                </a:ext>
-              </a:extLst>
-            </p:spPr>
-            <p:txBody>
-              <a:bodyPr vert="vert270" lIns="90000" tIns="51048" rIns="90000" bIns="45000" anchor="ctr" anchorCtr="1"/>
-              <a:lstStyle/>
-              <a:p>
-                <a:pPr algn="ctr" defTabSz="449263" hangingPunct="0">
-                  <a:lnSpc>
-                    <a:spcPct val="97000"/>
-                  </a:lnSpc>
-                  <a:buClr>
-                    <a:srgbClr val="000000"/>
-                  </a:buClr>
-                  <a:buSzPct val="100000"/>
-                  <a:buFont typeface="Times New Roman" charset="0"/>
-                  <a:buNone/>
-                  <a:tabLst>
-                    <a:tab pos="723900" algn="l"/>
-                    <a:tab pos="1447800" algn="l"/>
-                    <a:tab pos="2171700" algn="l"/>
-                    <a:tab pos="2895600" algn="l"/>
-                    <a:tab pos="3619500" algn="l"/>
-                    <a:tab pos="4343400" algn="l"/>
-                    <a:tab pos="5067300" algn="l"/>
-                    <a:tab pos="5791200" algn="l"/>
-                  </a:tabLst>
-                  <a:defRPr/>
-                </a:pPr>
-                <a:r>
-                  <a:rPr lang="fr-FR" sz="1600" b="1" dirty="0" smtClean="0">
-                    <a:solidFill>
-                      <a:srgbClr val="17375E"/>
-                    </a:solidFill>
-                    <a:latin typeface="Calibri" charset="0"/>
-                    <a:ea typeface="MS Gothic" charset="0"/>
-                    <a:cs typeface="MS Gothic" charset="0"/>
-                  </a:rPr>
-                  <a:t>Formatage du</a:t>
-                </a:r>
-                <a:r>
-                  <a:rPr lang="fr-FR" sz="1600" b="1" dirty="0" smtClean="0">
-                    <a:solidFill>
-                      <a:srgbClr val="17375E"/>
-                    </a:solidFill>
-                    <a:latin typeface="Calibri" charset="0"/>
-                    <a:ea typeface="MS Gothic" charset="0"/>
-                    <a:cs typeface="MS Gothic" charset="0"/>
-                  </a:rPr>
-                  <a:t>  </a:t>
-                </a:r>
-                <a:r>
-                  <a:rPr lang="fr-FR" sz="1600" b="1" dirty="0" smtClean="0">
-                    <a:solidFill>
-                      <a:srgbClr val="17375E"/>
-                    </a:solidFill>
-                    <a:latin typeface="Calibri" charset="0"/>
-                    <a:ea typeface="MS Gothic" charset="0"/>
-                    <a:cs typeface="MS Gothic" charset="0"/>
-                  </a:rPr>
-                  <a:t>flux</a:t>
-                </a:r>
-                <a:endParaRPr lang="fr-FR" sz="1600" b="1" dirty="0">
-                  <a:solidFill>
-                    <a:srgbClr val="17375E"/>
-                  </a:solidFill>
-                  <a:latin typeface="Calibri" charset="0"/>
-                  <a:ea typeface="MS Gothic" charset="0"/>
-                  <a:cs typeface="MS Gothic" charset="0"/>
-                </a:endParaRPr>
-              </a:p>
-            </p:txBody>
-          </p:sp>
-          <p:sp>
-            <p:nvSpPr>
-              <p:cNvPr id="19" name="Double flèche horizontale 23"/>
-              <p:cNvSpPr/>
-              <p:nvPr/>
-            </p:nvSpPr>
-            <p:spPr>
-              <a:xfrm>
-                <a:off x="2892437" y="3809994"/>
-                <a:ext cx="203287" cy="97457"/>
-              </a:xfrm>
-              <a:prstGeom prst="leftRightArrow">
-                <a:avLst/>
-              </a:prstGeom>
-            </p:spPr>
-            <p:style>
-              <a:lnRef idx="2">
-                <a:schemeClr val="accent1">
-                  <a:shade val="50000"/>
-                </a:schemeClr>
-              </a:lnRef>
-              <a:fillRef idx="1">
-                <a:schemeClr val="accent1"/>
-              </a:fillRef>
-              <a:effectRef idx="0">
-                <a:schemeClr val="accent1"/>
-              </a:effectRef>
-              <a:fontRef idx="minor">
-                <a:schemeClr val="lt1"/>
-              </a:fontRef>
-            </p:style>
-            <p:txBody>
-              <a:bodyPr rtlCol="0" anchor="ctr"/>
-              <a:lstStyle/>
-              <a:p>
-                <a:pPr algn="ctr"/>
-                <a:endParaRPr lang="fr-FR"/>
-              </a:p>
-            </p:txBody>
-          </p:sp>
-          <p:pic>
-            <p:nvPicPr>
-              <p:cNvPr id="20" name="Picture 21" descr="C:\Users\Christophe\Desktop\ico_services.png"/>
-              <p:cNvPicPr>
-                <a:picLocks noChangeAspect="1" noChangeArrowheads="1"/>
-              </p:cNvPicPr>
-              <p:nvPr/>
-            </p:nvPicPr>
-            <p:blipFill>
-              <a:blip r:embed="rId7" cstate="print"/>
-              <a:srcRect/>
-              <a:stretch>
-                <a:fillRect/>
-              </a:stretch>
-            </p:blipFill>
-            <p:spPr bwMode="auto">
-              <a:xfrm>
-                <a:off x="6320309" y="2883331"/>
-                <a:ext cx="377175" cy="352029"/>
-              </a:xfrm>
-              <a:prstGeom prst="rect">
-                <a:avLst/>
-              </a:prstGeom>
-              <a:noFill/>
-              <a:ln w="9525">
-                <a:noFill/>
-                <a:miter lim="800000"/>
-                <a:headEnd/>
-                <a:tailEnd/>
-              </a:ln>
-            </p:spPr>
-          </p:pic>
-          <p:sp>
-            <p:nvSpPr>
-              <p:cNvPr id="21" name="Double flèche horizontale 26"/>
-              <p:cNvSpPr/>
-              <p:nvPr/>
-            </p:nvSpPr>
-            <p:spPr>
-              <a:xfrm>
-                <a:off x="6192068" y="3885716"/>
-                <a:ext cx="256483" cy="115845"/>
-              </a:xfrm>
-              <a:prstGeom prst="leftRightArrow">
-                <a:avLst/>
-              </a:prstGeom>
-            </p:spPr>
-            <p:style>
-              <a:lnRef idx="2">
-                <a:schemeClr val="accent1">
-                  <a:shade val="50000"/>
-                </a:schemeClr>
-              </a:lnRef>
-              <a:fillRef idx="1">
-                <a:schemeClr val="accent1"/>
-              </a:fillRef>
-              <a:effectRef idx="0">
-                <a:schemeClr val="accent1"/>
-              </a:effectRef>
-              <a:fontRef idx="minor">
-                <a:schemeClr val="lt1"/>
-              </a:fontRef>
-            </p:style>
-            <p:txBody>
-              <a:bodyPr rtlCol="0" anchor="ctr"/>
-              <a:lstStyle/>
-              <a:p>
-                <a:pPr algn="ctr"/>
-                <a:endParaRPr lang="fr-FR"/>
-              </a:p>
-            </p:txBody>
-          </p:sp>
-          <p:pic>
-            <p:nvPicPr>
-              <p:cNvPr id="22" name="Picture 21" descr="C:\Users\Christophe\Desktop\ico_services.png"/>
-              <p:cNvPicPr>
-                <a:picLocks noChangeAspect="1" noChangeArrowheads="1"/>
-              </p:cNvPicPr>
-              <p:nvPr/>
-            </p:nvPicPr>
-            <p:blipFill>
-              <a:blip r:embed="rId7" cstate="print"/>
-              <a:srcRect/>
-              <a:stretch>
-                <a:fillRect/>
-              </a:stretch>
-            </p:blipFill>
-            <p:spPr bwMode="auto">
-              <a:xfrm>
-                <a:off x="3046066" y="2249290"/>
-                <a:ext cx="377175" cy="352029"/>
-              </a:xfrm>
-              <a:prstGeom prst="rect">
-                <a:avLst/>
-              </a:prstGeom>
-              <a:noFill/>
-              <a:ln w="9525">
-                <a:noFill/>
-                <a:miter lim="800000"/>
-                <a:headEnd/>
-                <a:tailEnd/>
-              </a:ln>
-            </p:spPr>
-          </p:pic>
-          <p:cxnSp>
-            <p:nvCxnSpPr>
-              <p:cNvPr id="23" name="Connecteur en angle 36"/>
-              <p:cNvCxnSpPr/>
-              <p:nvPr/>
-            </p:nvCxnSpPr>
-            <p:spPr>
-              <a:xfrm>
-                <a:off x="4607892" y="4648655"/>
-                <a:ext cx="1234186" cy="378157"/>
-              </a:xfrm>
-              <a:prstGeom prst="bentConnector3">
-                <a:avLst>
-                  <a:gd name="adj1" fmla="val -4477"/>
-                </a:avLst>
-              </a:prstGeom>
-              <a:ln w="31750">
-                <a:solidFill>
-                  <a:srgbClr val="C00000"/>
-                </a:solidFill>
-                <a:tailEnd type="arrow"/>
-              </a:ln>
-            </p:spPr>
-            <p:style>
-              <a:lnRef idx="1">
-                <a:schemeClr val="accent1"/>
-              </a:lnRef>
-              <a:fillRef idx="0">
-                <a:schemeClr val="accent1"/>
-              </a:fillRef>
-              <a:effectRef idx="0">
-                <a:schemeClr val="accent1"/>
-              </a:effectRef>
-              <a:fontRef idx="minor">
-                <a:schemeClr val="tx1"/>
-              </a:fontRef>
-            </p:style>
-          </p:cxnSp>
-          <p:pic>
-            <p:nvPicPr>
-              <p:cNvPr id="24" name="Picture 4" descr="C:\Users\Christophe\Desktop\database.png"/>
-              <p:cNvPicPr>
-                <a:picLocks noChangeAspect="1" noChangeArrowheads="1"/>
-              </p:cNvPicPr>
-              <p:nvPr/>
-            </p:nvPicPr>
-            <p:blipFill>
-              <a:blip r:embed="rId8" cstate="print"/>
-              <a:srcRect/>
-              <a:stretch>
-                <a:fillRect/>
-              </a:stretch>
-            </p:blipFill>
-            <p:spPr bwMode="auto">
-              <a:xfrm>
-                <a:off x="5687367" y="4972499"/>
-                <a:ext cx="761184" cy="756154"/>
-              </a:xfrm>
-              <a:prstGeom prst="rect">
-                <a:avLst/>
-              </a:prstGeom>
-              <a:noFill/>
-              <a:ln w="9525">
-                <a:noFill/>
-                <a:miter lim="800000"/>
-                <a:headEnd/>
-                <a:tailEnd/>
-              </a:ln>
-            </p:spPr>
-          </p:pic>
-          <p:pic>
-            <p:nvPicPr>
-              <p:cNvPr id="25" name="Picture 2"/>
-              <p:cNvPicPr>
-                <a:picLocks noChangeAspect="1" noChangeArrowheads="1"/>
-              </p:cNvPicPr>
-              <p:nvPr/>
-            </p:nvPicPr>
-            <p:blipFill>
-              <a:blip r:embed="rId9" cstate="print">
-                <a:extLst>
-                  <a:ext uri="{28A0092B-C50C-407E-A947-70E740481C1C}">
-                    <a14:useLocalDpi xmlns:a14="http://schemas.microsoft.com/office/drawing/2010/main" val="0"/>
-                  </a:ext>
-                </a:extLst>
-              </a:blip>
-              <a:srcRect/>
-              <a:stretch>
-                <a:fillRect/>
-              </a:stretch>
-            </p:blipFill>
-            <p:spPr bwMode="auto">
-              <a:xfrm>
-                <a:off x="5655879" y="5351874"/>
-                <a:ext cx="372398" cy="376779"/>
-              </a:xfrm>
-              <a:prstGeom prst="rect">
-                <a:avLst/>
-              </a:prstGeom>
-              <a:noFill/>
-              <a:ln>
-                <a:noFill/>
-              </a:ln>
-              <a:extLst>
-                <a:ext uri="{909E8E84-426E-40dd-AFC4-6F175D3DCCD1}">
-                  <a14:hiddenFill xmlns:a14="http://schemas.microsoft.com/office/drawing/2010/main">
-                    <a:solidFill>
-                      <a:schemeClr val="accent1"/>
-                    </a:solidFill>
-                  </a14:hiddenFill>
-                </a:ext>
-                <a:ext uri="{91240B29-F687-4f45-9708-019B960494DF}">
-                  <a14:hiddenLine xmlns:a14="http://schemas.microsoft.com/office/drawing/2010/main" w="9525">
-                    <a:solidFill>
-                      <a:schemeClr val="tx1"/>
-                    </a:solidFill>
-                    <a:miter lim="800000"/>
-                    <a:headEnd/>
-                    <a:tailEnd/>
-                  </a14:hiddenLine>
-                </a:ext>
-              </a:extLst>
-            </p:spPr>
-          </p:pic>
-          <p:sp>
-            <p:nvSpPr>
-              <p:cNvPr id="26" name="Flèche droite 56"/>
-              <p:cNvSpPr/>
-              <p:nvPr/>
-            </p:nvSpPr>
-            <p:spPr>
-              <a:xfrm>
-                <a:off x="6386259" y="5375796"/>
-                <a:ext cx="1285448" cy="195090"/>
-              </a:xfrm>
-              <a:prstGeom prst="rightArrow">
-                <a:avLst/>
-              </a:prstGeom>
-              <a:solidFill>
-                <a:schemeClr val="accent1">
-                  <a:lumMod val="75000"/>
-                </a:schemeClr>
-              </a:solidFill>
-              <a:ln w="50800" cmpd="sng">
-                <a:noFill/>
-              </a:ln>
-            </p:spPr>
-            <p:style>
-              <a:lnRef idx="2">
-                <a:schemeClr val="accent1">
-                  <a:shade val="50000"/>
-                </a:schemeClr>
-              </a:lnRef>
-              <a:fillRef idx="1">
-                <a:schemeClr val="accent1"/>
-              </a:fillRef>
-              <a:effectRef idx="0">
-                <a:schemeClr val="accent1"/>
-              </a:effectRef>
-              <a:fontRef idx="minor">
-                <a:schemeClr val="lt1"/>
-              </a:fontRef>
-            </p:style>
-            <p:txBody>
-              <a:bodyPr rtlCol="0" anchor="ctr"/>
-              <a:lstStyle/>
-              <a:p>
-                <a:pPr algn="ctr"/>
-                <a:endParaRPr lang="fr-FR"/>
-              </a:p>
-            </p:txBody>
-          </p:sp>
-          <p:pic>
-            <p:nvPicPr>
-              <p:cNvPr id="27" name="Imagen 26"/>
-              <p:cNvPicPr>
-                <a:picLocks noChangeAspect="1"/>
-              </p:cNvPicPr>
-              <p:nvPr/>
-            </p:nvPicPr>
-            <p:blipFill>
-              <a:blip r:embed="rId10"/>
-              <a:stretch>
-                <a:fillRect/>
-              </a:stretch>
-            </p:blipFill>
-            <p:spPr>
-              <a:xfrm>
-                <a:off x="6697484" y="3664580"/>
-                <a:ext cx="888155" cy="957478"/>
-              </a:xfrm>
-              <a:prstGeom prst="rect">
-                <a:avLst/>
-              </a:prstGeom>
-            </p:spPr>
-          </p:pic>
-          <p:sp>
-            <p:nvSpPr>
-              <p:cNvPr id="28" name="Rectangle 7"/>
-              <p:cNvSpPr>
-                <a:spLocks noChangeArrowheads="1"/>
-              </p:cNvSpPr>
-              <p:nvPr/>
-            </p:nvSpPr>
-            <p:spPr bwMode="auto">
-              <a:xfrm>
-                <a:off x="1619672" y="2827583"/>
-                <a:ext cx="504056" cy="1905058"/>
-              </a:xfrm>
-              <a:prstGeom prst="rect">
-                <a:avLst/>
-              </a:prstGeom>
-              <a:solidFill>
-                <a:srgbClr val="FFFFFF"/>
-              </a:solidFill>
-              <a:ln w="9525">
-                <a:solidFill>
-                  <a:schemeClr val="accent6">
-                    <a:lumMod val="75000"/>
-                  </a:schemeClr>
-                </a:solidFill>
-                <a:round/>
-                <a:headEnd/>
-                <a:tailEnd/>
-              </a:ln>
-              <a:effectLst/>
-              <a:extLst>
-                <a:ext uri="{AF507438-7753-43e0-B8FC-AC1667EBCBE1}">
-                  <a14:hiddenEffects xmlns:a14="http://schemas.microsoft.com/office/drawing/2010/main">
-                    <a:effectLst>
-                      <a:outerShdw blurRad="63500" dist="38099" dir="2700000" algn="ctr" rotWithShape="0">
-                        <a:srgbClr val="000000">
-                          <a:alpha val="74997"/>
-                        </a:srgbClr>
-                      </a:outerShdw>
-                    </a:effectLst>
-                  </a14:hiddenEffects>
-                </a:ext>
-              </a:extLst>
-            </p:spPr>
-            <p:txBody>
-              <a:bodyPr vert="vert270" lIns="90000" tIns="51048" rIns="90000" bIns="45000" anchor="ctr" anchorCtr="1"/>
-              <a:lstStyle/>
-              <a:p>
-                <a:pPr algn="ctr" defTabSz="449263" hangingPunct="0">
-                  <a:lnSpc>
-                    <a:spcPct val="97000"/>
-                  </a:lnSpc>
-                  <a:buClr>
-                    <a:srgbClr val="000000"/>
-                  </a:buClr>
-                  <a:buSzPct val="100000"/>
-                  <a:buFont typeface="Times New Roman" charset="0"/>
-                  <a:buNone/>
-                  <a:tabLst>
-                    <a:tab pos="723900" algn="l"/>
-                    <a:tab pos="1447800" algn="l"/>
-                    <a:tab pos="2171700" algn="l"/>
-                    <a:tab pos="2895600" algn="l"/>
-                    <a:tab pos="3619500" algn="l"/>
-                    <a:tab pos="4343400" algn="l"/>
-                    <a:tab pos="5067300" algn="l"/>
-                    <a:tab pos="5791200" algn="l"/>
-                  </a:tabLst>
-                  <a:defRPr/>
-                </a:pPr>
-                <a:r>
-                  <a:rPr lang="fr-FR" sz="1600" b="1" dirty="0" smtClean="0">
-                    <a:solidFill>
-                      <a:srgbClr val="17375E"/>
-                    </a:solidFill>
-                    <a:latin typeface="Calibri" charset="0"/>
-                    <a:ea typeface="MS Gothic" charset="0"/>
-                    <a:cs typeface="MS Gothic" charset="0"/>
-                  </a:rPr>
-                  <a:t>Filtrage des </a:t>
-                </a:r>
-                <a:r>
-                  <a:rPr lang="fr-FR" sz="1600" b="1" dirty="0" err="1" smtClean="0">
-                    <a:solidFill>
-                      <a:srgbClr val="17375E"/>
-                    </a:solidFill>
-                    <a:latin typeface="Calibri" charset="0"/>
-                    <a:ea typeface="MS Gothic" charset="0"/>
-                    <a:cs typeface="MS Gothic" charset="0"/>
-                  </a:rPr>
-                  <a:t>Tweets</a:t>
-                </a:r>
-                <a:endParaRPr lang="fr-FR" sz="1600" b="1" dirty="0">
-                  <a:solidFill>
-                    <a:srgbClr val="17375E"/>
-                  </a:solidFill>
-                  <a:latin typeface="Calibri" charset="0"/>
-                  <a:ea typeface="MS Gothic" charset="0"/>
-                  <a:cs typeface="MS Gothic" charset="0"/>
-                </a:endParaRPr>
-              </a:p>
-            </p:txBody>
-          </p:sp>
-          <p:pic>
-            <p:nvPicPr>
-              <p:cNvPr id="29" name="Imagen 28"/>
-              <p:cNvPicPr>
-                <a:picLocks noChangeAspect="1"/>
-              </p:cNvPicPr>
-              <p:nvPr/>
-            </p:nvPicPr>
-            <p:blipFill>
-              <a:blip r:embed="rId11"/>
-              <a:stretch>
-                <a:fillRect/>
-              </a:stretch>
-            </p:blipFill>
-            <p:spPr>
-              <a:xfrm>
-                <a:off x="5406273" y="3901195"/>
-                <a:ext cx="871609" cy="871609"/>
-              </a:xfrm>
-              <a:prstGeom prst="rect">
-                <a:avLst/>
-              </a:prstGeom>
-            </p:spPr>
-          </p:pic>
-          <p:sp>
-            <p:nvSpPr>
-              <p:cNvPr id="30" name="Double flèche horizontale 26"/>
-              <p:cNvSpPr/>
-              <p:nvPr/>
-            </p:nvSpPr>
-            <p:spPr>
-              <a:xfrm>
-                <a:off x="2104201" y="3792865"/>
-                <a:ext cx="256483" cy="115845"/>
-              </a:xfrm>
-              <a:prstGeom prst="leftRightArrow">
-                <a:avLst/>
-              </a:prstGeom>
-            </p:spPr>
-            <p:style>
-              <a:lnRef idx="2">
-                <a:schemeClr val="accent1">
-                  <a:shade val="50000"/>
-                </a:schemeClr>
-              </a:lnRef>
-              <a:fillRef idx="1">
-                <a:schemeClr val="accent1"/>
-              </a:fillRef>
-              <a:effectRef idx="0">
-                <a:schemeClr val="accent1"/>
-              </a:effectRef>
-              <a:fontRef idx="minor">
-                <a:schemeClr val="lt1"/>
-              </a:fontRef>
-            </p:style>
-            <p:txBody>
-              <a:bodyPr rtlCol="0" anchor="ctr"/>
-              <a:lstStyle/>
-              <a:p>
-                <a:pPr algn="ctr"/>
-                <a:endParaRPr lang="fr-FR"/>
-              </a:p>
-            </p:txBody>
-          </p:sp>
-          <p:pic>
-            <p:nvPicPr>
-              <p:cNvPr id="31" name="Imagen 30"/>
-              <p:cNvPicPr>
-                <a:picLocks noChangeAspect="1"/>
-              </p:cNvPicPr>
-              <p:nvPr/>
-            </p:nvPicPr>
-            <p:blipFill>
-              <a:blip r:embed="rId12"/>
-              <a:stretch>
-                <a:fillRect/>
-              </a:stretch>
-            </p:blipFill>
-            <p:spPr>
-              <a:xfrm>
-                <a:off x="7624295" y="4816209"/>
-                <a:ext cx="1504288" cy="1119173"/>
-              </a:xfrm>
-              <a:prstGeom prst="rect">
-                <a:avLst/>
-              </a:prstGeom>
-            </p:spPr>
-          </p:pic>
-          <p:cxnSp>
-            <p:nvCxnSpPr>
-              <p:cNvPr id="32" name="Conector recto 31"/>
-              <p:cNvCxnSpPr>
-                <a:stCxn id="6" idx="2"/>
-              </p:cNvCxnSpPr>
-              <p:nvPr/>
-            </p:nvCxnSpPr>
-            <p:spPr>
-              <a:xfrm flipH="1">
-                <a:off x="896471" y="2269614"/>
-                <a:ext cx="2073" cy="1616102"/>
-              </a:xfrm>
-              <a:prstGeom prst="line">
-                <a:avLst/>
-              </a:prstGeom>
-              <a:ln>
-                <a:solidFill>
-                  <a:srgbClr val="77933C"/>
-                </a:solidFill>
-              </a:ln>
-            </p:spPr>
-            <p:style>
-              <a:lnRef idx="2">
-                <a:schemeClr val="accent1"/>
-              </a:lnRef>
-              <a:fillRef idx="0">
-                <a:schemeClr val="accent1"/>
-              </a:fillRef>
-              <a:effectRef idx="1">
-                <a:schemeClr val="accent1"/>
-              </a:effectRef>
-              <a:fontRef idx="minor">
-                <a:schemeClr val="tx1"/>
-              </a:fontRef>
-            </p:style>
-          </p:cxnSp>
-          <p:cxnSp>
-            <p:nvCxnSpPr>
-              <p:cNvPr id="33" name="Conector recto de flecha 32"/>
-              <p:cNvCxnSpPr/>
-              <p:nvPr/>
-            </p:nvCxnSpPr>
-            <p:spPr>
-              <a:xfrm>
-                <a:off x="898544" y="3885716"/>
-                <a:ext cx="721128" cy="0"/>
-              </a:xfrm>
-              <a:prstGeom prst="straightConnector1">
-                <a:avLst/>
-              </a:prstGeom>
-              <a:ln>
-                <a:solidFill>
-                  <a:schemeClr val="accent3">
-                    <a:lumMod val="75000"/>
-                  </a:schemeClr>
-                </a:solidFill>
-                <a:tailEnd type="arrow"/>
-              </a:ln>
-            </p:spPr>
-            <p:style>
-              <a:lnRef idx="2">
-                <a:schemeClr val="accent1"/>
-              </a:lnRef>
-              <a:fillRef idx="0">
-                <a:schemeClr val="accent1"/>
-              </a:fillRef>
-              <a:effectRef idx="1">
-                <a:schemeClr val="accent1"/>
-              </a:effectRef>
-              <a:fontRef idx="minor">
-                <a:schemeClr val="tx1"/>
-              </a:fontRef>
-            </p:style>
-          </p:cxnSp>
-        </p:grpSp>
-      </p:grpSp>
+        </p:nvPicPr>
+        <p:blipFill>
+          <a:blip r:embed="rId3">
+            <a:alphaModFix/>
+          </a:blip>
+          <a:stretch>
+            <a:fillRect/>
+          </a:stretch>
+        </p:blipFill>
+        <p:spPr>
+          <a:xfrm>
+            <a:off x="371475" y="1171575"/>
+            <a:ext cx="8520599" cy="3355134"/>
+          </a:xfrm>
+          <a:prstGeom prst="rect">
+            <a:avLst/>
+          </a:prstGeom>
+          <a:noFill/>
+          <a:ln>
+            <a:noFill/>
+          </a:ln>
+        </p:spPr>
+      </p:pic>
     </p:spTree>
   </p:cSld>
   <p:clrMapOvr>
     <a:masterClrMapping/>
   </p:clrMapOvr>
-  <p:timing>
-    <p:tnLst>
-      <p:par>
-        <p:cTn xmlns:p14="http://schemas.microsoft.com/office/powerpoint/2010/main" id="1" dur="indefinite" restart="never" nodeType="tmRoot"/>
-      </p:par>
-    </p:tnLst>
-  </p:timing>
 </p:sld>
 </file>
 
 <file path=ppt/slides/slide6.xml><?xml version="1.0" encoding="utf-8"?>
-<p:sld xmlns:a="http://schemas.openxmlformats.org/drawingml/2006/main" xmlns:r="http://schemas.openxmlformats.org/officeDocument/2006/relationships" xmlns:p="http://schemas.openxmlformats.org/presentationml/2006/main">
+<p:sld xmlns:a="http://schemas.openxmlformats.org/drawingml/2006/main" xmlns:r="http://schemas.openxmlformats.org/officeDocument/2006/relationships" xmlns:mc="http://schemas.openxmlformats.org/markup-compatibility/2006" xmlns:mv="urn:schemas-microsoft-com:mac:vml" xmlns:p="http://schemas.openxmlformats.org/presentationml/2006/main" xmlns:c="http://schemas.openxmlformats.org/drawingml/2006/chart" xmlns:dgm="http://schemas.openxmlformats.org/drawingml/2006/diagram" xmlns:o="urn:schemas-microsoft-com:office:office" xmlns:v="urn:schemas-microsoft-com:vml" xmlns:pvml="urn:schemas-microsoft-com:office:powerpoint" xmlns:com="http://schemas.openxmlformats.org/drawingml/2006/compatibility" xmlns:p14="http://schemas.microsoft.com/office/powerpoint/2010/main">
   <p:cSld>
     <p:spTree>
       <p:nvGrpSpPr>
-        <p:cNvPr id="1" name="Shape 95"/>
+        <p:cNvPr id="99" name="Shape 99"/>
         <p:cNvGrpSpPr/>
         <p:nvPr/>
       </p:nvGrpSpPr>
@@ -8672,10 +7119,8 @@
       </p:grpSpPr>
       <p:sp>
         <p:nvSpPr>
-          <p:cNvPr id="96" name="Shape 96"/>
-          <p:cNvSpPr txBox="1">
-            <a:spLocks noGrp="1"/>
-          </p:cNvSpPr>
+          <p:cNvPr id="100" name="Shape 100"/>
+          <p:cNvSpPr txBox="1"/>
           <p:nvPr>
             <p:ph type="title"/>
           </p:nvPr>
@@ -8690,7 +7135,7 @@
           </a:prstGeom>
         </p:spPr>
         <p:txBody>
-          <a:bodyPr lIns="91425" tIns="91425" rIns="91425" bIns="91425" anchor="t" anchorCtr="0">
+          <a:bodyPr anchorCtr="0" anchor="t" bIns="91425" lIns="91425" rIns="91425" tIns="91425">
             <a:noAutofit/>
           </a:bodyPr>
           <a:lstStyle/>
@@ -8703,19 +7148,17 @@
             </a:pPr>
             <a:r>
               <a:rPr lang="fr"/>
-              <a:t>Temporal Analysis and Spike Detection</a:t>
-            </a:r>
-          </a:p>
-        </p:txBody>
-      </p:sp>
-      <p:sp>
-        <p:nvSpPr>
-          <p:cNvPr id="97" name="Shape 97"/>
-          <p:cNvSpPr txBox="1">
-            <a:spLocks noGrp="1"/>
-          </p:cNvSpPr>
-          <p:nvPr>
-            <p:ph type="body" idx="1"/>
+              <a:t>Temporal Analysis and Pike Detection</a:t>
+            </a:r>
+          </a:p>
+        </p:txBody>
+      </p:sp>
+      <p:sp>
+        <p:nvSpPr>
+          <p:cNvPr id="101" name="Shape 101"/>
+          <p:cNvSpPr txBox="1"/>
+          <p:nvPr>
+            <p:ph idx="1" type="body"/>
           </p:nvPr>
         </p:nvSpPr>
         <p:spPr>
@@ -8728,12 +7171,12 @@
           </a:prstGeom>
         </p:spPr>
         <p:txBody>
-          <a:bodyPr lIns="91425" tIns="91425" rIns="91425" bIns="91425" anchor="t" anchorCtr="0">
+          <a:bodyPr anchorCtr="0" anchor="t" bIns="91425" lIns="91425" rIns="91425" tIns="91425">
             <a:noAutofit/>
           </a:bodyPr>
           <a:lstStyle/>
           <a:p>
-            <a:pPr marL="457200" lvl="0" indent="-228600" rtl="0">
+            <a:pPr indent="-228600" lvl="0" marL="457200" rtl="0">
               <a:lnSpc>
                 <a:spcPct val="200000"/>
               </a:lnSpc>
@@ -8744,11 +7187,11 @@
             </a:pPr>
             <a:r>
               <a:rPr lang="fr"/>
-              <a:t>Retrospective analyse of a collection of tweets</a:t>
-            </a:r>
-          </a:p>
-          <a:p>
-            <a:pPr marL="457200" lvl="0" indent="-228600" rtl="0">
+              <a:t>Retrospective analysis of a collection of tweets</a:t>
+            </a:r>
+          </a:p>
+          <a:p>
+            <a:pPr indent="-228600" lvl="0" marL="457200" rtl="0">
               <a:lnSpc>
                 <a:spcPct val="200000"/>
               </a:lnSpc>
@@ -8763,7 +7206,7 @@
             </a:r>
           </a:p>
           <a:p>
-            <a:pPr marL="457200" lvl="0" indent="-228600" rtl="0">
+            <a:pPr indent="-228600" lvl="0" marL="457200" rtl="0">
               <a:lnSpc>
                 <a:spcPct val="200000"/>
               </a:lnSpc>
@@ -8778,7 +7221,7 @@
             </a:r>
           </a:p>
           <a:p>
-            <a:pPr marL="914400" lvl="1" indent="-228600" rtl="0">
+            <a:pPr indent="-228600" lvl="1" marL="914400" rtl="0">
               <a:lnSpc>
                 <a:spcPct val="200000"/>
               </a:lnSpc>
@@ -8793,7 +7236,7 @@
             </a:r>
           </a:p>
           <a:p>
-            <a:pPr marL="914400" lvl="1" indent="-228600">
+            <a:pPr indent="-228600" lvl="1" marL="914400">
               <a:lnSpc>
                 <a:spcPct val="200000"/>
               </a:lnSpc>
@@ -8806,6 +7249,42 @@
               <a:rPr lang="fr"/>
               <a:t>Linear Regression</a:t>
             </a:r>
+          </a:p>
+        </p:txBody>
+      </p:sp>
+      <p:sp>
+        <p:nvSpPr>
+          <p:cNvPr id="102" name="Shape 102"/>
+          <p:cNvSpPr txBox="1"/>
+          <p:nvPr>
+            <p:ph idx="12" type="sldNum"/>
+          </p:nvPr>
+        </p:nvSpPr>
+        <p:spPr>
+          <a:xfrm>
+            <a:off x="8472457" y="4663216"/>
+            <a:ext cx="548700" cy="393600"/>
+          </a:xfrm>
+          <a:prstGeom prst="rect">
+            <a:avLst/>
+          </a:prstGeom>
+        </p:spPr>
+        <p:txBody>
+          <a:bodyPr anchorCtr="0" anchor="ctr" bIns="91425" lIns="91425" rIns="91425" tIns="91425">
+            <a:noAutofit/>
+          </a:bodyPr>
+          <a:lstStyle/>
+          <a:p>
+            <a:pPr lvl="0">
+              <a:spcBef>
+                <a:spcPts val="0"/>
+              </a:spcBef>
+              <a:buNone/>
+            </a:pPr>
+            <a:fld id="{00000000-1234-1234-1234-123412341234}" type="slidenum">
+              <a:rPr lang="fr"/>
+              <a:t>‹#›</a:t>
+            </a:fld>
           </a:p>
         </p:txBody>
       </p:sp>
@@ -8814,22 +7293,15 @@
   <p:clrMapOvr>
     <a:masterClrMapping/>
   </p:clrMapOvr>
-  <p:timing>
-    <p:tnLst>
-      <p:par>
-        <p:cTn xmlns:p14="http://schemas.microsoft.com/office/powerpoint/2010/main" id="1" dur="indefinite" restart="never" nodeType="tmRoot"/>
-      </p:par>
-    </p:tnLst>
-  </p:timing>
 </p:sld>
 </file>
 
 <file path=ppt/slides/slide7.xml><?xml version="1.0" encoding="utf-8"?>
-<p:sld xmlns:a="http://schemas.openxmlformats.org/drawingml/2006/main" xmlns:r="http://schemas.openxmlformats.org/officeDocument/2006/relationships" xmlns:p="http://schemas.openxmlformats.org/presentationml/2006/main">
+<p:sld xmlns:a="http://schemas.openxmlformats.org/drawingml/2006/main" xmlns:r="http://schemas.openxmlformats.org/officeDocument/2006/relationships" xmlns:mc="http://schemas.openxmlformats.org/markup-compatibility/2006" xmlns:mv="urn:schemas-microsoft-com:mac:vml" xmlns:p="http://schemas.openxmlformats.org/presentationml/2006/main" xmlns:c="http://schemas.openxmlformats.org/drawingml/2006/chart" xmlns:dgm="http://schemas.openxmlformats.org/drawingml/2006/diagram" xmlns:o="urn:schemas-microsoft-com:office:office" xmlns:v="urn:schemas-microsoft-com:vml" xmlns:pvml="urn:schemas-microsoft-com:office:powerpoint" xmlns:com="http://schemas.openxmlformats.org/drawingml/2006/compatibility" xmlns:p14="http://schemas.microsoft.com/office/powerpoint/2010/main">
   <p:cSld>
     <p:spTree>
       <p:nvGrpSpPr>
-        <p:cNvPr id="1" name="Shape 101"/>
+        <p:cNvPr id="106" name="Shape 106"/>
         <p:cNvGrpSpPr/>
         <p:nvPr/>
       </p:nvGrpSpPr>
@@ -8843,10 +7315,8 @@
       </p:grpSpPr>
       <p:sp>
         <p:nvSpPr>
-          <p:cNvPr id="102" name="Shape 102"/>
-          <p:cNvSpPr txBox="1">
-            <a:spLocks noGrp="1"/>
-          </p:cNvSpPr>
+          <p:cNvPr id="107" name="Shape 107"/>
+          <p:cNvSpPr txBox="1"/>
           <p:nvPr>
             <p:ph type="title"/>
           </p:nvPr>
@@ -8861,7 +7331,7 @@
           </a:prstGeom>
         </p:spPr>
         <p:txBody>
-          <a:bodyPr lIns="91425" tIns="91425" rIns="91425" bIns="91425" anchor="t" anchorCtr="0">
+          <a:bodyPr anchorCtr="0" anchor="t" bIns="91425" lIns="91425" rIns="91425" tIns="91425">
             <a:noAutofit/>
           </a:bodyPr>
           <a:lstStyle/>
@@ -8874,14 +7344,14 @@
             </a:pPr>
             <a:r>
               <a:rPr lang="fr"/>
-              <a:t>Spikes Detection (Roumanie VS Switzerland)</a:t>
+              <a:t>Pikes Detection (Romania VS Switzerland)</a:t>
             </a:r>
           </a:p>
         </p:txBody>
       </p:sp>
       <p:pic>
         <p:nvPicPr>
-          <p:cNvPr id="103" name="Shape 103" descr="Screen Shot 2016-07-04 at 11.30.17.png"/>
+          <p:cNvPr descr="Screen Shot 2016-07-04 at 11.30.17.png" id="108" name="Shape 108"/>
           <p:cNvPicPr preferRelativeResize="0"/>
           <p:nvPr/>
         </p:nvPicPr>
@@ -8909,7 +7379,7 @@
       </p:pic>
       <p:pic>
         <p:nvPicPr>
-          <p:cNvPr id="104" name="Shape 104" descr="Screen Shot 2016-07-04 at 11.32.12.png"/>
+          <p:cNvPr descr="Screen Shot 2016-07-04 at 11.32.12.png" id="109" name="Shape 109"/>
           <p:cNvPicPr preferRelativeResize="0"/>
           <p:nvPr/>
         </p:nvPicPr>
@@ -8937,14 +7407,14 @@
       </p:pic>
       <p:sp>
         <p:nvSpPr>
-          <p:cNvPr id="105" name="Shape 105"/>
+          <p:cNvPr id="110" name="Shape 110"/>
           <p:cNvSpPr txBox="1"/>
           <p:nvPr/>
         </p:nvSpPr>
         <p:spPr>
           <a:xfrm>
             <a:off x="5404925" y="837700"/>
-            <a:ext cx="2524800" cy="792900"/>
+            <a:ext cx="2524800" cy="1055100"/>
           </a:xfrm>
           <a:prstGeom prst="rect">
             <a:avLst/>
@@ -8955,7 +7425,7 @@
           </a:ln>
         </p:spPr>
         <p:txBody>
-          <a:bodyPr lIns="91425" tIns="91425" rIns="91425" bIns="91425" anchor="t" anchorCtr="0">
+          <a:bodyPr anchorCtr="0" anchor="t" bIns="91425" lIns="91425" rIns="91425" tIns="91425">
             <a:noAutofit/>
           </a:bodyPr>
           <a:lstStyle/>
@@ -8992,7 +7462,7 @@
             </a:r>
           </a:p>
           <a:p>
-            <a:pPr lvl="0" algn="r">
+            <a:pPr lvl="0" rtl="0" algn="r">
               <a:spcBef>
                 <a:spcPts val="0"/>
               </a:spcBef>
@@ -9007,34 +7477,8 @@
               <a:t>Miss events (e.g. shoot)</a:t>
             </a:r>
           </a:p>
-        </p:txBody>
-      </p:sp>
-      <p:sp>
-        <p:nvSpPr>
-          <p:cNvPr id="106" name="Shape 106"/>
-          <p:cNvSpPr txBox="1"/>
-          <p:nvPr/>
-        </p:nvSpPr>
-        <p:spPr>
-          <a:xfrm>
-            <a:off x="5792175" y="2842500"/>
-            <a:ext cx="2524800" cy="792900"/>
-          </a:xfrm>
-          <a:prstGeom prst="rect">
-            <a:avLst/>
-          </a:prstGeom>
-          <a:noFill/>
-          <a:ln>
-            <a:noFill/>
-          </a:ln>
-        </p:spPr>
-        <p:txBody>
-          <a:bodyPr lIns="91425" tIns="91425" rIns="91425" bIns="91425" anchor="t" anchorCtr="0">
-            <a:noAutofit/>
-          </a:bodyPr>
-          <a:lstStyle/>
-          <a:p>
-            <a:pPr lvl="0" algn="r" rtl="0">
+          <a:p>
+            <a:pPr lvl="0" algn="r">
               <a:spcBef>
                 <a:spcPts val="0"/>
               </a:spcBef>
@@ -9046,11 +7490,53 @@
                   <a:schemeClr val="accent1"/>
                 </a:solidFill>
               </a:rPr>
-              <a:t>Linear Regression</a:t>
-            </a:r>
-          </a:p>
-          <a:p>
-            <a:pPr lvl="0" algn="r" rtl="0">
+              <a:t>Increase Precision </a:t>
+            </a:r>
+          </a:p>
+        </p:txBody>
+      </p:sp>
+      <p:sp>
+        <p:nvSpPr>
+          <p:cNvPr id="111" name="Shape 111"/>
+          <p:cNvSpPr txBox="1"/>
+          <p:nvPr/>
+        </p:nvSpPr>
+        <p:spPr>
+          <a:xfrm>
+            <a:off x="5792175" y="2842500"/>
+            <a:ext cx="2524800" cy="943200"/>
+          </a:xfrm>
+          <a:prstGeom prst="rect">
+            <a:avLst/>
+          </a:prstGeom>
+          <a:noFill/>
+          <a:ln>
+            <a:noFill/>
+          </a:ln>
+        </p:spPr>
+        <p:txBody>
+          <a:bodyPr anchorCtr="0" anchor="t" bIns="91425" lIns="91425" rIns="91425" tIns="91425">
+            <a:noAutofit/>
+          </a:bodyPr>
+          <a:lstStyle/>
+          <a:p>
+            <a:pPr lvl="0" rtl="0" algn="r">
+              <a:spcBef>
+                <a:spcPts val="0"/>
+              </a:spcBef>
+              <a:buNone/>
+            </a:pPr>
+            <a:r>
+              <a:rPr lang="fr">
+                <a:solidFill>
+                  <a:schemeClr val="accent1"/>
+                </a:solidFill>
+              </a:rPr>
+              <a:t>Ecart Type</a:t>
+            </a:r>
+          </a:p>
+          <a:p>
+            <a:pPr lvl="0" rtl="0" algn="r">
               <a:spcBef>
                 <a:spcPts val="0"/>
               </a:spcBef>
@@ -9066,7 +7552,7 @@
             </a:r>
           </a:p>
           <a:p>
-            <a:pPr lvl="0" algn="r" rtl="0">
+            <a:pPr lvl="0" rtl="0" algn="r">
               <a:spcBef>
                 <a:spcPts val="0"/>
               </a:spcBef>
@@ -9081,6 +7567,58 @@
               <a:t>Capture almost all actions</a:t>
             </a:r>
           </a:p>
+          <a:p>
+            <a:pPr lvl="0" rtl="0" algn="r">
+              <a:spcBef>
+                <a:spcPts val="0"/>
+              </a:spcBef>
+              <a:buNone/>
+            </a:pPr>
+            <a:r>
+              <a:rPr lang="fr">
+                <a:solidFill>
+                  <a:schemeClr val="accent1"/>
+                </a:solidFill>
+              </a:rPr>
+              <a:t>Increase Recall</a:t>
+            </a:r>
+          </a:p>
+        </p:txBody>
+      </p:sp>
+      <p:sp>
+        <p:nvSpPr>
+          <p:cNvPr id="112" name="Shape 112"/>
+          <p:cNvSpPr txBox="1"/>
+          <p:nvPr>
+            <p:ph idx="12" type="sldNum"/>
+          </p:nvPr>
+        </p:nvSpPr>
+        <p:spPr>
+          <a:xfrm>
+            <a:off x="8472457" y="4663216"/>
+            <a:ext cx="548700" cy="393600"/>
+          </a:xfrm>
+          <a:prstGeom prst="rect">
+            <a:avLst/>
+          </a:prstGeom>
+        </p:spPr>
+        <p:txBody>
+          <a:bodyPr anchorCtr="0" anchor="ctr" bIns="91425" lIns="91425" rIns="91425" tIns="91425">
+            <a:noAutofit/>
+          </a:bodyPr>
+          <a:lstStyle/>
+          <a:p>
+            <a:pPr lvl="0">
+              <a:spcBef>
+                <a:spcPts val="0"/>
+              </a:spcBef>
+              <a:buNone/>
+            </a:pPr>
+            <a:fld id="{00000000-1234-1234-1234-123412341234}" type="slidenum">
+              <a:rPr lang="fr"/>
+              <a:t>‹#›</a:t>
+            </a:fld>
+          </a:p>
         </p:txBody>
       </p:sp>
     </p:spTree>
@@ -9088,22 +7626,15 @@
   <p:clrMapOvr>
     <a:masterClrMapping/>
   </p:clrMapOvr>
-  <p:timing>
-    <p:tnLst>
-      <p:par>
-        <p:cTn xmlns:p14="http://schemas.microsoft.com/office/powerpoint/2010/main" id="1" dur="indefinite" restart="never" nodeType="tmRoot"/>
-      </p:par>
-    </p:tnLst>
-  </p:timing>
 </p:sld>
 </file>
 
 <file path=ppt/slides/slide8.xml><?xml version="1.0" encoding="utf-8"?>
-<p:sld xmlns:a="http://schemas.openxmlformats.org/drawingml/2006/main" xmlns:r="http://schemas.openxmlformats.org/officeDocument/2006/relationships" xmlns:p="http://schemas.openxmlformats.org/presentationml/2006/main">
+<p:sld xmlns:a="http://schemas.openxmlformats.org/drawingml/2006/main" xmlns:r="http://schemas.openxmlformats.org/officeDocument/2006/relationships" xmlns:mc="http://schemas.openxmlformats.org/markup-compatibility/2006" xmlns:mv="urn:schemas-microsoft-com:mac:vml" xmlns:p="http://schemas.openxmlformats.org/presentationml/2006/main" xmlns:c="http://schemas.openxmlformats.org/drawingml/2006/chart" xmlns:dgm="http://schemas.openxmlformats.org/drawingml/2006/diagram" xmlns:o="urn:schemas-microsoft-com:office:office" xmlns:v="urn:schemas-microsoft-com:vml" xmlns:pvml="urn:schemas-microsoft-com:office:powerpoint" xmlns:com="http://schemas.openxmlformats.org/drawingml/2006/compatibility" xmlns:p14="http://schemas.microsoft.com/office/powerpoint/2010/main">
   <p:cSld>
     <p:spTree>
       <p:nvGrpSpPr>
-        <p:cNvPr id="1" name="Shape 116"/>
+        <p:cNvPr id="116" name="Shape 116"/>
         <p:cNvGrpSpPr/>
         <p:nvPr/>
       </p:nvGrpSpPr>
@@ -9118,16 +7649,14 @@
       <p:sp>
         <p:nvSpPr>
           <p:cNvPr id="117" name="Shape 117"/>
-          <p:cNvSpPr txBox="1">
-            <a:spLocks noGrp="1"/>
-          </p:cNvSpPr>
+          <p:cNvSpPr txBox="1"/>
           <p:nvPr>
             <p:ph type="title"/>
           </p:nvPr>
         </p:nvSpPr>
         <p:spPr>
           <a:xfrm>
-            <a:off x="179825" y="169275"/>
+            <a:off x="311700" y="445025"/>
             <a:ext cx="8520600" cy="707400"/>
           </a:xfrm>
           <a:prstGeom prst="rect">
@@ -9135,7 +7664,7 @@
           </a:prstGeom>
         </p:spPr>
         <p:txBody>
-          <a:bodyPr lIns="91425" tIns="91425" rIns="91425" bIns="91425" anchor="t" anchorCtr="0">
+          <a:bodyPr anchorCtr="0" anchor="t" bIns="91425" lIns="91425" rIns="91425" tIns="91425">
             <a:noAutofit/>
           </a:bodyPr>
           <a:lstStyle/>
@@ -9148,14 +7677,196 @@
             </a:pPr>
             <a:r>
               <a:rPr lang="fr"/>
-              <a:t>Semantic Annotation</a:t>
+              <a:t>Topic Detection</a:t>
+            </a:r>
+          </a:p>
+        </p:txBody>
+      </p:sp>
+      <p:sp>
+        <p:nvSpPr>
+          <p:cNvPr id="118" name="Shape 118"/>
+          <p:cNvSpPr txBox="1"/>
+          <p:nvPr>
+            <p:ph idx="1" type="body"/>
+          </p:nvPr>
+        </p:nvSpPr>
+        <p:spPr>
+          <a:xfrm>
+            <a:off x="311700" y="1266325"/>
+            <a:ext cx="8520600" cy="3302700"/>
+          </a:xfrm>
+          <a:prstGeom prst="rect">
+            <a:avLst/>
+          </a:prstGeom>
+        </p:spPr>
+        <p:txBody>
+          <a:bodyPr anchorCtr="0" anchor="t" bIns="91425" lIns="91425" rIns="91425" tIns="91425">
+            <a:noAutofit/>
+          </a:bodyPr>
+          <a:lstStyle/>
+          <a:p>
+            <a:pPr lvl="0">
+              <a:spcBef>
+                <a:spcPts val="0"/>
+              </a:spcBef>
+              <a:buNone/>
+            </a:pPr>
+            <a:r>
+              <a:rPr lang="fr"/>
+              <a:t>Our goal is to detect topic in relevant time-windows </a:t>
+            </a:r>
+          </a:p>
+          <a:p>
+            <a:pPr indent="-228600" lvl="0" marL="457200" rtl="0">
+              <a:lnSpc>
+                <a:spcPct val="200000"/>
+              </a:lnSpc>
+              <a:spcBef>
+                <a:spcPts val="0"/>
+              </a:spcBef>
+              <a:buChar char="➔"/>
+            </a:pPr>
+            <a:r>
+              <a:rPr lang="fr"/>
+              <a:t>We use K-means to create tweets clusters in each spike</a:t>
+            </a:r>
+          </a:p>
+          <a:p>
+            <a:pPr indent="-228600" lvl="1" marL="914400" rtl="0">
+              <a:lnSpc>
+                <a:spcPct val="200000"/>
+              </a:lnSpc>
+              <a:spcBef>
+                <a:spcPts val="0"/>
+              </a:spcBef>
+              <a:buChar char="◆"/>
+            </a:pPr>
+            <a:r>
+              <a:rPr b="1" lang="fr"/>
+              <a:t>Common Preprocessing tasks</a:t>
+            </a:r>
+            <a:r>
+              <a:rPr lang="fr"/>
+              <a:t> (Stop words removal  - Near duplicate removal  - Stemming)</a:t>
+            </a:r>
+          </a:p>
+          <a:p>
+            <a:pPr indent="-228600" lvl="0" marL="457200" rtl="0">
+              <a:lnSpc>
+                <a:spcPct val="200000"/>
+              </a:lnSpc>
+              <a:spcBef>
+                <a:spcPts val="0"/>
+              </a:spcBef>
+              <a:buChar char="➔"/>
+            </a:pPr>
+            <a:r>
+              <a:rPr lang="fr"/>
+              <a:t>Identify  cluster with highest density </a:t>
+            </a:r>
+          </a:p>
+        </p:txBody>
+      </p:sp>
+      <p:sp>
+        <p:nvSpPr>
+          <p:cNvPr id="119" name="Shape 119"/>
+          <p:cNvSpPr txBox="1"/>
+          <p:nvPr>
+            <p:ph idx="12" type="sldNum"/>
+          </p:nvPr>
+        </p:nvSpPr>
+        <p:spPr>
+          <a:xfrm>
+            <a:off x="8472457" y="4663216"/>
+            <a:ext cx="548700" cy="393600"/>
+          </a:xfrm>
+          <a:prstGeom prst="rect">
+            <a:avLst/>
+          </a:prstGeom>
+        </p:spPr>
+        <p:txBody>
+          <a:bodyPr anchorCtr="0" anchor="ctr" bIns="91425" lIns="91425" rIns="91425" tIns="91425">
+            <a:noAutofit/>
+          </a:bodyPr>
+          <a:lstStyle/>
+          <a:p>
+            <a:pPr lvl="0">
+              <a:spcBef>
+                <a:spcPts val="0"/>
+              </a:spcBef>
+              <a:buNone/>
+            </a:pPr>
+            <a:fld id="{00000000-1234-1234-1234-123412341234}" type="slidenum">
+              <a:rPr lang="fr"/>
+              <a:t>‹#›</a:t>
+            </a:fld>
+          </a:p>
+        </p:txBody>
+      </p:sp>
+    </p:spTree>
+  </p:cSld>
+  <p:clrMapOvr>
+    <a:masterClrMapping/>
+  </p:clrMapOvr>
+</p:sld>
+</file>
+
+<file path=ppt/slides/slide9.xml><?xml version="1.0" encoding="utf-8"?>
+<p:sld xmlns:a="http://schemas.openxmlformats.org/drawingml/2006/main" xmlns:r="http://schemas.openxmlformats.org/officeDocument/2006/relationships" xmlns:mc="http://schemas.openxmlformats.org/markup-compatibility/2006" xmlns:mv="urn:schemas-microsoft-com:mac:vml" xmlns:p="http://schemas.openxmlformats.org/presentationml/2006/main" xmlns:c="http://schemas.openxmlformats.org/drawingml/2006/chart" xmlns:dgm="http://schemas.openxmlformats.org/drawingml/2006/diagram" xmlns:o="urn:schemas-microsoft-com:office:office" xmlns:v="urn:schemas-microsoft-com:vml" xmlns:pvml="urn:schemas-microsoft-com:office:powerpoint" xmlns:com="http://schemas.openxmlformats.org/drawingml/2006/compatibility" xmlns:p14="http://schemas.microsoft.com/office/powerpoint/2010/main">
+  <p:cSld>
+    <p:spTree>
+      <p:nvGrpSpPr>
+        <p:cNvPr id="123" name="Shape 123"/>
+        <p:cNvGrpSpPr/>
+        <p:nvPr/>
+      </p:nvGrpSpPr>
+      <p:grpSpPr>
+        <a:xfrm>
+          <a:off x="0" y="0"/>
+          <a:ext cx="0" cy="0"/>
+          <a:chOff x="0" y="0"/>
+          <a:chExt cx="0" cy="0"/>
+        </a:xfrm>
+      </p:grpSpPr>
+      <p:sp>
+        <p:nvSpPr>
+          <p:cNvPr id="124" name="Shape 124"/>
+          <p:cNvSpPr txBox="1"/>
+          <p:nvPr>
+            <p:ph type="title"/>
+          </p:nvPr>
+        </p:nvSpPr>
+        <p:spPr>
+          <a:xfrm>
+            <a:off x="311700" y="445025"/>
+            <a:ext cx="8520600" cy="707400"/>
+          </a:xfrm>
+          <a:prstGeom prst="rect">
+            <a:avLst/>
+          </a:prstGeom>
+        </p:spPr>
+        <p:txBody>
+          <a:bodyPr anchorCtr="0" anchor="t" bIns="91425" lIns="91425" rIns="91425" tIns="91425">
+            <a:noAutofit/>
+          </a:bodyPr>
+          <a:lstStyle/>
+          <a:p>
+            <a:pPr lvl="0">
+              <a:spcBef>
+                <a:spcPts val="0"/>
+              </a:spcBef>
+              <a:buNone/>
+            </a:pPr>
+            <a:r>
+              <a:rPr lang="fr"/>
+              <a:t>Romania Vs. Switzerland Goal at 21:15</a:t>
             </a:r>
           </a:p>
         </p:txBody>
       </p:sp>
       <p:pic>
         <p:nvPicPr>
-          <p:cNvPr id="118" name="Shape 118" descr="archi-hackatal16.png"/>
+          <p:cNvPr descr="Screen Shot 2016-07-04 at 13.01.14.png" id="125" name="Shape 125"/>
           <p:cNvPicPr preferRelativeResize="0"/>
           <p:nvPr/>
         </p:nvPicPr>
@@ -9169,8 +7880,8 @@
         </p:blipFill>
         <p:spPr>
           <a:xfrm>
-            <a:off x="1103126" y="1007125"/>
-            <a:ext cx="5849298" cy="4136373"/>
+            <a:off x="164875" y="1248699"/>
+            <a:ext cx="4274501" cy="3184076"/>
           </a:xfrm>
           <a:prstGeom prst="rect">
             <a:avLst/>
@@ -9181,93 +7892,156 @@
           </a:ln>
         </p:spPr>
       </p:pic>
+      <p:pic>
+        <p:nvPicPr>
+          <p:cNvPr descr="Screen Shot 2016-07-04 at 13.10.24.png" id="126" name="Shape 126"/>
+          <p:cNvPicPr preferRelativeResize="0"/>
+          <p:nvPr/>
+        </p:nvPicPr>
+        <p:blipFill>
+          <a:blip r:embed="rId4">
+            <a:alphaModFix/>
+          </a:blip>
+          <a:stretch>
+            <a:fillRect/>
+          </a:stretch>
+        </p:blipFill>
+        <p:spPr>
+          <a:xfrm>
+            <a:off x="4851276" y="1418599"/>
+            <a:ext cx="3808523" cy="2844276"/>
+          </a:xfrm>
+          <a:prstGeom prst="rect">
+            <a:avLst/>
+          </a:prstGeom>
+          <a:noFill/>
+          <a:ln>
+            <a:noFill/>
+          </a:ln>
+        </p:spPr>
+      </p:pic>
+      <p:sp>
+        <p:nvSpPr>
+          <p:cNvPr id="127" name="Shape 127"/>
+          <p:cNvSpPr txBox="1"/>
+          <p:nvPr/>
+        </p:nvSpPr>
+        <p:spPr>
+          <a:xfrm>
+            <a:off x="2992950" y="4013725"/>
+            <a:ext cx="951300" cy="356700"/>
+          </a:xfrm>
+          <a:prstGeom prst="rect">
+            <a:avLst/>
+          </a:prstGeom>
+          <a:noFill/>
+          <a:ln>
+            <a:noFill/>
+          </a:ln>
+        </p:spPr>
+        <p:txBody>
+          <a:bodyPr anchorCtr="0" anchor="t" bIns="91425" lIns="91425" rIns="91425" tIns="91425">
+            <a:noAutofit/>
+          </a:bodyPr>
+          <a:lstStyle/>
+          <a:p>
+            <a:pPr lvl="0">
+              <a:spcBef>
+                <a:spcPts val="0"/>
+              </a:spcBef>
+              <a:buNone/>
+            </a:pPr>
+            <a:r>
+              <a:rPr lang="fr"/>
+              <a:t>21:13</a:t>
+            </a:r>
+          </a:p>
+        </p:txBody>
+      </p:sp>
+      <p:sp>
+        <p:nvSpPr>
+          <p:cNvPr id="128" name="Shape 128"/>
+          <p:cNvSpPr txBox="1"/>
+          <p:nvPr/>
+        </p:nvSpPr>
+        <p:spPr>
+          <a:xfrm>
+            <a:off x="6455425" y="4262875"/>
+            <a:ext cx="951300" cy="356700"/>
+          </a:xfrm>
+          <a:prstGeom prst="rect">
+            <a:avLst/>
+          </a:prstGeom>
+          <a:noFill/>
+          <a:ln>
+            <a:noFill/>
+          </a:ln>
+        </p:spPr>
+        <p:txBody>
+          <a:bodyPr anchorCtr="0" anchor="t" bIns="91425" lIns="91425" rIns="91425" tIns="91425">
+            <a:noAutofit/>
+          </a:bodyPr>
+          <a:lstStyle/>
+          <a:p>
+            <a:pPr lvl="0" rtl="0">
+              <a:spcBef>
+                <a:spcPts val="0"/>
+              </a:spcBef>
+              <a:buNone/>
+            </a:pPr>
+            <a:r>
+              <a:rPr lang="fr"/>
+              <a:t>21:15</a:t>
+            </a:r>
+          </a:p>
+        </p:txBody>
+      </p:sp>
+      <p:sp>
+        <p:nvSpPr>
+          <p:cNvPr id="129" name="Shape 129"/>
+          <p:cNvSpPr txBox="1"/>
+          <p:nvPr>
+            <p:ph idx="12" type="sldNum"/>
+          </p:nvPr>
+        </p:nvSpPr>
+        <p:spPr>
+          <a:xfrm>
+            <a:off x="8472457" y="4663216"/>
+            <a:ext cx="548700" cy="393600"/>
+          </a:xfrm>
+          <a:prstGeom prst="rect">
+            <a:avLst/>
+          </a:prstGeom>
+        </p:spPr>
+        <p:txBody>
+          <a:bodyPr anchorCtr="0" anchor="ctr" bIns="91425" lIns="91425" rIns="91425" tIns="91425">
+            <a:noAutofit/>
+          </a:bodyPr>
+          <a:lstStyle/>
+          <a:p>
+            <a:pPr lvl="0">
+              <a:spcBef>
+                <a:spcPts val="0"/>
+              </a:spcBef>
+              <a:buNone/>
+            </a:pPr>
+            <a:fld id="{00000000-1234-1234-1234-123412341234}" type="slidenum">
+              <a:rPr lang="fr"/>
+              <a:t>‹#›</a:t>
+            </a:fld>
+          </a:p>
+        </p:txBody>
+      </p:sp>
     </p:spTree>
   </p:cSld>
   <p:clrMapOvr>
     <a:masterClrMapping/>
   </p:clrMapOvr>
-  <p:timing>
-    <p:tnLst>
-      <p:par>
-        <p:cTn xmlns:p14="http://schemas.microsoft.com/office/powerpoint/2010/main" id="1" dur="indefinite" restart="never" nodeType="tmRoot"/>
-      </p:par>
-    </p:tnLst>
-  </p:timing>
-</p:sld>
-</file>
-
-<file path=ppt/slides/slide9.xml><?xml version="1.0" encoding="utf-8"?>
-<p:sld xmlns:a="http://schemas.openxmlformats.org/drawingml/2006/main" xmlns:r="http://schemas.openxmlformats.org/officeDocument/2006/relationships" xmlns:p="http://schemas.openxmlformats.org/presentationml/2006/main">
-  <p:cSld>
-    <p:spTree>
-      <p:nvGrpSpPr>
-        <p:cNvPr id="1" name="Shape 128"/>
-        <p:cNvGrpSpPr/>
-        <p:nvPr/>
-      </p:nvGrpSpPr>
-      <p:grpSpPr>
-        <a:xfrm>
-          <a:off x="0" y="0"/>
-          <a:ext cx="0" cy="0"/>
-          <a:chOff x="0" y="0"/>
-          <a:chExt cx="0" cy="0"/>
-        </a:xfrm>
-      </p:grpSpPr>
-      <p:sp>
-        <p:nvSpPr>
-          <p:cNvPr id="129" name="Shape 129"/>
-          <p:cNvSpPr txBox="1">
-            <a:spLocks noGrp="1"/>
-          </p:cNvSpPr>
-          <p:nvPr>
-            <p:ph type="ctrTitle"/>
-          </p:nvPr>
-        </p:nvSpPr>
-        <p:spPr>
-          <a:xfrm>
-            <a:off x="1004150" y="1751764"/>
-            <a:ext cx="7136700" cy="1022400"/>
-          </a:xfrm>
-          <a:prstGeom prst="rect">
-            <a:avLst/>
-          </a:prstGeom>
-        </p:spPr>
-        <p:txBody>
-          <a:bodyPr lIns="91425" tIns="91425" rIns="91425" bIns="91425" anchor="b" anchorCtr="0">
-            <a:noAutofit/>
-          </a:bodyPr>
-          <a:lstStyle/>
-          <a:p>
-            <a:pPr lvl="0">
-              <a:spcBef>
-                <a:spcPts val="0"/>
-              </a:spcBef>
-              <a:buNone/>
-            </a:pPr>
-            <a:r>
-              <a:rPr lang="fr"/>
-              <a:t>Demo</a:t>
-            </a:r>
-          </a:p>
-        </p:txBody>
-      </p:sp>
-    </p:spTree>
-  </p:cSld>
-  <p:clrMapOvr>
-    <a:masterClrMapping/>
-  </p:clrMapOvr>
-  <p:timing>
-    <p:tnLst>
-      <p:par>
-        <p:cTn xmlns:p14="http://schemas.microsoft.com/office/powerpoint/2010/main" id="1" dur="indefinite" restart="never" nodeType="tmRoot"/>
-      </p:par>
-    </p:tnLst>
-  </p:timing>
 </p:sld>
 </file>
 
 <file path=ppt/theme/theme1.xml><?xml version="1.0" encoding="utf-8"?>
-<a:theme xmlns:a="http://schemas.openxmlformats.org/drawingml/2006/main" name="tropic">
+<a:theme xmlns:a="http://schemas.openxmlformats.org/drawingml/2006/main" xmlns:r="http://schemas.openxmlformats.org/officeDocument/2006/relationships" name="tropic">
   <a:themeElements>
     <a:clrScheme name="Tropic">
       <a:dk1>
@@ -9542,13 +8316,11 @@
       </a:bgFillStyleLst>
     </a:fmtScheme>
   </a:themeElements>
-  <a:objectDefaults/>
-  <a:extraClrSchemeLst/>
 </a:theme>
 </file>
 
 <file path=ppt/theme/theme2.xml><?xml version="1.0" encoding="utf-8"?>
-<a:theme xmlns:a="http://schemas.openxmlformats.org/drawingml/2006/main" name="Custom Theme">
+<a:theme xmlns:a="http://schemas.openxmlformats.org/drawingml/2006/main" xmlns:r="http://schemas.openxmlformats.org/officeDocument/2006/relationships" name="Custom Theme">
   <a:themeElements>
     <a:clrScheme name="Default">
       <a:dk1>
@@ -9823,7 +8595,5 @@
       </a:bgFillStyleLst>
     </a:fmtScheme>
   </a:themeElements>
-  <a:objectDefaults/>
-  <a:extraClrSchemeLst/>
 </a:theme>
 </file>